--- a/images/draw.pptx
+++ b/images/draw.pptx
@@ -262,7 +262,7 @@
           <a:lstStyle/>
           <a:p>
             <a:fld id="{D9CEF203-D469-4648-9B67-AD2269CB5869}" type="datetimeFigureOut">
-              <a:t>2/5/2025</a:t>
+              <a:t>6/2/25</a:t>
             </a:fld>
             <a:endParaRPr lang="en-VN"/>
           </a:p>
@@ -460,7 +460,7 @@
           <a:lstStyle/>
           <a:p>
             <a:fld id="{D9CEF203-D469-4648-9B67-AD2269CB5869}" type="datetimeFigureOut">
-              <a:t>2/5/2025</a:t>
+              <a:t>6/2/25</a:t>
             </a:fld>
             <a:endParaRPr lang="en-VN"/>
           </a:p>
@@ -668,7 +668,7 @@
           <a:lstStyle/>
           <a:p>
             <a:fld id="{D9CEF203-D469-4648-9B67-AD2269CB5869}" type="datetimeFigureOut">
-              <a:t>2/5/2025</a:t>
+              <a:t>6/2/25</a:t>
             </a:fld>
             <a:endParaRPr lang="en-VN"/>
           </a:p>
@@ -866,7 +866,7 @@
           <a:lstStyle/>
           <a:p>
             <a:fld id="{D9CEF203-D469-4648-9B67-AD2269CB5869}" type="datetimeFigureOut">
-              <a:t>2/5/2025</a:t>
+              <a:t>6/2/25</a:t>
             </a:fld>
             <a:endParaRPr lang="en-VN"/>
           </a:p>
@@ -1140,7 +1140,7 @@
           <a:lstStyle/>
           <a:p>
             <a:fld id="{D9CEF203-D469-4648-9B67-AD2269CB5869}" type="datetimeFigureOut">
-              <a:t>2/5/2025</a:t>
+              <a:t>6/2/25</a:t>
             </a:fld>
             <a:endParaRPr lang="en-VN"/>
           </a:p>
@@ -1406,7 +1406,7 @@
           <a:lstStyle/>
           <a:p>
             <a:fld id="{D9CEF203-D469-4648-9B67-AD2269CB5869}" type="datetimeFigureOut">
-              <a:t>2/5/2025</a:t>
+              <a:t>6/2/25</a:t>
             </a:fld>
             <a:endParaRPr lang="en-VN"/>
           </a:p>
@@ -1819,7 +1819,7 @@
           <a:lstStyle/>
           <a:p>
             <a:fld id="{D9CEF203-D469-4648-9B67-AD2269CB5869}" type="datetimeFigureOut">
-              <a:t>2/5/2025</a:t>
+              <a:t>6/2/25</a:t>
             </a:fld>
             <a:endParaRPr lang="en-VN"/>
           </a:p>
@@ -1959,7 +1959,7 @@
           <a:lstStyle/>
           <a:p>
             <a:fld id="{D9CEF203-D469-4648-9B67-AD2269CB5869}" type="datetimeFigureOut">
-              <a:t>2/5/2025</a:t>
+              <a:t>6/2/25</a:t>
             </a:fld>
             <a:endParaRPr lang="en-VN"/>
           </a:p>
@@ -2070,7 +2070,7 @@
           <a:lstStyle/>
           <a:p>
             <a:fld id="{D9CEF203-D469-4648-9B67-AD2269CB5869}" type="datetimeFigureOut">
-              <a:t>2/5/2025</a:t>
+              <a:t>6/2/25</a:t>
             </a:fld>
             <a:endParaRPr lang="en-VN"/>
           </a:p>
@@ -2381,7 +2381,7 @@
           <a:lstStyle/>
           <a:p>
             <a:fld id="{D9CEF203-D469-4648-9B67-AD2269CB5869}" type="datetimeFigureOut">
-              <a:t>2/5/2025</a:t>
+              <a:t>6/2/25</a:t>
             </a:fld>
             <a:endParaRPr lang="en-VN"/>
           </a:p>
@@ -2668,7 +2668,7 @@
           <a:lstStyle/>
           <a:p>
             <a:fld id="{D9CEF203-D469-4648-9B67-AD2269CB5869}" type="datetimeFigureOut">
-              <a:t>2/5/2025</a:t>
+              <a:t>6/2/25</a:t>
             </a:fld>
             <a:endParaRPr lang="en-VN"/>
           </a:p>
@@ -2909,7 +2909,7 @@
           </a:lstStyle>
           <a:p>
             <a:fld id="{D9CEF203-D469-4648-9B67-AD2269CB5869}" type="datetimeFigureOut">
-              <a:t>2/5/2025</a:t>
+              <a:t>6/2/25</a:t>
             </a:fld>
             <a:endParaRPr lang="en-VN"/>
           </a:p>
@@ -9334,56 +9334,5732 @@
           <a:chExt cx="0" cy="0"/>
         </a:xfrm>
       </p:grpSpPr>
-      <p:sp>
-        <p:nvSpPr>
-          <p:cNvPr id="2" name="Title 1">
+      <p:pic>
+        <p:nvPicPr>
+          <p:cNvPr id="4" name="Content Placeholder 8" descr="A person wearing a hat&#10;&#10;Description automatically generated">
             <a:extLst>
               <a:ext uri="{FF2B5EF4-FFF2-40B4-BE49-F238E27FC236}">
-                <a16:creationId xmlns:a16="http://schemas.microsoft.com/office/drawing/2014/main" id="{544DFEC7-7D79-2B9F-C060-28120E9B9B83}"/>
+                <a16:creationId xmlns:a16="http://schemas.microsoft.com/office/drawing/2014/main" id="{846A6134-496B-0853-6F1B-D179BB673BC6}"/>
               </a:ext>
             </a:extLst>
           </p:cNvPr>
-          <p:cNvSpPr>
-            <a:spLocks noGrp="1"/>
-          </p:cNvSpPr>
+          <p:cNvPicPr>
+            <a:picLocks noGrp="1" noChangeAspect="1"/>
+          </p:cNvPicPr>
           <p:nvPr>
-            <p:ph type="title"/>
+            <p:ph idx="1"/>
           </p:nvPr>
+        </p:nvPicPr>
+        <p:blipFill>
+          <a:blip r:embed="rId2"/>
+          <a:stretch>
+            <a:fillRect/>
+          </a:stretch>
+        </p:blipFill>
+        <p:spPr>
+          <a:xfrm>
+            <a:off x="1979249" y="1133463"/>
+            <a:ext cx="1001565" cy="1001565"/>
+          </a:xfrm>
+        </p:spPr>
+      </p:pic>
+      <p:pic>
+        <p:nvPicPr>
+          <p:cNvPr id="5" name="Content Placeholder 8" descr="A person wearing a hat&#10;&#10;Description automatically generated">
+            <a:extLst>
+              <a:ext uri="{FF2B5EF4-FFF2-40B4-BE49-F238E27FC236}">
+                <a16:creationId xmlns:a16="http://schemas.microsoft.com/office/drawing/2014/main" id="{8AFF81C0-7914-51AA-3475-1BB0B0C62C42}"/>
+              </a:ext>
+            </a:extLst>
+          </p:cNvPr>
+          <p:cNvPicPr>
+            <a:picLocks noChangeAspect="1"/>
+          </p:cNvPicPr>
+          <p:nvPr/>
+        </p:nvPicPr>
+        <p:blipFill>
+          <a:blip r:embed="rId2"/>
+          <a:stretch>
+            <a:fillRect/>
+          </a:stretch>
+        </p:blipFill>
+        <p:spPr>
+          <a:xfrm>
+            <a:off x="3935457" y="1133463"/>
+            <a:ext cx="1008000" cy="1008000"/>
+          </a:xfrm>
+          <a:prstGeom prst="rect">
+            <a:avLst/>
+          </a:prstGeom>
+        </p:spPr>
+      </p:pic>
+      <p:cxnSp>
+        <p:nvCxnSpPr>
+          <p:cNvPr id="6" name="Straight Connector 5">
+            <a:extLst>
+              <a:ext uri="{FF2B5EF4-FFF2-40B4-BE49-F238E27FC236}">
+                <a16:creationId xmlns:a16="http://schemas.microsoft.com/office/drawing/2014/main" id="{1E525C4D-ADC3-7FE5-D2C7-E59B81C4B621}"/>
+              </a:ext>
+            </a:extLst>
+          </p:cNvPr>
+          <p:cNvCxnSpPr>
+            <a:cxnSpLocks/>
+          </p:cNvCxnSpPr>
+          <p:nvPr/>
+        </p:nvCxnSpPr>
+        <p:spPr>
+          <a:xfrm>
+            <a:off x="4639794" y="1133463"/>
+            <a:ext cx="0" cy="1008000"/>
+          </a:xfrm>
+          <a:prstGeom prst="line">
+            <a:avLst/>
+          </a:prstGeom>
+          <a:ln w="38100">
+            <a:solidFill>
+              <a:schemeClr val="bg1"/>
+            </a:solidFill>
+          </a:ln>
+        </p:spPr>
+        <p:style>
+          <a:lnRef idx="1">
+            <a:schemeClr val="accent1"/>
+          </a:lnRef>
+          <a:fillRef idx="0">
+            <a:schemeClr val="accent1"/>
+          </a:fillRef>
+          <a:effectRef idx="0">
+            <a:schemeClr val="accent1"/>
+          </a:effectRef>
+          <a:fontRef idx="minor">
+            <a:schemeClr val="tx1"/>
+          </a:fontRef>
+        </p:style>
+      </p:cxnSp>
+      <p:cxnSp>
+        <p:nvCxnSpPr>
+          <p:cNvPr id="7" name="Straight Connector 6">
+            <a:extLst>
+              <a:ext uri="{FF2B5EF4-FFF2-40B4-BE49-F238E27FC236}">
+                <a16:creationId xmlns:a16="http://schemas.microsoft.com/office/drawing/2014/main" id="{86758C5A-584C-582F-2FB4-EB8F50C7541E}"/>
+              </a:ext>
+            </a:extLst>
+          </p:cNvPr>
+          <p:cNvCxnSpPr>
+            <a:cxnSpLocks/>
+          </p:cNvCxnSpPr>
+          <p:nvPr/>
+        </p:nvCxnSpPr>
+        <p:spPr>
+          <a:xfrm>
+            <a:off x="4272811" y="1133463"/>
+            <a:ext cx="0" cy="1008000"/>
+          </a:xfrm>
+          <a:prstGeom prst="line">
+            <a:avLst/>
+          </a:prstGeom>
+          <a:ln w="38100">
+            <a:solidFill>
+              <a:schemeClr val="bg1"/>
+            </a:solidFill>
+          </a:ln>
+        </p:spPr>
+        <p:style>
+          <a:lnRef idx="1">
+            <a:schemeClr val="accent1"/>
+          </a:lnRef>
+          <a:fillRef idx="0">
+            <a:schemeClr val="accent1"/>
+          </a:fillRef>
+          <a:effectRef idx="0">
+            <a:schemeClr val="accent1"/>
+          </a:effectRef>
+          <a:fontRef idx="minor">
+            <a:schemeClr val="tx1"/>
+          </a:fontRef>
+        </p:style>
+      </p:cxnSp>
+      <p:cxnSp>
+        <p:nvCxnSpPr>
+          <p:cNvPr id="8" name="Straight Connector 7">
+            <a:extLst>
+              <a:ext uri="{FF2B5EF4-FFF2-40B4-BE49-F238E27FC236}">
+                <a16:creationId xmlns:a16="http://schemas.microsoft.com/office/drawing/2014/main" id="{66F21238-9181-B5E2-BD2B-F8C2DD461D94}"/>
+              </a:ext>
+            </a:extLst>
+          </p:cNvPr>
+          <p:cNvCxnSpPr>
+            <a:cxnSpLocks/>
+          </p:cNvCxnSpPr>
+          <p:nvPr/>
+        </p:nvCxnSpPr>
+        <p:spPr>
+          <a:xfrm>
+            <a:off x="3935457" y="1461578"/>
+            <a:ext cx="1019536" cy="0"/>
+          </a:xfrm>
+          <a:prstGeom prst="line">
+            <a:avLst/>
+          </a:prstGeom>
+          <a:ln w="38100">
+            <a:solidFill>
+              <a:schemeClr val="bg1"/>
+            </a:solidFill>
+          </a:ln>
+        </p:spPr>
+        <p:style>
+          <a:lnRef idx="1">
+            <a:schemeClr val="accent1"/>
+          </a:lnRef>
+          <a:fillRef idx="0">
+            <a:schemeClr val="accent1"/>
+          </a:fillRef>
+          <a:effectRef idx="0">
+            <a:schemeClr val="accent1"/>
+          </a:effectRef>
+          <a:fontRef idx="minor">
+            <a:schemeClr val="tx1"/>
+          </a:fontRef>
+        </p:style>
+      </p:cxnSp>
+      <p:cxnSp>
+        <p:nvCxnSpPr>
+          <p:cNvPr id="9" name="Straight Connector 8">
+            <a:extLst>
+              <a:ext uri="{FF2B5EF4-FFF2-40B4-BE49-F238E27FC236}">
+                <a16:creationId xmlns:a16="http://schemas.microsoft.com/office/drawing/2014/main" id="{21879FD4-EFDA-8F86-6EEF-7167566A3ED9}"/>
+              </a:ext>
+            </a:extLst>
+          </p:cNvPr>
+          <p:cNvCxnSpPr>
+            <a:cxnSpLocks/>
+          </p:cNvCxnSpPr>
+          <p:nvPr/>
+        </p:nvCxnSpPr>
+        <p:spPr>
+          <a:xfrm>
+            <a:off x="3935457" y="1817837"/>
+            <a:ext cx="1019536" cy="0"/>
+          </a:xfrm>
+          <a:prstGeom prst="line">
+            <a:avLst/>
+          </a:prstGeom>
+          <a:ln w="38100">
+            <a:solidFill>
+              <a:schemeClr val="bg1"/>
+            </a:solidFill>
+          </a:ln>
+        </p:spPr>
+        <p:style>
+          <a:lnRef idx="1">
+            <a:schemeClr val="accent1"/>
+          </a:lnRef>
+          <a:fillRef idx="0">
+            <a:schemeClr val="accent1"/>
+          </a:fillRef>
+          <a:effectRef idx="0">
+            <a:schemeClr val="accent1"/>
+          </a:effectRef>
+          <a:fontRef idx="minor">
+            <a:schemeClr val="tx1"/>
+          </a:fontRef>
+        </p:style>
+      </p:cxnSp>
+      <p:cxnSp>
+        <p:nvCxnSpPr>
+          <p:cNvPr id="10" name="Straight Arrow Connector 9">
+            <a:extLst>
+              <a:ext uri="{FF2B5EF4-FFF2-40B4-BE49-F238E27FC236}">
+                <a16:creationId xmlns:a16="http://schemas.microsoft.com/office/drawing/2014/main" id="{474C06E8-89E4-0AD6-6DD3-5AAA6A176C05}"/>
+              </a:ext>
+            </a:extLst>
+          </p:cNvPr>
+          <p:cNvCxnSpPr>
+            <a:cxnSpLocks/>
+            <a:stCxn id="4" idx="3"/>
+            <a:endCxn id="5" idx="1"/>
+          </p:cNvCxnSpPr>
+          <p:nvPr/>
+        </p:nvCxnSpPr>
+        <p:spPr>
+          <a:xfrm>
+            <a:off x="2980814" y="1634246"/>
+            <a:ext cx="954643" cy="3217"/>
+          </a:xfrm>
+          <a:prstGeom prst="straightConnector1">
+            <a:avLst/>
+          </a:prstGeom>
+          <a:ln>
+            <a:tailEnd type="triangle"/>
+          </a:ln>
+        </p:spPr>
+        <p:style>
+          <a:lnRef idx="1">
+            <a:schemeClr val="dk1"/>
+          </a:lnRef>
+          <a:fillRef idx="0">
+            <a:schemeClr val="dk1"/>
+          </a:fillRef>
+          <a:effectRef idx="0">
+            <a:schemeClr val="dk1"/>
+          </a:effectRef>
+          <a:fontRef idx="minor">
+            <a:schemeClr val="tx1"/>
+          </a:fontRef>
+        </p:style>
+      </p:cxnSp>
+      <mc:AlternateContent xmlns:mc="http://schemas.openxmlformats.org/markup-compatibility/2006">
+        <mc:Choice xmlns:a14="http://schemas.microsoft.com/office/drawing/2010/main" Requires="a14">
+          <p:sp>
+            <p:nvSpPr>
+              <p:cNvPr id="11" name="TextBox 10">
+                <a:extLst>
+                  <a:ext uri="{FF2B5EF4-FFF2-40B4-BE49-F238E27FC236}">
+                    <a16:creationId xmlns:a16="http://schemas.microsoft.com/office/drawing/2014/main" id="{0DE9B638-EFEA-ECDD-F8C5-EB35AD1CA569}"/>
+                  </a:ext>
+                </a:extLst>
+              </p:cNvPr>
+              <p:cNvSpPr txBox="1"/>
+              <p:nvPr/>
+            </p:nvSpPr>
+            <p:spPr>
+              <a:xfrm>
+                <a:off x="4064288" y="2138418"/>
+                <a:ext cx="900812" cy="347788"/>
+              </a:xfrm>
+              <a:prstGeom prst="rect">
+                <a:avLst/>
+              </a:prstGeom>
+              <a:noFill/>
+            </p:spPr>
+            <p:txBody>
+              <a:bodyPr wrap="square" rtlCol="0">
+                <a:spAutoFit/>
+              </a:bodyPr>
+              <a:lstStyle/>
+              <a:p>
+                <a:pPr algn="ctr"/>
+                <a14:m>
+                  <m:oMathPara xmlns:m="http://schemas.openxmlformats.org/officeDocument/2006/math">
+                    <m:oMathParaPr>
+                      <m:jc m:val="centerGroup"/>
+                    </m:oMathParaPr>
+                    <m:oMath xmlns:m="http://schemas.openxmlformats.org/officeDocument/2006/math">
+                      <m:r>
+                        <a:rPr lang="en-VN" sz="1600" b="0" i="1">
+                          <a:latin typeface="Cambria Math" panose="02040503050406030204" pitchFamily="18" charset="0"/>
+                          <a:ea typeface="Cambria Math" panose="02040503050406030204" pitchFamily="18" charset="0"/>
+                        </a:rPr>
+                        <m:t>ℬ</m:t>
+                      </m:r>
+                      <m:r>
+                        <a:rPr lang="vi-VN" sz="1600" b="0" i="1">
+                          <a:latin typeface="Cambria Math" panose="02040503050406030204" pitchFamily="18" charset="0"/>
+                          <a:ea typeface="Cambria Math" panose="02040503050406030204" pitchFamily="18" charset="0"/>
+                        </a:rPr>
+                        <m:t>:</m:t>
+                      </m:r>
+                      <m:sSup>
+                        <m:sSupPr>
+                          <m:ctrlPr>
+                            <a:rPr lang="vi-VN" sz="1600" b="0" i="1">
+                              <a:latin typeface="Cambria Math" panose="02040503050406030204" pitchFamily="18" charset="0"/>
+                              <a:ea typeface="Cambria Math" panose="02040503050406030204" pitchFamily="18" charset="0"/>
+                            </a:rPr>
+                          </m:ctrlPr>
+                        </m:sSupPr>
+                        <m:e>
+                          <m:r>
+                            <a:rPr lang="vi-VN" sz="1600" i="1">
+                              <a:latin typeface="Cambria Math" panose="02040503050406030204" pitchFamily="18" charset="0"/>
+                              <a:ea typeface="Cambria Math" panose="02040503050406030204" pitchFamily="18" charset="0"/>
+                            </a:rPr>
+                            <m:t>𝑏</m:t>
+                          </m:r>
+                        </m:e>
+                        <m:sup>
+                          <m:r>
+                            <m:rPr>
+                              <m:sty m:val="p"/>
+                            </m:rPr>
+                            <a:rPr lang="vi-VN" sz="1600" i="1">
+                              <a:latin typeface="Cambria Math" panose="02040503050406030204" pitchFamily="18" charset="0"/>
+                              <a:ea typeface="Cambria Math" panose="02040503050406030204" pitchFamily="18" charset="0"/>
+                            </a:rPr>
+                            <m:t>n</m:t>
+                          </m:r>
+                          <m:r>
+                            <a:rPr lang="vi-VN" sz="1600" b="0" i="1">
+                              <a:latin typeface="Cambria Math" panose="02040503050406030204" pitchFamily="18" charset="0"/>
+                              <a:ea typeface="Cambria Math" panose="02040503050406030204" pitchFamily="18" charset="0"/>
+                            </a:rPr>
+                            <m:t>×</m:t>
+                          </m:r>
+                          <m:r>
+                            <m:rPr>
+                              <m:sty m:val="p"/>
+                            </m:rPr>
+                            <a:rPr lang="vi-VN" sz="1600" i="1">
+                              <a:latin typeface="Cambria Math" panose="02040503050406030204" pitchFamily="18" charset="0"/>
+                              <a:ea typeface="Cambria Math" panose="02040503050406030204" pitchFamily="18" charset="0"/>
+                            </a:rPr>
+                            <m:t>n</m:t>
+                          </m:r>
+                        </m:sup>
+                      </m:sSup>
+                    </m:oMath>
+                  </m:oMathPara>
+                </a14:m>
+                <a:endParaRPr lang="en-VN" sz="1600" i="1"/>
+              </a:p>
+            </p:txBody>
+          </p:sp>
+        </mc:Choice>
+        <mc:Fallback>
+          <p:sp>
+            <p:nvSpPr>
+              <p:cNvPr id="11" name="TextBox 10">
+                <a:extLst>
+                  <a:ext uri="{FF2B5EF4-FFF2-40B4-BE49-F238E27FC236}">
+                    <a16:creationId xmlns:a16="http://schemas.microsoft.com/office/drawing/2014/main" id="{0DE9B638-EFEA-ECDD-F8C5-EB35AD1CA569}"/>
+                  </a:ext>
+                </a:extLst>
+              </p:cNvPr>
+              <p:cNvSpPr txBox="1">
+                <a:spLocks noRot="1" noChangeAspect="1" noMove="1" noResize="1" noEditPoints="1" noAdjustHandles="1" noChangeArrowheads="1" noChangeShapeType="1" noTextEdit="1"/>
+              </p:cNvSpPr>
+              <p:nvPr/>
+            </p:nvSpPr>
+            <p:spPr>
+              <a:xfrm>
+                <a:off x="4064288" y="2138418"/>
+                <a:ext cx="900812" cy="347788"/>
+              </a:xfrm>
+              <a:prstGeom prst="rect">
+                <a:avLst/>
+              </a:prstGeom>
+              <a:blipFill>
+                <a:blip r:embed="rId3"/>
+                <a:stretch>
+                  <a:fillRect/>
+                </a:stretch>
+              </a:blipFill>
+            </p:spPr>
+            <p:txBody>
+              <a:bodyPr/>
+              <a:lstStyle/>
+              <a:p>
+                <a:r>
+                  <a:rPr lang="en-VN">
+                    <a:noFill/>
+                  </a:rPr>
+                  <a:t> </a:t>
+                </a:r>
+              </a:p>
+            </p:txBody>
+          </p:sp>
+        </mc:Fallback>
+      </mc:AlternateContent>
+      <mc:AlternateContent xmlns:mc="http://schemas.openxmlformats.org/markup-compatibility/2006">
+        <mc:Choice xmlns:a14="http://schemas.microsoft.com/office/drawing/2010/main" Requires="a14">
+          <p:sp>
+            <p:nvSpPr>
+              <p:cNvPr id="26" name="TextBox 25">
+                <a:extLst>
+                  <a:ext uri="{FF2B5EF4-FFF2-40B4-BE49-F238E27FC236}">
+                    <a16:creationId xmlns:a16="http://schemas.microsoft.com/office/drawing/2014/main" id="{AF71329E-37C0-99FC-0D0D-69FF6B669B7C}"/>
+                  </a:ext>
+                </a:extLst>
+              </p:cNvPr>
+              <p:cNvSpPr txBox="1"/>
+              <p:nvPr/>
+            </p:nvSpPr>
+            <p:spPr>
+              <a:xfrm>
+                <a:off x="2979349" y="1290354"/>
+                <a:ext cx="954095" cy="338554"/>
+              </a:xfrm>
+              <a:prstGeom prst="rect">
+                <a:avLst/>
+              </a:prstGeom>
+              <a:noFill/>
+            </p:spPr>
+            <p:txBody>
+              <a:bodyPr wrap="square" rtlCol="0">
+                <a:spAutoFit/>
+              </a:bodyPr>
+              <a:lstStyle/>
+              <a:p>
+                <a:r>
+                  <a:rPr lang="en-VN" sz="1600">
+                    <a:latin typeface="Times New Roman" panose="02020603050405020304" pitchFamily="18" charset="0"/>
+                    <a:cs typeface="Times New Roman" panose="02020603050405020304" pitchFamily="18" charset="0"/>
+                  </a:rPr>
+                  <a:t>divide(</a:t>
+                </a:r>
+                <a14:m>
+                  <m:oMath xmlns:m="http://schemas.openxmlformats.org/officeDocument/2006/math">
+                    <m:r>
+                      <a:rPr lang="en-VN" sz="1600" i="1">
+                        <a:latin typeface="Cambria Math" panose="02040503050406030204" pitchFamily="18" charset="0"/>
+                      </a:rPr>
+                      <m:t>𝑘</m:t>
+                    </m:r>
+                  </m:oMath>
+                </a14:m>
+                <a:r>
+                  <a:rPr lang="en-VN" sz="1600">
+                    <a:latin typeface="Times New Roman" panose="02020603050405020304" pitchFamily="18" charset="0"/>
+                    <a:cs typeface="Times New Roman" panose="02020603050405020304" pitchFamily="18" charset="0"/>
+                  </a:rPr>
+                  <a:t>) </a:t>
+                </a:r>
+              </a:p>
+            </p:txBody>
+          </p:sp>
+        </mc:Choice>
+        <mc:Fallback>
+          <p:sp>
+            <p:nvSpPr>
+              <p:cNvPr id="26" name="TextBox 25">
+                <a:extLst>
+                  <a:ext uri="{FF2B5EF4-FFF2-40B4-BE49-F238E27FC236}">
+                    <a16:creationId xmlns:a16="http://schemas.microsoft.com/office/drawing/2014/main" id="{AF71329E-37C0-99FC-0D0D-69FF6B669B7C}"/>
+                  </a:ext>
+                </a:extLst>
+              </p:cNvPr>
+              <p:cNvSpPr txBox="1">
+                <a:spLocks noRot="1" noChangeAspect="1" noMove="1" noResize="1" noEditPoints="1" noAdjustHandles="1" noChangeArrowheads="1" noChangeShapeType="1" noTextEdit="1"/>
+              </p:cNvSpPr>
+              <p:nvPr/>
+            </p:nvSpPr>
+            <p:spPr>
+              <a:xfrm>
+                <a:off x="2979349" y="1290354"/>
+                <a:ext cx="954095" cy="338554"/>
+              </a:xfrm>
+              <a:prstGeom prst="rect">
+                <a:avLst/>
+              </a:prstGeom>
+              <a:blipFill>
+                <a:blip r:embed="rId4"/>
+                <a:stretch>
+                  <a:fillRect l="-3947" t="-3571" r="-7895" b="-17857"/>
+                </a:stretch>
+              </a:blipFill>
+            </p:spPr>
+            <p:txBody>
+              <a:bodyPr/>
+              <a:lstStyle/>
+              <a:p>
+                <a:r>
+                  <a:rPr lang="en-VN">
+                    <a:noFill/>
+                  </a:rPr>
+                  <a:t> </a:t>
+                </a:r>
+              </a:p>
+            </p:txBody>
+          </p:sp>
+        </mc:Fallback>
+      </mc:AlternateContent>
+      <mc:AlternateContent xmlns:mc="http://schemas.openxmlformats.org/markup-compatibility/2006">
+        <mc:Choice xmlns:a14="http://schemas.microsoft.com/office/drawing/2010/main" Requires="a14">
+          <p:sp>
+            <p:nvSpPr>
+              <p:cNvPr id="27" name="TextBox 26">
+                <a:extLst>
+                  <a:ext uri="{FF2B5EF4-FFF2-40B4-BE49-F238E27FC236}">
+                    <a16:creationId xmlns:a16="http://schemas.microsoft.com/office/drawing/2014/main" id="{4973E9F6-4AE9-ECCF-48F0-94C743E6D88B}"/>
+                  </a:ext>
+                </a:extLst>
+              </p:cNvPr>
+              <p:cNvSpPr txBox="1"/>
+              <p:nvPr/>
+            </p:nvSpPr>
+            <p:spPr>
+              <a:xfrm>
+                <a:off x="1979249" y="2138418"/>
+                <a:ext cx="1001565" cy="338554"/>
+              </a:xfrm>
+              <a:prstGeom prst="rect">
+                <a:avLst/>
+              </a:prstGeom>
+              <a:noFill/>
+            </p:spPr>
+            <p:txBody>
+              <a:bodyPr wrap="square" rtlCol="0">
+                <a:spAutoFit/>
+              </a:bodyPr>
+              <a:lstStyle/>
+              <a:p>
+                <a:pPr algn="ctr"/>
+                <a14:m>
+                  <m:oMathPara xmlns:m="http://schemas.openxmlformats.org/officeDocument/2006/math">
+                    <m:oMathParaPr>
+                      <m:jc m:val="centerGroup"/>
+                    </m:oMathParaPr>
+                    <m:oMath xmlns:m="http://schemas.openxmlformats.org/officeDocument/2006/math">
+                      <m:r>
+                        <a:rPr lang="en-VN" sz="1600" b="0" i="1">
+                          <a:latin typeface="Cambria Math" panose="02040503050406030204" pitchFamily="18" charset="0"/>
+                          <a:ea typeface="Cambria Math" panose="02040503050406030204" pitchFamily="18" charset="0"/>
+                        </a:rPr>
+                        <m:t>ℐ</m:t>
+                      </m:r>
+                    </m:oMath>
+                  </m:oMathPara>
+                </a14:m>
+                <a:endParaRPr lang="en-VN" sz="1600"/>
+              </a:p>
+            </p:txBody>
+          </p:sp>
+        </mc:Choice>
+        <mc:Fallback>
+          <p:sp>
+            <p:nvSpPr>
+              <p:cNvPr id="27" name="TextBox 26">
+                <a:extLst>
+                  <a:ext uri="{FF2B5EF4-FFF2-40B4-BE49-F238E27FC236}">
+                    <a16:creationId xmlns:a16="http://schemas.microsoft.com/office/drawing/2014/main" id="{4973E9F6-4AE9-ECCF-48F0-94C743E6D88B}"/>
+                  </a:ext>
+                </a:extLst>
+              </p:cNvPr>
+              <p:cNvSpPr txBox="1">
+                <a:spLocks noRot="1" noChangeAspect="1" noMove="1" noResize="1" noEditPoints="1" noAdjustHandles="1" noChangeArrowheads="1" noChangeShapeType="1" noTextEdit="1"/>
+              </p:cNvSpPr>
+              <p:nvPr/>
+            </p:nvSpPr>
+            <p:spPr>
+              <a:xfrm>
+                <a:off x="1979249" y="2138418"/>
+                <a:ext cx="1001565" cy="338554"/>
+              </a:xfrm>
+              <a:prstGeom prst="rect">
+                <a:avLst/>
+              </a:prstGeom>
+              <a:blipFill>
+                <a:blip r:embed="rId5"/>
+                <a:stretch>
+                  <a:fillRect/>
+                </a:stretch>
+              </a:blipFill>
+            </p:spPr>
+            <p:txBody>
+              <a:bodyPr/>
+              <a:lstStyle/>
+              <a:p>
+                <a:r>
+                  <a:rPr lang="en-VN">
+                    <a:noFill/>
+                  </a:rPr>
+                  <a:t> </a:t>
+                </a:r>
+              </a:p>
+            </p:txBody>
+          </p:sp>
+        </mc:Fallback>
+      </mc:AlternateContent>
+      <p:cxnSp>
+        <p:nvCxnSpPr>
+          <p:cNvPr id="29" name="Straight Arrow Connector 28">
+            <a:extLst>
+              <a:ext uri="{FF2B5EF4-FFF2-40B4-BE49-F238E27FC236}">
+                <a16:creationId xmlns:a16="http://schemas.microsoft.com/office/drawing/2014/main" id="{84AE2CBC-69C5-E54A-1B21-F6D8201AD780}"/>
+              </a:ext>
+            </a:extLst>
+          </p:cNvPr>
+          <p:cNvCxnSpPr>
+            <a:cxnSpLocks/>
+            <a:stCxn id="5" idx="3"/>
+            <a:endCxn id="30" idx="1"/>
+          </p:cNvCxnSpPr>
+          <p:nvPr/>
+        </p:nvCxnSpPr>
+        <p:spPr>
+          <a:xfrm>
+            <a:off x="4943457" y="1637463"/>
+            <a:ext cx="1027286" cy="2169"/>
+          </a:xfrm>
+          <a:prstGeom prst="straightConnector1">
+            <a:avLst/>
+          </a:prstGeom>
+          <a:ln>
+            <a:tailEnd type="triangle"/>
+          </a:ln>
+        </p:spPr>
+        <p:style>
+          <a:lnRef idx="1">
+            <a:schemeClr val="dk1"/>
+          </a:lnRef>
+          <a:fillRef idx="0">
+            <a:schemeClr val="dk1"/>
+          </a:fillRef>
+          <a:effectRef idx="0">
+            <a:schemeClr val="dk1"/>
+          </a:effectRef>
+          <a:fontRef idx="minor">
+            <a:schemeClr val="tx1"/>
+          </a:fontRef>
+        </p:style>
+      </p:cxnSp>
+      <p:pic>
+        <p:nvPicPr>
+          <p:cNvPr id="30" name="Content Placeholder 8" descr="A person wearing a hat&#10;&#10;Description automatically generated">
+            <a:extLst>
+              <a:ext uri="{FF2B5EF4-FFF2-40B4-BE49-F238E27FC236}">
+                <a16:creationId xmlns:a16="http://schemas.microsoft.com/office/drawing/2014/main" id="{32ADBB8F-1F46-A338-6371-902AC3A33F51}"/>
+              </a:ext>
+            </a:extLst>
+          </p:cNvPr>
+          <p:cNvPicPr>
+            <a:picLocks noChangeAspect="1"/>
+          </p:cNvPicPr>
+          <p:nvPr/>
+        </p:nvPicPr>
+        <p:blipFill>
+          <a:blip r:embed="rId2"/>
+          <a:srcRect l="32143" t="37115" r="32143" b="27171"/>
+          <a:stretch/>
+        </p:blipFill>
+        <p:spPr>
+          <a:xfrm>
+            <a:off x="5970743" y="1459631"/>
+            <a:ext cx="360000" cy="360001"/>
+          </a:xfrm>
+          <a:prstGeom prst="rect">
+            <a:avLst/>
+          </a:prstGeom>
+        </p:spPr>
+      </p:pic>
+      <mc:AlternateContent xmlns:mc="http://schemas.openxmlformats.org/markup-compatibility/2006">
+        <mc:Choice xmlns:a14="http://schemas.microsoft.com/office/drawing/2010/main" Requires="a14">
+          <p:sp>
+            <p:nvSpPr>
+              <p:cNvPr id="33" name="TextBox 32">
+                <a:extLst>
+                  <a:ext uri="{FF2B5EF4-FFF2-40B4-BE49-F238E27FC236}">
+                    <a16:creationId xmlns:a16="http://schemas.microsoft.com/office/drawing/2014/main" id="{96C2719D-9F48-DBD4-E84D-C5945DEA7D70}"/>
+                  </a:ext>
+                </a:extLst>
+              </p:cNvPr>
+              <p:cNvSpPr txBox="1"/>
+              <p:nvPr/>
+            </p:nvSpPr>
+            <p:spPr>
+              <a:xfrm>
+                <a:off x="5153379" y="1304718"/>
+                <a:ext cx="809171" cy="338554"/>
+              </a:xfrm>
+              <a:prstGeom prst="rect">
+                <a:avLst/>
+              </a:prstGeom>
+              <a:noFill/>
+            </p:spPr>
+            <p:txBody>
+              <a:bodyPr wrap="square" rtlCol="0">
+                <a:spAutoFit/>
+              </a:bodyPr>
+              <a:lstStyle/>
+              <a:p>
+                <a:r>
+                  <a:rPr lang="en-VN" sz="1600">
+                    <a:latin typeface="Times New Roman" panose="02020603050405020304" pitchFamily="18" charset="0"/>
+                    <a:cs typeface="Times New Roman" panose="02020603050405020304" pitchFamily="18" charset="0"/>
+                  </a:rPr>
+                  <a:t>get(</a:t>
+                </a:r>
+                <a14:m>
+                  <m:oMath xmlns:m="http://schemas.openxmlformats.org/officeDocument/2006/math">
+                    <m:r>
+                      <a:rPr lang="en-VN" sz="1600" i="1">
+                        <a:latin typeface="Cambria Math" panose="02040503050406030204" pitchFamily="18" charset="0"/>
+                        <a:cs typeface="Times New Roman" panose="02020603050405020304" pitchFamily="18" charset="0"/>
+                      </a:rPr>
+                      <m:t>𝑖</m:t>
+                    </m:r>
+                    <m:r>
+                      <a:rPr lang="vi-VN" sz="1600" b="0" i="1">
+                        <a:latin typeface="Cambria Math" panose="02040503050406030204" pitchFamily="18" charset="0"/>
+                        <a:cs typeface="Times New Roman" panose="02020603050405020304" pitchFamily="18" charset="0"/>
+                      </a:rPr>
+                      <m:t>,</m:t>
+                    </m:r>
+                    <m:r>
+                      <a:rPr lang="vi-VN" sz="1600" i="1">
+                        <a:latin typeface="Cambria Math" panose="02040503050406030204" pitchFamily="18" charset="0"/>
+                        <a:cs typeface="Times New Roman" panose="02020603050405020304" pitchFamily="18" charset="0"/>
+                      </a:rPr>
+                      <m:t>𝑗</m:t>
+                    </m:r>
+                  </m:oMath>
+                </a14:m>
+                <a:r>
+                  <a:rPr lang="en-VN" sz="1600">
+                    <a:latin typeface="Times New Roman" panose="02020603050405020304" pitchFamily="18" charset="0"/>
+                    <a:cs typeface="Times New Roman" panose="02020603050405020304" pitchFamily="18" charset="0"/>
+                  </a:rPr>
+                  <a:t>) </a:t>
+                </a:r>
+              </a:p>
+            </p:txBody>
+          </p:sp>
+        </mc:Choice>
+        <mc:Fallback>
+          <p:sp>
+            <p:nvSpPr>
+              <p:cNvPr id="33" name="TextBox 32">
+                <a:extLst>
+                  <a:ext uri="{FF2B5EF4-FFF2-40B4-BE49-F238E27FC236}">
+                    <a16:creationId xmlns:a16="http://schemas.microsoft.com/office/drawing/2014/main" id="{96C2719D-9F48-DBD4-E84D-C5945DEA7D70}"/>
+                  </a:ext>
+                </a:extLst>
+              </p:cNvPr>
+              <p:cNvSpPr txBox="1">
+                <a:spLocks noRot="1" noChangeAspect="1" noMove="1" noResize="1" noEditPoints="1" noAdjustHandles="1" noChangeArrowheads="1" noChangeShapeType="1" noTextEdit="1"/>
+              </p:cNvSpPr>
+              <p:nvPr/>
+            </p:nvSpPr>
+            <p:spPr>
+              <a:xfrm>
+                <a:off x="5153379" y="1304718"/>
+                <a:ext cx="809171" cy="338554"/>
+              </a:xfrm>
+              <a:prstGeom prst="rect">
+                <a:avLst/>
+              </a:prstGeom>
+              <a:blipFill>
+                <a:blip r:embed="rId6"/>
+                <a:stretch>
+                  <a:fillRect l="-3077" t="-3571" r="-7692" b="-17857"/>
+                </a:stretch>
+              </a:blipFill>
+            </p:spPr>
+            <p:txBody>
+              <a:bodyPr/>
+              <a:lstStyle/>
+              <a:p>
+                <a:r>
+                  <a:rPr lang="en-VN">
+                    <a:noFill/>
+                  </a:rPr>
+                  <a:t> </a:t>
+                </a:r>
+              </a:p>
+            </p:txBody>
+          </p:sp>
+        </mc:Fallback>
+      </mc:AlternateContent>
+      <mc:AlternateContent xmlns:mc="http://schemas.openxmlformats.org/markup-compatibility/2006">
+        <mc:Choice xmlns:a14="http://schemas.microsoft.com/office/drawing/2010/main" Requires="a14">
+          <p:sp>
+            <p:nvSpPr>
+              <p:cNvPr id="34" name="TextBox 33">
+                <a:extLst>
+                  <a:ext uri="{FF2B5EF4-FFF2-40B4-BE49-F238E27FC236}">
+                    <a16:creationId xmlns:a16="http://schemas.microsoft.com/office/drawing/2014/main" id="{AF1546E5-A2DE-1370-F383-ABB597FEF5EC}"/>
+                  </a:ext>
+                </a:extLst>
+              </p:cNvPr>
+              <p:cNvSpPr txBox="1"/>
+              <p:nvPr/>
+            </p:nvSpPr>
+            <p:spPr>
+              <a:xfrm>
+                <a:off x="5970743" y="1815516"/>
+                <a:ext cx="425059" cy="361381"/>
+              </a:xfrm>
+              <a:prstGeom prst="rect">
+                <a:avLst/>
+              </a:prstGeom>
+              <a:noFill/>
+            </p:spPr>
+            <p:txBody>
+              <a:bodyPr wrap="square" rtlCol="0">
+                <a:spAutoFit/>
+              </a:bodyPr>
+              <a:lstStyle/>
+              <a:p>
+                <a:pPr algn="ctr"/>
+                <a14:m>
+                  <m:oMathPara xmlns:m="http://schemas.openxmlformats.org/officeDocument/2006/math">
+                    <m:oMathParaPr>
+                      <m:jc m:val="centerGroup"/>
+                    </m:oMathParaPr>
+                    <m:oMath xmlns:m="http://schemas.openxmlformats.org/officeDocument/2006/math">
+                      <m:sSub>
+                        <m:sSubPr>
+                          <m:ctrlPr>
+                            <a:rPr lang="vi-VN" sz="1600" b="0" i="1">
+                              <a:latin typeface="Cambria Math" panose="02040503050406030204" pitchFamily="18" charset="0"/>
+                              <a:ea typeface="Cambria Math" panose="02040503050406030204" pitchFamily="18" charset="0"/>
+                            </a:rPr>
+                          </m:ctrlPr>
+                        </m:sSubPr>
+                        <m:e>
+                          <m:r>
+                            <a:rPr lang="en-VN" sz="1600" b="0" i="1">
+                              <a:latin typeface="Cambria Math" panose="02040503050406030204" pitchFamily="18" charset="0"/>
+                              <a:ea typeface="Cambria Math" panose="02040503050406030204" pitchFamily="18" charset="0"/>
+                            </a:rPr>
+                            <m:t>ℬ</m:t>
+                          </m:r>
+                        </m:e>
+                        <m:sub>
+                          <m:r>
+                            <a:rPr lang="vi-VN" sz="1600" i="1">
+                              <a:latin typeface="Cambria Math" panose="02040503050406030204" pitchFamily="18" charset="0"/>
+                              <a:ea typeface="Cambria Math" panose="02040503050406030204" pitchFamily="18" charset="0"/>
+                            </a:rPr>
+                            <m:t>𝑖</m:t>
+                          </m:r>
+                          <m:r>
+                            <a:rPr lang="vi-VN" sz="1600" b="0" i="1">
+                              <a:latin typeface="Cambria Math" panose="02040503050406030204" pitchFamily="18" charset="0"/>
+                              <a:ea typeface="Cambria Math" panose="02040503050406030204" pitchFamily="18" charset="0"/>
+                            </a:rPr>
+                            <m:t>,</m:t>
+                          </m:r>
+                          <m:r>
+                            <a:rPr lang="vi-VN" sz="1600" i="1">
+                              <a:latin typeface="Cambria Math" panose="02040503050406030204" pitchFamily="18" charset="0"/>
+                              <a:ea typeface="Cambria Math" panose="02040503050406030204" pitchFamily="18" charset="0"/>
+                            </a:rPr>
+                            <m:t>𝑗</m:t>
+                          </m:r>
+                        </m:sub>
+                      </m:sSub>
+                    </m:oMath>
+                  </m:oMathPara>
+                </a14:m>
+                <a:endParaRPr lang="en-VN" sz="1600"/>
+              </a:p>
+            </p:txBody>
+          </p:sp>
+        </mc:Choice>
+        <mc:Fallback>
+          <p:sp>
+            <p:nvSpPr>
+              <p:cNvPr id="34" name="TextBox 33">
+                <a:extLst>
+                  <a:ext uri="{FF2B5EF4-FFF2-40B4-BE49-F238E27FC236}">
+                    <a16:creationId xmlns:a16="http://schemas.microsoft.com/office/drawing/2014/main" id="{AF1546E5-A2DE-1370-F383-ABB597FEF5EC}"/>
+                  </a:ext>
+                </a:extLst>
+              </p:cNvPr>
+              <p:cNvSpPr txBox="1">
+                <a:spLocks noRot="1" noChangeAspect="1" noMove="1" noResize="1" noEditPoints="1" noAdjustHandles="1" noChangeArrowheads="1" noChangeShapeType="1" noTextEdit="1"/>
+              </p:cNvSpPr>
+              <p:nvPr/>
+            </p:nvSpPr>
+            <p:spPr>
+              <a:xfrm>
+                <a:off x="5970743" y="1815516"/>
+                <a:ext cx="425059" cy="361381"/>
+              </a:xfrm>
+              <a:prstGeom prst="rect">
+                <a:avLst/>
+              </a:prstGeom>
+              <a:blipFill>
+                <a:blip r:embed="rId7"/>
+                <a:stretch>
+                  <a:fillRect l="-5714"/>
+                </a:stretch>
+              </a:blipFill>
+            </p:spPr>
+            <p:txBody>
+              <a:bodyPr/>
+              <a:lstStyle/>
+              <a:p>
+                <a:r>
+                  <a:rPr lang="en-VN">
+                    <a:noFill/>
+                  </a:rPr>
+                  <a:t> </a:t>
+                </a:r>
+              </a:p>
+            </p:txBody>
+          </p:sp>
+        </mc:Fallback>
+      </mc:AlternateContent>
+      <mc:AlternateContent xmlns:mc="http://schemas.openxmlformats.org/markup-compatibility/2006">
+        <mc:Choice xmlns:a14="http://schemas.microsoft.com/office/drawing/2010/main" Requires="a14">
+          <p:sp>
+            <p:nvSpPr>
+              <p:cNvPr id="37" name="TextBox 36">
+                <a:extLst>
+                  <a:ext uri="{FF2B5EF4-FFF2-40B4-BE49-F238E27FC236}">
+                    <a16:creationId xmlns:a16="http://schemas.microsoft.com/office/drawing/2014/main" id="{48281054-F8DA-817A-2A6A-C8EBF19E81CA}"/>
+                  </a:ext>
+                </a:extLst>
+              </p:cNvPr>
+              <p:cNvSpPr txBox="1"/>
+              <p:nvPr/>
+            </p:nvSpPr>
+            <p:spPr>
+              <a:xfrm>
+                <a:off x="7903032" y="1458326"/>
+                <a:ext cx="752478" cy="361381"/>
+              </a:xfrm>
+              <a:prstGeom prst="rect">
+                <a:avLst/>
+              </a:prstGeom>
+              <a:noFill/>
+            </p:spPr>
+            <p:txBody>
+              <a:bodyPr wrap="square" rtlCol="0">
+                <a:spAutoFit/>
+              </a:bodyPr>
+              <a:lstStyle/>
+              <a:p>
+                <a:pPr algn="ctr"/>
+                <a14:m>
+                  <m:oMathPara xmlns:m="http://schemas.openxmlformats.org/officeDocument/2006/math">
+                    <m:oMathParaPr>
+                      <m:jc m:val="centerGroup"/>
+                    </m:oMathParaPr>
+                    <m:oMath xmlns:m="http://schemas.openxmlformats.org/officeDocument/2006/math">
+                      <m:sSub>
+                        <m:sSubPr>
+                          <m:ctrlPr>
+                            <a:rPr lang="vi-VN" sz="1600" b="0" i="1">
+                              <a:latin typeface="Cambria Math" panose="02040503050406030204" pitchFamily="18" charset="0"/>
+                              <a:ea typeface="Cambria Math" panose="02040503050406030204" pitchFamily="18" charset="0"/>
+                            </a:rPr>
+                          </m:ctrlPr>
+                        </m:sSubPr>
+                        <m:e>
+                          <m:d>
+                            <m:dPr>
+                              <m:begChr m:val="{"/>
+                              <m:endChr m:val="}"/>
+                              <m:ctrlPr>
+                                <a:rPr lang="vi-VN" sz="1600" b="0" i="1">
+                                  <a:latin typeface="Cambria Math" panose="02040503050406030204" pitchFamily="18" charset="0"/>
+                                  <a:ea typeface="Cambria Math" panose="02040503050406030204" pitchFamily="18" charset="0"/>
+                                </a:rPr>
+                              </m:ctrlPr>
+                            </m:dPr>
+                            <m:e>
+                              <m:r>
+                                <a:rPr lang="vi-VN" sz="1600" i="1">
+                                  <a:latin typeface="Cambria Math" panose="02040503050406030204" pitchFamily="18" charset="0"/>
+                                  <a:ea typeface="Cambria Math" panose="02040503050406030204" pitchFamily="18" charset="0"/>
+                                </a:rPr>
+                                <m:t>𝑏</m:t>
+                              </m:r>
+                            </m:e>
+                          </m:d>
+                        </m:e>
+                        <m:sub>
+                          <m:r>
+                            <a:rPr lang="vi-VN" sz="1600" i="1">
+                              <a:latin typeface="Cambria Math" panose="02040503050406030204" pitchFamily="18" charset="0"/>
+                              <a:ea typeface="Cambria Math" panose="02040503050406030204" pitchFamily="18" charset="0"/>
+                            </a:rPr>
+                            <m:t>𝑖</m:t>
+                          </m:r>
+                          <m:r>
+                            <a:rPr lang="vi-VN" sz="1600" b="0" i="1">
+                              <a:latin typeface="Cambria Math" panose="02040503050406030204" pitchFamily="18" charset="0"/>
+                              <a:ea typeface="Cambria Math" panose="02040503050406030204" pitchFamily="18" charset="0"/>
+                            </a:rPr>
+                            <m:t>,</m:t>
+                          </m:r>
+                          <m:r>
+                            <a:rPr lang="vi-VN" sz="1600" i="1">
+                              <a:latin typeface="Cambria Math" panose="02040503050406030204" pitchFamily="18" charset="0"/>
+                              <a:ea typeface="Cambria Math" panose="02040503050406030204" pitchFamily="18" charset="0"/>
+                            </a:rPr>
+                            <m:t>𝑗</m:t>
+                          </m:r>
+                        </m:sub>
+                      </m:sSub>
+                    </m:oMath>
+                  </m:oMathPara>
+                </a14:m>
+                <a:endParaRPr lang="en-VN" sz="1600"/>
+              </a:p>
+            </p:txBody>
+          </p:sp>
+        </mc:Choice>
+        <mc:Fallback>
+          <p:sp>
+            <p:nvSpPr>
+              <p:cNvPr id="37" name="TextBox 36">
+                <a:extLst>
+                  <a:ext uri="{FF2B5EF4-FFF2-40B4-BE49-F238E27FC236}">
+                    <a16:creationId xmlns:a16="http://schemas.microsoft.com/office/drawing/2014/main" id="{48281054-F8DA-817A-2A6A-C8EBF19E81CA}"/>
+                  </a:ext>
+                </a:extLst>
+              </p:cNvPr>
+              <p:cNvSpPr txBox="1">
+                <a:spLocks noRot="1" noChangeAspect="1" noMove="1" noResize="1" noEditPoints="1" noAdjustHandles="1" noChangeArrowheads="1" noChangeShapeType="1" noTextEdit="1"/>
+              </p:cNvSpPr>
+              <p:nvPr/>
+            </p:nvSpPr>
+            <p:spPr>
+              <a:xfrm>
+                <a:off x="7903032" y="1458326"/>
+                <a:ext cx="752478" cy="361381"/>
+              </a:xfrm>
+              <a:prstGeom prst="rect">
+                <a:avLst/>
+              </a:prstGeom>
+              <a:blipFill>
+                <a:blip r:embed="rId8"/>
+                <a:stretch>
+                  <a:fillRect/>
+                </a:stretch>
+              </a:blipFill>
+            </p:spPr>
+            <p:txBody>
+              <a:bodyPr/>
+              <a:lstStyle/>
+              <a:p>
+                <a:r>
+                  <a:rPr lang="en-VN">
+                    <a:noFill/>
+                  </a:rPr>
+                  <a:t> </a:t>
+                </a:r>
+              </a:p>
+            </p:txBody>
+          </p:sp>
+        </mc:Fallback>
+      </mc:AlternateContent>
+      <mc:AlternateContent xmlns:mc="http://schemas.openxmlformats.org/markup-compatibility/2006">
+        <mc:Choice xmlns:a14="http://schemas.microsoft.com/office/drawing/2010/main" Requires="a14">
+          <p:sp>
+            <p:nvSpPr>
+              <p:cNvPr id="41" name="TextBox 40">
+                <a:extLst>
+                  <a:ext uri="{FF2B5EF4-FFF2-40B4-BE49-F238E27FC236}">
+                    <a16:creationId xmlns:a16="http://schemas.microsoft.com/office/drawing/2014/main" id="{54606A94-FBF0-FB85-0062-DF04032CAA17}"/>
+                  </a:ext>
+                </a:extLst>
+              </p:cNvPr>
+              <p:cNvSpPr txBox="1"/>
+              <p:nvPr/>
+            </p:nvSpPr>
+            <p:spPr>
+              <a:xfrm>
+                <a:off x="6338936" y="1285738"/>
+                <a:ext cx="1618864" cy="338554"/>
+              </a:xfrm>
+              <a:prstGeom prst="rect">
+                <a:avLst/>
+              </a:prstGeom>
+              <a:noFill/>
+            </p:spPr>
+            <p:txBody>
+              <a:bodyPr wrap="square" rtlCol="0">
+                <a:spAutoFit/>
+              </a:bodyPr>
+              <a:lstStyle/>
+              <a:p>
+                <a:r>
+                  <a:rPr lang="en-VN" sz="1600">
+                    <a:latin typeface="Times New Roman" panose="02020603050405020304" pitchFamily="18" charset="0"/>
+                    <a:cs typeface="Times New Roman" panose="02020603050405020304" pitchFamily="18" charset="0"/>
+                  </a:rPr>
+                  <a:t>getNeighbor(</a:t>
+                </a:r>
+                <a14:m>
+                  <m:oMath xmlns:m="http://schemas.openxmlformats.org/officeDocument/2006/math">
+                    <m:r>
+                      <a:rPr lang="en-VN" sz="1600" i="1">
+                        <a:latin typeface="Cambria Math" panose="02040503050406030204" pitchFamily="18" charset="0"/>
+                        <a:cs typeface="Times New Roman" panose="02020603050405020304" pitchFamily="18" charset="0"/>
+                      </a:rPr>
+                      <m:t>𝑖</m:t>
+                    </m:r>
+                    <m:r>
+                      <a:rPr lang="vi-VN" sz="1600" b="0" i="1">
+                        <a:latin typeface="Cambria Math" panose="02040503050406030204" pitchFamily="18" charset="0"/>
+                        <a:cs typeface="Times New Roman" panose="02020603050405020304" pitchFamily="18" charset="0"/>
+                      </a:rPr>
+                      <m:t>,</m:t>
+                    </m:r>
+                    <m:r>
+                      <a:rPr lang="vi-VN" sz="1600" i="1">
+                        <a:latin typeface="Cambria Math" panose="02040503050406030204" pitchFamily="18" charset="0"/>
+                        <a:cs typeface="Times New Roman" panose="02020603050405020304" pitchFamily="18" charset="0"/>
+                      </a:rPr>
+                      <m:t>𝑗</m:t>
+                    </m:r>
+                  </m:oMath>
+                </a14:m>
+                <a:r>
+                  <a:rPr lang="en-VN" sz="1600">
+                    <a:latin typeface="Times New Roman" panose="02020603050405020304" pitchFamily="18" charset="0"/>
+                    <a:cs typeface="Times New Roman" panose="02020603050405020304" pitchFamily="18" charset="0"/>
+                  </a:rPr>
+                  <a:t>) </a:t>
+                </a:r>
+              </a:p>
+            </p:txBody>
+          </p:sp>
+        </mc:Choice>
+        <mc:Fallback>
+          <p:sp>
+            <p:nvSpPr>
+              <p:cNvPr id="41" name="TextBox 40">
+                <a:extLst>
+                  <a:ext uri="{FF2B5EF4-FFF2-40B4-BE49-F238E27FC236}">
+                    <a16:creationId xmlns:a16="http://schemas.microsoft.com/office/drawing/2014/main" id="{54606A94-FBF0-FB85-0062-DF04032CAA17}"/>
+                  </a:ext>
+                </a:extLst>
+              </p:cNvPr>
+              <p:cNvSpPr txBox="1">
+                <a:spLocks noRot="1" noChangeAspect="1" noMove="1" noResize="1" noEditPoints="1" noAdjustHandles="1" noChangeArrowheads="1" noChangeShapeType="1" noTextEdit="1"/>
+              </p:cNvSpPr>
+              <p:nvPr/>
+            </p:nvSpPr>
+            <p:spPr>
+              <a:xfrm>
+                <a:off x="6338936" y="1285738"/>
+                <a:ext cx="1618864" cy="338554"/>
+              </a:xfrm>
+              <a:prstGeom prst="rect">
+                <a:avLst/>
+              </a:prstGeom>
+              <a:blipFill>
+                <a:blip r:embed="rId9"/>
+                <a:stretch>
+                  <a:fillRect l="-2344" t="-7407" r="-1563" b="-22222"/>
+                </a:stretch>
+              </a:blipFill>
+            </p:spPr>
+            <p:txBody>
+              <a:bodyPr/>
+              <a:lstStyle/>
+              <a:p>
+                <a:r>
+                  <a:rPr lang="en-VN">
+                    <a:noFill/>
+                  </a:rPr>
+                  <a:t> </a:t>
+                </a:r>
+              </a:p>
+            </p:txBody>
+          </p:sp>
+        </mc:Fallback>
+      </mc:AlternateContent>
+      <mc:AlternateContent xmlns:mc="http://schemas.openxmlformats.org/markup-compatibility/2006">
+        <mc:Choice xmlns:a14="http://schemas.microsoft.com/office/drawing/2010/main" Requires="a14">
+          <p:sp>
+            <p:nvSpPr>
+              <p:cNvPr id="43" name="TextBox 42">
+                <a:extLst>
+                  <a:ext uri="{FF2B5EF4-FFF2-40B4-BE49-F238E27FC236}">
+                    <a16:creationId xmlns:a16="http://schemas.microsoft.com/office/drawing/2014/main" id="{BB6CBEC1-0BC7-F036-4C31-EF701FDE18FA}"/>
+                  </a:ext>
+                </a:extLst>
+              </p:cNvPr>
+              <p:cNvSpPr txBox="1"/>
+              <p:nvPr/>
+            </p:nvSpPr>
+            <p:spPr>
+              <a:xfrm>
+                <a:off x="8486440" y="3288438"/>
+                <a:ext cx="370517" cy="338554"/>
+              </a:xfrm>
+              <a:prstGeom prst="rect">
+                <a:avLst/>
+              </a:prstGeom>
+              <a:noFill/>
+            </p:spPr>
+            <p:txBody>
+              <a:bodyPr wrap="square" rtlCol="0">
+                <a:spAutoFit/>
+              </a:bodyPr>
+              <a:lstStyle/>
+              <a:p>
+                <a:pPr algn="ctr"/>
+                <a14:m>
+                  <m:oMathPara xmlns:m="http://schemas.openxmlformats.org/officeDocument/2006/math">
+                    <m:oMathParaPr>
+                      <m:jc m:val="centerGroup"/>
+                    </m:oMathParaPr>
+                    <m:oMath xmlns:m="http://schemas.openxmlformats.org/officeDocument/2006/math">
+                      <m:r>
+                        <a:rPr lang="vi-VN" sz="1600" b="1" i="1">
+                          <a:latin typeface="Cambria Math" panose="02040503050406030204" pitchFamily="18" charset="0"/>
+                          <a:ea typeface="Cambria Math" panose="02040503050406030204" pitchFamily="18" charset="0"/>
+                        </a:rPr>
+                        <m:t>𝜽</m:t>
+                      </m:r>
+                    </m:oMath>
+                  </m:oMathPara>
+                </a14:m>
+                <a:endParaRPr lang="en-VN" sz="1600"/>
+              </a:p>
+            </p:txBody>
+          </p:sp>
+        </mc:Choice>
+        <mc:Fallback>
+          <p:sp>
+            <p:nvSpPr>
+              <p:cNvPr id="43" name="TextBox 42">
+                <a:extLst>
+                  <a:ext uri="{FF2B5EF4-FFF2-40B4-BE49-F238E27FC236}">
+                    <a16:creationId xmlns:a16="http://schemas.microsoft.com/office/drawing/2014/main" id="{BB6CBEC1-0BC7-F036-4C31-EF701FDE18FA}"/>
+                  </a:ext>
+                </a:extLst>
+              </p:cNvPr>
+              <p:cNvSpPr txBox="1">
+                <a:spLocks noRot="1" noChangeAspect="1" noMove="1" noResize="1" noEditPoints="1" noAdjustHandles="1" noChangeArrowheads="1" noChangeShapeType="1" noTextEdit="1"/>
+              </p:cNvSpPr>
+              <p:nvPr/>
+            </p:nvSpPr>
+            <p:spPr>
+              <a:xfrm>
+                <a:off x="8486440" y="3288438"/>
+                <a:ext cx="370517" cy="338554"/>
+              </a:xfrm>
+              <a:prstGeom prst="rect">
+                <a:avLst/>
+              </a:prstGeom>
+              <a:blipFill>
+                <a:blip r:embed="rId10"/>
+                <a:stretch>
+                  <a:fillRect/>
+                </a:stretch>
+              </a:blipFill>
+            </p:spPr>
+            <p:txBody>
+              <a:bodyPr/>
+              <a:lstStyle/>
+              <a:p>
+                <a:r>
+                  <a:rPr lang="en-VN">
+                    <a:noFill/>
+                  </a:rPr>
+                  <a:t> </a:t>
+                </a:r>
+              </a:p>
+            </p:txBody>
+          </p:sp>
+        </mc:Fallback>
+      </mc:AlternateContent>
+      <p:cxnSp>
+        <p:nvCxnSpPr>
+          <p:cNvPr id="44" name="Straight Arrow Connector 43">
+            <a:extLst>
+              <a:ext uri="{FF2B5EF4-FFF2-40B4-BE49-F238E27FC236}">
+                <a16:creationId xmlns:a16="http://schemas.microsoft.com/office/drawing/2014/main" id="{59A9D44D-62EE-EA9F-0975-9D3AA8E8E62E}"/>
+              </a:ext>
+            </a:extLst>
+          </p:cNvPr>
+          <p:cNvCxnSpPr>
+            <a:cxnSpLocks/>
+            <a:stCxn id="37" idx="2"/>
+            <a:endCxn id="48" idx="0"/>
+          </p:cNvCxnSpPr>
+          <p:nvPr/>
+        </p:nvCxnSpPr>
+        <p:spPr>
+          <a:xfrm>
+            <a:off x="8279271" y="1819707"/>
+            <a:ext cx="0" cy="542962"/>
+          </a:xfrm>
+          <a:prstGeom prst="straightConnector1">
+            <a:avLst/>
+          </a:prstGeom>
+          <a:ln>
+            <a:tailEnd type="triangle"/>
+          </a:ln>
+        </p:spPr>
+        <p:style>
+          <a:lnRef idx="1">
+            <a:schemeClr val="dk1"/>
+          </a:lnRef>
+          <a:fillRef idx="0">
+            <a:schemeClr val="dk1"/>
+          </a:fillRef>
+          <a:effectRef idx="0">
+            <a:schemeClr val="dk1"/>
+          </a:effectRef>
+          <a:fontRef idx="minor">
+            <a:schemeClr val="tx1"/>
+          </a:fontRef>
+        </p:style>
+      </p:cxnSp>
+      <p:sp>
+        <p:nvSpPr>
+          <p:cNvPr id="48" name="Diamond 47">
+            <a:extLst>
+              <a:ext uri="{FF2B5EF4-FFF2-40B4-BE49-F238E27FC236}">
+                <a16:creationId xmlns:a16="http://schemas.microsoft.com/office/drawing/2014/main" id="{1EDC2296-473F-C141-07E8-6BEE9565A855}"/>
+              </a:ext>
+            </a:extLst>
+          </p:cNvPr>
+          <p:cNvSpPr/>
+          <p:nvPr/>
         </p:nvSpPr>
-        <p:spPr/>
+        <p:spPr>
+          <a:xfrm>
+            <a:off x="7711343" y="2362669"/>
+            <a:ext cx="1135856" cy="412138"/>
+          </a:xfrm>
+          <a:prstGeom prst="diamond">
+            <a:avLst/>
+          </a:prstGeom>
+          <a:noFill/>
+          <a:ln>
+            <a:solidFill>
+              <a:schemeClr val="tx1"/>
+            </a:solidFill>
+          </a:ln>
+        </p:spPr>
+        <p:style>
+          <a:lnRef idx="2">
+            <a:schemeClr val="accent1">
+              <a:shade val="15000"/>
+            </a:schemeClr>
+          </a:lnRef>
+          <a:fillRef idx="1">
+            <a:schemeClr val="accent1"/>
+          </a:fillRef>
+          <a:effectRef idx="0">
+            <a:schemeClr val="accent1"/>
+          </a:effectRef>
+          <a:fontRef idx="minor">
+            <a:schemeClr val="lt1"/>
+          </a:fontRef>
+        </p:style>
         <p:txBody>
-          <a:bodyPr/>
+          <a:bodyPr rtlCol="0" anchor="ctr"/>
           <a:lstStyle/>
           <a:p>
-            <a:endParaRPr lang="en-US"/>
+            <a:pPr algn="ctr"/>
+            <a:endParaRPr lang="en-VN">
+              <a:solidFill>
+                <a:schemeClr val="tx1"/>
+              </a:solidFill>
+            </a:endParaRPr>
+          </a:p>
+        </p:txBody>
+      </p:sp>
+      <mc:AlternateContent xmlns:mc="http://schemas.openxmlformats.org/markup-compatibility/2006">
+        <mc:Choice xmlns:a14="http://schemas.microsoft.com/office/drawing/2010/main" Requires="a14">
+          <p:sp>
+            <p:nvSpPr>
+              <p:cNvPr id="50" name="TextBox 49">
+                <a:extLst>
+                  <a:ext uri="{FF2B5EF4-FFF2-40B4-BE49-F238E27FC236}">
+                    <a16:creationId xmlns:a16="http://schemas.microsoft.com/office/drawing/2014/main" id="{A174D43E-74A3-8194-016B-4E6439D93FB1}"/>
+                  </a:ext>
+                </a:extLst>
+              </p:cNvPr>
+              <p:cNvSpPr txBox="1"/>
+              <p:nvPr/>
+            </p:nvSpPr>
+            <p:spPr>
+              <a:xfrm>
+                <a:off x="7711342" y="2427593"/>
+                <a:ext cx="1135857" cy="291875"/>
+              </a:xfrm>
+              <a:prstGeom prst="rect">
+                <a:avLst/>
+              </a:prstGeom>
+              <a:noFill/>
+            </p:spPr>
+            <p:txBody>
+              <a:bodyPr wrap="square">
+                <a:spAutoFit/>
+              </a:bodyPr>
+              <a:lstStyle/>
+              <a:p>
+                <a:pPr algn="ctr"/>
+                <a14:m>
+                  <m:oMathPara xmlns:m="http://schemas.openxmlformats.org/officeDocument/2006/math">
+                    <m:oMathParaPr>
+                      <m:jc m:val="centerGroup"/>
+                    </m:oMathParaPr>
+                    <m:oMath xmlns:m="http://schemas.openxmlformats.org/officeDocument/2006/math">
+                      <m:sSub>
+                        <m:sSubPr>
+                          <m:ctrlPr>
+                            <a:rPr lang="vi-VN" sz="1200" b="0" i="1">
+                              <a:solidFill>
+                                <a:schemeClr val="tx1"/>
+                              </a:solidFill>
+                              <a:latin typeface="Cambria Math" panose="02040503050406030204" pitchFamily="18" charset="0"/>
+                              <a:ea typeface="Cambria Math" panose="02040503050406030204" pitchFamily="18" charset="0"/>
+                            </a:rPr>
+                          </m:ctrlPr>
+                        </m:sSubPr>
+                        <m:e>
+                          <m:d>
+                            <m:dPr>
+                              <m:begChr m:val="{"/>
+                              <m:endChr m:val="}"/>
+                              <m:ctrlPr>
+                                <a:rPr lang="vi-VN" sz="1200" b="0" i="1">
+                                  <a:solidFill>
+                                    <a:schemeClr val="tx1"/>
+                                  </a:solidFill>
+                                  <a:latin typeface="Cambria Math" panose="02040503050406030204" pitchFamily="18" charset="0"/>
+                                  <a:ea typeface="Cambria Math" panose="02040503050406030204" pitchFamily="18" charset="0"/>
+                                </a:rPr>
+                              </m:ctrlPr>
+                            </m:dPr>
+                            <m:e>
+                              <m:r>
+                                <a:rPr lang="vi-VN" sz="1200" b="1" i="1">
+                                  <a:solidFill>
+                                    <a:schemeClr val="tx1"/>
+                                  </a:solidFill>
+                                  <a:latin typeface="Cambria Math" panose="02040503050406030204" pitchFamily="18" charset="0"/>
+                                  <a:ea typeface="Cambria Math" panose="02040503050406030204" pitchFamily="18" charset="0"/>
+                                </a:rPr>
+                                <m:t>𝜽</m:t>
+                              </m:r>
+                            </m:e>
+                          </m:d>
+                        </m:e>
+                        <m:sub>
+                          <m:r>
+                            <a:rPr lang="vi-VN" sz="1200" i="1">
+                              <a:solidFill>
+                                <a:schemeClr val="tx1"/>
+                              </a:solidFill>
+                              <a:latin typeface="Cambria Math" panose="02040503050406030204" pitchFamily="18" charset="0"/>
+                              <a:ea typeface="Cambria Math" panose="02040503050406030204" pitchFamily="18" charset="0"/>
+                            </a:rPr>
+                            <m:t>𝑖</m:t>
+                          </m:r>
+                          <m:r>
+                            <a:rPr lang="vi-VN" sz="1200" b="0" i="1">
+                              <a:solidFill>
+                                <a:schemeClr val="tx1"/>
+                              </a:solidFill>
+                              <a:latin typeface="Cambria Math" panose="02040503050406030204" pitchFamily="18" charset="0"/>
+                              <a:ea typeface="Cambria Math" panose="02040503050406030204" pitchFamily="18" charset="0"/>
+                            </a:rPr>
+                            <m:t>,</m:t>
+                          </m:r>
+                          <m:r>
+                            <a:rPr lang="vi-VN" sz="1200" i="1">
+                              <a:solidFill>
+                                <a:schemeClr val="tx1"/>
+                              </a:solidFill>
+                              <a:latin typeface="Cambria Math" panose="02040503050406030204" pitchFamily="18" charset="0"/>
+                              <a:ea typeface="Cambria Math" panose="02040503050406030204" pitchFamily="18" charset="0"/>
+                            </a:rPr>
+                            <m:t>𝑗</m:t>
+                          </m:r>
+                        </m:sub>
+                      </m:sSub>
+                      <m:r>
+                        <a:rPr lang="vi-VN" sz="1200" b="0" i="1">
+                          <a:solidFill>
+                            <a:schemeClr val="tx1"/>
+                          </a:solidFill>
+                          <a:latin typeface="Cambria Math" panose="02040503050406030204" pitchFamily="18" charset="0"/>
+                          <a:ea typeface="Cambria Math" panose="02040503050406030204" pitchFamily="18" charset="0"/>
+                        </a:rPr>
+                        <m:t>≠∅</m:t>
+                      </m:r>
+                    </m:oMath>
+                  </m:oMathPara>
+                </a14:m>
+                <a:endParaRPr lang="en-VN" sz="1200">
+                  <a:solidFill>
+                    <a:schemeClr val="tx1"/>
+                  </a:solidFill>
+                </a:endParaRPr>
+              </a:p>
+            </p:txBody>
+          </p:sp>
+        </mc:Choice>
+        <mc:Fallback>
+          <p:sp>
+            <p:nvSpPr>
+              <p:cNvPr id="50" name="TextBox 49">
+                <a:extLst>
+                  <a:ext uri="{FF2B5EF4-FFF2-40B4-BE49-F238E27FC236}">
+                    <a16:creationId xmlns:a16="http://schemas.microsoft.com/office/drawing/2014/main" id="{A174D43E-74A3-8194-016B-4E6439D93FB1}"/>
+                  </a:ext>
+                </a:extLst>
+              </p:cNvPr>
+              <p:cNvSpPr txBox="1">
+                <a:spLocks noRot="1" noChangeAspect="1" noMove="1" noResize="1" noEditPoints="1" noAdjustHandles="1" noChangeArrowheads="1" noChangeShapeType="1" noTextEdit="1"/>
+              </p:cNvSpPr>
+              <p:nvPr/>
+            </p:nvSpPr>
+            <p:spPr>
+              <a:xfrm>
+                <a:off x="7711342" y="2427593"/>
+                <a:ext cx="1135857" cy="291875"/>
+              </a:xfrm>
+              <a:prstGeom prst="rect">
+                <a:avLst/>
+              </a:prstGeom>
+              <a:blipFill>
+                <a:blip r:embed="rId11"/>
+                <a:stretch>
+                  <a:fillRect/>
+                </a:stretch>
+              </a:blipFill>
+            </p:spPr>
+            <p:txBody>
+              <a:bodyPr/>
+              <a:lstStyle/>
+              <a:p>
+                <a:r>
+                  <a:rPr lang="en-VN">
+                    <a:noFill/>
+                  </a:rPr>
+                  <a:t> </a:t>
+                </a:r>
+              </a:p>
+            </p:txBody>
+          </p:sp>
+        </mc:Fallback>
+      </mc:AlternateContent>
+      <mc:AlternateContent xmlns:mc="http://schemas.openxmlformats.org/markup-compatibility/2006">
+        <mc:Choice xmlns:a14="http://schemas.microsoft.com/office/drawing/2010/main" Requires="a14">
+          <p:sp>
+            <p:nvSpPr>
+              <p:cNvPr id="53" name="TextBox 52">
+                <a:extLst>
+                  <a:ext uri="{FF2B5EF4-FFF2-40B4-BE49-F238E27FC236}">
+                    <a16:creationId xmlns:a16="http://schemas.microsoft.com/office/drawing/2014/main" id="{A030238A-6696-EA1F-D0C7-1C0DCF37DF8C}"/>
+                  </a:ext>
+                </a:extLst>
+              </p:cNvPr>
+              <p:cNvSpPr txBox="1"/>
+              <p:nvPr/>
+            </p:nvSpPr>
+            <p:spPr>
+              <a:xfrm>
+                <a:off x="4979942" y="2371215"/>
+                <a:ext cx="748468" cy="391646"/>
+              </a:xfrm>
+              <a:prstGeom prst="rect">
+                <a:avLst/>
+              </a:prstGeom>
+              <a:noFill/>
+            </p:spPr>
+            <p:txBody>
+              <a:bodyPr wrap="square" rtlCol="0">
+                <a:spAutoFit/>
+              </a:bodyPr>
+              <a:lstStyle/>
+              <a:p>
+                <a14:m>
+                  <m:oMathPara xmlns:m="http://schemas.openxmlformats.org/officeDocument/2006/math">
+                    <m:oMathParaPr>
+                      <m:jc m:val="centerGroup"/>
+                    </m:oMathParaPr>
+                    <m:oMath xmlns:m="http://schemas.openxmlformats.org/officeDocument/2006/math">
+                      <m:sSub>
+                        <m:sSubPr>
+                          <m:ctrlPr>
+                            <a:rPr lang="vi-VN" b="0" i="1">
+                              <a:latin typeface="Cambria Math" panose="02040503050406030204" pitchFamily="18" charset="0"/>
+                              <a:ea typeface="Cambria Math" panose="02040503050406030204" pitchFamily="18" charset="0"/>
+                            </a:rPr>
+                          </m:ctrlPr>
+                        </m:sSubPr>
+                        <m:e>
+                          <m:d>
+                            <m:dPr>
+                              <m:begChr m:val="{"/>
+                              <m:endChr m:val="}"/>
+                              <m:ctrlPr>
+                                <a:rPr lang="vi-VN" b="0" i="1">
+                                  <a:latin typeface="Cambria Math" panose="02040503050406030204" pitchFamily="18" charset="0"/>
+                                  <a:ea typeface="Cambria Math" panose="02040503050406030204" pitchFamily="18" charset="0"/>
+                                </a:rPr>
+                              </m:ctrlPr>
+                            </m:dPr>
+                            <m:e>
+                              <m:sSup>
+                                <m:sSupPr>
+                                  <m:ctrlPr>
+                                    <a:rPr lang="vi-VN" b="1" i="1">
+                                      <a:latin typeface="Cambria Math" panose="02040503050406030204" pitchFamily="18" charset="0"/>
+                                      <a:ea typeface="Cambria Math" panose="02040503050406030204" pitchFamily="18" charset="0"/>
+                                    </a:rPr>
+                                  </m:ctrlPr>
+                                </m:sSupPr>
+                                <m:e>
+                                  <m:r>
+                                    <a:rPr lang="vi-VN" b="1" i="1">
+                                      <a:latin typeface="Cambria Math" panose="02040503050406030204" pitchFamily="18" charset="0"/>
+                                      <a:ea typeface="Cambria Math" panose="02040503050406030204" pitchFamily="18" charset="0"/>
+                                    </a:rPr>
+                                    <m:t>𝜽</m:t>
+                                  </m:r>
+                                </m:e>
+                                <m:sup>
+                                  <m:r>
+                                    <a:rPr lang="vi-VN" b="1" i="1">
+                                      <a:latin typeface="Cambria Math" panose="02040503050406030204" pitchFamily="18" charset="0"/>
+                                      <a:ea typeface="Cambria Math" panose="02040503050406030204" pitchFamily="18" charset="0"/>
+                                    </a:rPr>
+                                    <m:t>∗</m:t>
+                                  </m:r>
+                                </m:sup>
+                              </m:sSup>
+                            </m:e>
+                          </m:d>
+                        </m:e>
+                        <m:sub>
+                          <m:r>
+                            <a:rPr lang="vi-VN" i="1">
+                              <a:latin typeface="Cambria Math" panose="02040503050406030204" pitchFamily="18" charset="0"/>
+                              <a:ea typeface="Cambria Math" panose="02040503050406030204" pitchFamily="18" charset="0"/>
+                            </a:rPr>
+                            <m:t>𝑖</m:t>
+                          </m:r>
+                          <m:r>
+                            <a:rPr lang="vi-VN" b="0" i="1">
+                              <a:latin typeface="Cambria Math" panose="02040503050406030204" pitchFamily="18" charset="0"/>
+                              <a:ea typeface="Cambria Math" panose="02040503050406030204" pitchFamily="18" charset="0"/>
+                            </a:rPr>
+                            <m:t>,</m:t>
+                          </m:r>
+                          <m:r>
+                            <a:rPr lang="vi-VN" i="1">
+                              <a:latin typeface="Cambria Math" panose="02040503050406030204" pitchFamily="18" charset="0"/>
+                              <a:ea typeface="Cambria Math" panose="02040503050406030204" pitchFamily="18" charset="0"/>
+                            </a:rPr>
+                            <m:t>𝑗</m:t>
+                          </m:r>
+                        </m:sub>
+                      </m:sSub>
+                    </m:oMath>
+                  </m:oMathPara>
+                </a14:m>
+                <a:endParaRPr lang="en-VN" i="1"/>
+              </a:p>
+            </p:txBody>
+          </p:sp>
+        </mc:Choice>
+        <mc:Fallback>
+          <p:sp>
+            <p:nvSpPr>
+              <p:cNvPr id="53" name="TextBox 52">
+                <a:extLst>
+                  <a:ext uri="{FF2B5EF4-FFF2-40B4-BE49-F238E27FC236}">
+                    <a16:creationId xmlns:a16="http://schemas.microsoft.com/office/drawing/2014/main" id="{A030238A-6696-EA1F-D0C7-1C0DCF37DF8C}"/>
+                  </a:ext>
+                </a:extLst>
+              </p:cNvPr>
+              <p:cNvSpPr txBox="1">
+                <a:spLocks noRot="1" noChangeAspect="1" noMove="1" noResize="1" noEditPoints="1" noAdjustHandles="1" noChangeArrowheads="1" noChangeShapeType="1" noTextEdit="1"/>
+              </p:cNvSpPr>
+              <p:nvPr/>
+            </p:nvSpPr>
+            <p:spPr>
+              <a:xfrm>
+                <a:off x="4979942" y="2371215"/>
+                <a:ext cx="748468" cy="391646"/>
+              </a:xfrm>
+              <a:prstGeom prst="rect">
+                <a:avLst/>
+              </a:prstGeom>
+              <a:blipFill>
+                <a:blip r:embed="rId12"/>
+                <a:stretch>
+                  <a:fillRect b="-9375"/>
+                </a:stretch>
+              </a:blipFill>
+            </p:spPr>
+            <p:txBody>
+              <a:bodyPr/>
+              <a:lstStyle/>
+              <a:p>
+                <a:r>
+                  <a:rPr lang="en-VN">
+                    <a:noFill/>
+                  </a:rPr>
+                  <a:t> </a:t>
+                </a:r>
+              </a:p>
+            </p:txBody>
+          </p:sp>
+        </mc:Fallback>
+      </mc:AlternateContent>
+      <p:cxnSp>
+        <p:nvCxnSpPr>
+          <p:cNvPr id="54" name="Straight Arrow Connector 53">
+            <a:extLst>
+              <a:ext uri="{FF2B5EF4-FFF2-40B4-BE49-F238E27FC236}">
+                <a16:creationId xmlns:a16="http://schemas.microsoft.com/office/drawing/2014/main" id="{E0198362-3595-96B7-52C7-E45E1F929E33}"/>
+              </a:ext>
+            </a:extLst>
+          </p:cNvPr>
+          <p:cNvCxnSpPr>
+            <a:cxnSpLocks/>
+            <a:stCxn id="50" idx="1"/>
+            <a:endCxn id="53" idx="3"/>
+          </p:cNvCxnSpPr>
+          <p:nvPr/>
+        </p:nvCxnSpPr>
+        <p:spPr>
+          <a:xfrm flipH="1" flipV="1">
+            <a:off x="5728410" y="2567038"/>
+            <a:ext cx="1982932" cy="6493"/>
+          </a:xfrm>
+          <a:prstGeom prst="straightConnector1">
+            <a:avLst/>
+          </a:prstGeom>
+          <a:ln>
+            <a:tailEnd type="triangle"/>
+          </a:ln>
+        </p:spPr>
+        <p:style>
+          <a:lnRef idx="1">
+            <a:schemeClr val="dk1"/>
+          </a:lnRef>
+          <a:fillRef idx="0">
+            <a:schemeClr val="dk1"/>
+          </a:fillRef>
+          <a:effectRef idx="0">
+            <a:schemeClr val="dk1"/>
+          </a:effectRef>
+          <a:fontRef idx="minor">
+            <a:schemeClr val="tx1"/>
+          </a:fontRef>
+        </p:style>
+      </p:cxnSp>
+      <mc:AlternateContent xmlns:mc="http://schemas.openxmlformats.org/markup-compatibility/2006">
+        <mc:Choice xmlns:a14="http://schemas.microsoft.com/office/drawing/2010/main" Requires="a14">
+          <p:sp>
+            <p:nvSpPr>
+              <p:cNvPr id="59" name="TextBox 58">
+                <a:extLst>
+                  <a:ext uri="{FF2B5EF4-FFF2-40B4-BE49-F238E27FC236}">
+                    <a16:creationId xmlns:a16="http://schemas.microsoft.com/office/drawing/2014/main" id="{82487D5E-29F4-07FD-7191-D03DAFFF254B}"/>
+                  </a:ext>
+                </a:extLst>
+              </p:cNvPr>
+              <p:cNvSpPr txBox="1"/>
+              <p:nvPr/>
+            </p:nvSpPr>
+            <p:spPr>
+              <a:xfrm>
+                <a:off x="5554681" y="2175753"/>
+                <a:ext cx="2392403" cy="358368"/>
+              </a:xfrm>
+              <a:prstGeom prst="rect">
+                <a:avLst/>
+              </a:prstGeom>
+              <a:noFill/>
+            </p:spPr>
+            <p:txBody>
+              <a:bodyPr wrap="square" rtlCol="0">
+                <a:spAutoFit/>
+              </a:bodyPr>
+              <a:lstStyle/>
+              <a:p>
+                <a:r>
+                  <a:rPr lang="en-VN" sz="1600">
+                    <a:latin typeface="Times New Roman" panose="02020603050405020304" pitchFamily="18" charset="0"/>
+                    <a:cs typeface="Times New Roman" panose="02020603050405020304" pitchFamily="18" charset="0"/>
+                  </a:rPr>
+                  <a:t>compilation  (vec(</a:t>
+                </a:r>
+                <a14:m>
+                  <m:oMath xmlns:m="http://schemas.openxmlformats.org/officeDocument/2006/math">
+                    <m:sSub>
+                      <m:sSubPr>
+                        <m:ctrlPr>
+                          <a:rPr lang="vi-VN" sz="1600" b="0" i="1">
+                            <a:latin typeface="Cambria Math" panose="02040503050406030204" pitchFamily="18" charset="0"/>
+                            <a:ea typeface="Cambria Math" panose="02040503050406030204" pitchFamily="18" charset="0"/>
+                          </a:rPr>
+                        </m:ctrlPr>
+                      </m:sSubPr>
+                      <m:e>
+                        <m:r>
+                          <a:rPr lang="en-VN" sz="1600" b="0" i="1">
+                            <a:latin typeface="Cambria Math" panose="02040503050406030204" pitchFamily="18" charset="0"/>
+                            <a:ea typeface="Cambria Math" panose="02040503050406030204" pitchFamily="18" charset="0"/>
+                          </a:rPr>
+                          <m:t>ℬ</m:t>
+                        </m:r>
+                      </m:e>
+                      <m:sub>
+                        <m:r>
+                          <a:rPr lang="vi-VN" sz="1600" i="1">
+                            <a:latin typeface="Cambria Math" panose="02040503050406030204" pitchFamily="18" charset="0"/>
+                            <a:ea typeface="Cambria Math" panose="02040503050406030204" pitchFamily="18" charset="0"/>
+                          </a:rPr>
+                          <m:t>𝑖</m:t>
+                        </m:r>
+                        <m:r>
+                          <a:rPr lang="vi-VN" sz="1600" b="0" i="1">
+                            <a:latin typeface="Cambria Math" panose="02040503050406030204" pitchFamily="18" charset="0"/>
+                            <a:ea typeface="Cambria Math" panose="02040503050406030204" pitchFamily="18" charset="0"/>
+                          </a:rPr>
+                          <m:t>,</m:t>
+                        </m:r>
+                        <m:r>
+                          <a:rPr lang="vi-VN" sz="1600" i="1">
+                            <a:latin typeface="Cambria Math" panose="02040503050406030204" pitchFamily="18" charset="0"/>
+                            <a:ea typeface="Cambria Math" panose="02040503050406030204" pitchFamily="18" charset="0"/>
+                          </a:rPr>
+                          <m:t>𝑗</m:t>
+                        </m:r>
+                      </m:sub>
+                    </m:sSub>
+                  </m:oMath>
+                </a14:m>
+                <a:r>
+                  <a:rPr lang="en-VN" sz="1600">
+                    <a:latin typeface="Times New Roman" panose="02020603050405020304" pitchFamily="18" charset="0"/>
+                    <a:cs typeface="Times New Roman" panose="02020603050405020304" pitchFamily="18" charset="0"/>
+                  </a:rPr>
+                  <a:t>),…)</a:t>
+                </a:r>
+              </a:p>
+            </p:txBody>
+          </p:sp>
+        </mc:Choice>
+        <mc:Fallback>
+          <p:sp>
+            <p:nvSpPr>
+              <p:cNvPr id="59" name="TextBox 58">
+                <a:extLst>
+                  <a:ext uri="{FF2B5EF4-FFF2-40B4-BE49-F238E27FC236}">
+                    <a16:creationId xmlns:a16="http://schemas.microsoft.com/office/drawing/2014/main" id="{82487D5E-29F4-07FD-7191-D03DAFFF254B}"/>
+                  </a:ext>
+                </a:extLst>
+              </p:cNvPr>
+              <p:cNvSpPr txBox="1">
+                <a:spLocks noRot="1" noChangeAspect="1" noMove="1" noResize="1" noEditPoints="1" noAdjustHandles="1" noChangeArrowheads="1" noChangeShapeType="1" noTextEdit="1"/>
+              </p:cNvSpPr>
+              <p:nvPr/>
+            </p:nvSpPr>
+            <p:spPr>
+              <a:xfrm>
+                <a:off x="5554681" y="2175753"/>
+                <a:ext cx="2392403" cy="358368"/>
+              </a:xfrm>
+              <a:prstGeom prst="rect">
+                <a:avLst/>
+              </a:prstGeom>
+              <a:blipFill>
+                <a:blip r:embed="rId13"/>
+                <a:stretch>
+                  <a:fillRect l="-1587" t="-6897" r="-529" b="-13793"/>
+                </a:stretch>
+              </a:blipFill>
+            </p:spPr>
+            <p:txBody>
+              <a:bodyPr/>
+              <a:lstStyle/>
+              <a:p>
+                <a:r>
+                  <a:rPr lang="en-VN">
+                    <a:noFill/>
+                  </a:rPr>
+                  <a:t> </a:t>
+                </a:r>
+              </a:p>
+            </p:txBody>
+          </p:sp>
+        </mc:Fallback>
+      </mc:AlternateContent>
+      <p:sp>
+        <p:nvSpPr>
+          <p:cNvPr id="60" name="TextBox 59">
+            <a:extLst>
+              <a:ext uri="{FF2B5EF4-FFF2-40B4-BE49-F238E27FC236}">
+                <a16:creationId xmlns:a16="http://schemas.microsoft.com/office/drawing/2014/main" id="{41F2AA17-3268-2314-4FDB-096B11C20192}"/>
+              </a:ext>
+            </a:extLst>
+          </p:cNvPr>
+          <p:cNvSpPr txBox="1"/>
+          <p:nvPr/>
+        </p:nvSpPr>
+        <p:spPr>
+          <a:xfrm>
+            <a:off x="6717273" y="2570947"/>
+            <a:ext cx="748469" cy="215444"/>
+          </a:xfrm>
+          <a:prstGeom prst="rect">
+            <a:avLst/>
+          </a:prstGeom>
+          <a:noFill/>
+        </p:spPr>
+        <p:txBody>
+          <a:bodyPr wrap="square" rtlCol="0">
+            <a:spAutoFit/>
+          </a:bodyPr>
+          <a:lstStyle/>
+          <a:p>
+            <a:r>
+              <a:rPr lang="en-VN" sz="800">
+                <a:solidFill>
+                  <a:srgbClr val="FF0000"/>
+                </a:solidFill>
+                <a:latin typeface="Times New Roman" panose="02020603050405020304" pitchFamily="18" charset="0"/>
+                <a:cs typeface="Times New Roman" panose="02020603050405020304" pitchFamily="18" charset="0"/>
+              </a:rPr>
+              <a:t>False</a:t>
+            </a:r>
           </a:p>
         </p:txBody>
       </p:sp>
       <p:sp>
         <p:nvSpPr>
-          <p:cNvPr id="3" name="Content Placeholder 2">
+          <p:cNvPr id="61" name="Rectangle 60">
             <a:extLst>
               <a:ext uri="{FF2B5EF4-FFF2-40B4-BE49-F238E27FC236}">
-                <a16:creationId xmlns:a16="http://schemas.microsoft.com/office/drawing/2014/main" id="{20952939-21B1-AD6A-6208-A62BAF101D9D}"/>
+                <a16:creationId xmlns:a16="http://schemas.microsoft.com/office/drawing/2014/main" id="{D95A6A6E-AA67-F47F-2DC3-7D437E980ABE}"/>
               </a:ext>
             </a:extLst>
           </p:cNvPr>
-          <p:cNvSpPr>
-            <a:spLocks noGrp="1"/>
-          </p:cNvSpPr>
-          <p:nvPr>
-            <p:ph idx="1"/>
-          </p:nvPr>
+          <p:cNvSpPr/>
+          <p:nvPr/>
         </p:nvSpPr>
-        <p:spPr/>
+        <p:spPr>
+          <a:xfrm>
+            <a:off x="6540305" y="3025974"/>
+            <a:ext cx="2317745" cy="609170"/>
+          </a:xfrm>
+          <a:prstGeom prst="rect">
+            <a:avLst/>
+          </a:prstGeom>
+          <a:noFill/>
+          <a:ln>
+            <a:prstDash val="lgDash"/>
+          </a:ln>
+        </p:spPr>
+        <p:style>
+          <a:lnRef idx="2">
+            <a:schemeClr val="accent1">
+              <a:shade val="15000"/>
+            </a:schemeClr>
+          </a:lnRef>
+          <a:fillRef idx="1">
+            <a:schemeClr val="accent1"/>
+          </a:fillRef>
+          <a:effectRef idx="0">
+            <a:schemeClr val="accent1"/>
+          </a:effectRef>
+          <a:fontRef idx="minor">
+            <a:schemeClr val="lt1"/>
+          </a:fontRef>
+        </p:style>
         <p:txBody>
-          <a:bodyPr/>
+          <a:bodyPr rtlCol="0" anchor="ctr"/>
           <a:lstStyle/>
           <a:p>
-            <a:endParaRPr lang="en-US"/>
+            <a:pPr algn="ctr"/>
+            <a:endParaRPr lang="en-VN"/>
           </a:p>
         </p:txBody>
       </p:sp>
+      <p:cxnSp>
+        <p:nvCxnSpPr>
+          <p:cNvPr id="62" name="Straight Arrow Connector 61">
+            <a:extLst>
+              <a:ext uri="{FF2B5EF4-FFF2-40B4-BE49-F238E27FC236}">
+                <a16:creationId xmlns:a16="http://schemas.microsoft.com/office/drawing/2014/main" id="{A8BA52A1-6712-1633-FF5C-18A10AFB2063}"/>
+              </a:ext>
+            </a:extLst>
+          </p:cNvPr>
+          <p:cNvCxnSpPr>
+            <a:cxnSpLocks/>
+            <a:stCxn id="48" idx="2"/>
+          </p:cNvCxnSpPr>
+          <p:nvPr/>
+        </p:nvCxnSpPr>
+        <p:spPr>
+          <a:xfrm>
+            <a:off x="8279271" y="2774807"/>
+            <a:ext cx="0" cy="267392"/>
+          </a:xfrm>
+          <a:prstGeom prst="straightConnector1">
+            <a:avLst/>
+          </a:prstGeom>
+          <a:ln>
+            <a:tailEnd type="triangle"/>
+          </a:ln>
+        </p:spPr>
+        <p:style>
+          <a:lnRef idx="1">
+            <a:schemeClr val="dk1"/>
+          </a:lnRef>
+          <a:fillRef idx="0">
+            <a:schemeClr val="dk1"/>
+          </a:fillRef>
+          <a:effectRef idx="0">
+            <a:schemeClr val="dk1"/>
+          </a:effectRef>
+          <a:fontRef idx="minor">
+            <a:schemeClr val="tx1"/>
+          </a:fontRef>
+        </p:style>
+      </p:cxnSp>
+      <mc:AlternateContent xmlns:mc="http://schemas.openxmlformats.org/markup-compatibility/2006">
+        <mc:Choice xmlns:a14="http://schemas.microsoft.com/office/drawing/2010/main" Requires="a14">
+          <p:sp>
+            <p:nvSpPr>
+              <p:cNvPr id="65" name="TextBox 64">
+                <a:extLst>
+                  <a:ext uri="{FF2B5EF4-FFF2-40B4-BE49-F238E27FC236}">
+                    <a16:creationId xmlns:a16="http://schemas.microsoft.com/office/drawing/2014/main" id="{BC51671B-0562-33A1-6209-F859D624F9C9}"/>
+                  </a:ext>
+                </a:extLst>
+              </p:cNvPr>
+              <p:cNvSpPr txBox="1"/>
+              <p:nvPr/>
+            </p:nvSpPr>
+            <p:spPr>
+              <a:xfrm>
+                <a:off x="6517374" y="2750324"/>
+                <a:ext cx="1380048" cy="291875"/>
+              </a:xfrm>
+              <a:prstGeom prst="rect">
+                <a:avLst/>
+              </a:prstGeom>
+              <a:noFill/>
+            </p:spPr>
+            <p:txBody>
+              <a:bodyPr wrap="square" rtlCol="0">
+                <a:spAutoFit/>
+              </a:bodyPr>
+              <a:lstStyle/>
+              <a:p>
+                <a:r>
+                  <a:rPr lang="en-VN" sz="1200">
+                    <a:latin typeface="Times New Roman" panose="02020603050405020304" pitchFamily="18" charset="0"/>
+                    <a:cs typeface="Times New Roman" panose="02020603050405020304" pitchFamily="18" charset="0"/>
+                  </a:rPr>
+                  <a:t>for each </a:t>
+                </a:r>
+                <a14:m>
+                  <m:oMath xmlns:m="http://schemas.openxmlformats.org/officeDocument/2006/math">
+                    <m:r>
+                      <a:rPr lang="vi-VN" sz="1200" b="1" i="1">
+                        <a:solidFill>
+                          <a:schemeClr val="tx1"/>
+                        </a:solidFill>
+                        <a:latin typeface="Cambria Math" panose="02040503050406030204" pitchFamily="18" charset="0"/>
+                        <a:ea typeface="Cambria Math" panose="02040503050406030204" pitchFamily="18" charset="0"/>
+                      </a:rPr>
+                      <m:t>𝜽</m:t>
+                    </m:r>
+                  </m:oMath>
+                </a14:m>
+                <a:r>
+                  <a:rPr lang="en-VN" sz="1200">
+                    <a:latin typeface="Times New Roman" panose="02020603050405020304" pitchFamily="18" charset="0"/>
+                    <a:cs typeface="Times New Roman" panose="02020603050405020304" pitchFamily="18" charset="0"/>
+                  </a:rPr>
+                  <a:t> in </a:t>
+                </a:r>
+                <a14:m>
+                  <m:oMath xmlns:m="http://schemas.openxmlformats.org/officeDocument/2006/math">
+                    <m:sSub>
+                      <m:sSubPr>
+                        <m:ctrlPr>
+                          <a:rPr lang="vi-VN" sz="1200" i="1">
+                            <a:latin typeface="Cambria Math" panose="02040503050406030204" pitchFamily="18" charset="0"/>
+                            <a:ea typeface="Cambria Math" panose="02040503050406030204" pitchFamily="18" charset="0"/>
+                          </a:rPr>
+                        </m:ctrlPr>
+                      </m:sSubPr>
+                      <m:e>
+                        <m:d>
+                          <m:dPr>
+                            <m:begChr m:val="{"/>
+                            <m:endChr m:val="}"/>
+                            <m:ctrlPr>
+                              <a:rPr lang="vi-VN" sz="1200" i="1">
+                                <a:latin typeface="Cambria Math" panose="02040503050406030204" pitchFamily="18" charset="0"/>
+                                <a:ea typeface="Cambria Math" panose="02040503050406030204" pitchFamily="18" charset="0"/>
+                              </a:rPr>
+                            </m:ctrlPr>
+                          </m:dPr>
+                          <m:e>
+                            <m:r>
+                              <a:rPr lang="vi-VN" sz="1200" b="1" i="1">
+                                <a:latin typeface="Cambria Math" panose="02040503050406030204" pitchFamily="18" charset="0"/>
+                                <a:ea typeface="Cambria Math" panose="02040503050406030204" pitchFamily="18" charset="0"/>
+                              </a:rPr>
+                              <m:t>𝜽</m:t>
+                            </m:r>
+                          </m:e>
+                        </m:d>
+                      </m:e>
+                      <m:sub>
+                        <m:r>
+                          <a:rPr lang="vi-VN" sz="1200" i="1">
+                            <a:latin typeface="Cambria Math" panose="02040503050406030204" pitchFamily="18" charset="0"/>
+                            <a:ea typeface="Cambria Math" panose="02040503050406030204" pitchFamily="18" charset="0"/>
+                          </a:rPr>
+                          <m:t>𝑖</m:t>
+                        </m:r>
+                        <m:r>
+                          <a:rPr lang="vi-VN" sz="1200" i="1">
+                            <a:latin typeface="Cambria Math" panose="02040503050406030204" pitchFamily="18" charset="0"/>
+                            <a:ea typeface="Cambria Math" panose="02040503050406030204" pitchFamily="18" charset="0"/>
+                          </a:rPr>
+                          <m:t>,</m:t>
+                        </m:r>
+                        <m:r>
+                          <a:rPr lang="vi-VN" sz="1200" i="1">
+                            <a:latin typeface="Cambria Math" panose="02040503050406030204" pitchFamily="18" charset="0"/>
+                            <a:ea typeface="Cambria Math" panose="02040503050406030204" pitchFamily="18" charset="0"/>
+                          </a:rPr>
+                          <m:t>𝑗</m:t>
+                        </m:r>
+                      </m:sub>
+                    </m:sSub>
+                  </m:oMath>
+                </a14:m>
+                <a:endParaRPr lang="en-VN" sz="1200">
+                  <a:latin typeface="Times New Roman" panose="02020603050405020304" pitchFamily="18" charset="0"/>
+                  <a:cs typeface="Times New Roman" panose="02020603050405020304" pitchFamily="18" charset="0"/>
+                </a:endParaRPr>
+              </a:p>
+            </p:txBody>
+          </p:sp>
+        </mc:Choice>
+        <mc:Fallback>
+          <p:sp>
+            <p:nvSpPr>
+              <p:cNvPr id="65" name="TextBox 64">
+                <a:extLst>
+                  <a:ext uri="{FF2B5EF4-FFF2-40B4-BE49-F238E27FC236}">
+                    <a16:creationId xmlns:a16="http://schemas.microsoft.com/office/drawing/2014/main" id="{BC51671B-0562-33A1-6209-F859D624F9C9}"/>
+                  </a:ext>
+                </a:extLst>
+              </p:cNvPr>
+              <p:cNvSpPr txBox="1">
+                <a:spLocks noRot="1" noChangeAspect="1" noMove="1" noResize="1" noEditPoints="1" noAdjustHandles="1" noChangeArrowheads="1" noChangeShapeType="1" noTextEdit="1"/>
+              </p:cNvSpPr>
+              <p:nvPr/>
+            </p:nvSpPr>
+            <p:spPr>
+              <a:xfrm>
+                <a:off x="6517374" y="2750324"/>
+                <a:ext cx="1380048" cy="291875"/>
+              </a:xfrm>
+              <a:prstGeom prst="rect">
+                <a:avLst/>
+              </a:prstGeom>
+              <a:blipFill>
+                <a:blip r:embed="rId14"/>
+                <a:stretch>
+                  <a:fillRect t="-4167" b="-8333"/>
+                </a:stretch>
+              </a:blipFill>
+            </p:spPr>
+            <p:txBody>
+              <a:bodyPr/>
+              <a:lstStyle/>
+              <a:p>
+                <a:r>
+                  <a:rPr lang="en-VN">
+                    <a:noFill/>
+                  </a:rPr>
+                  <a:t> </a:t>
+                </a:r>
+              </a:p>
+            </p:txBody>
+          </p:sp>
+        </mc:Fallback>
+      </mc:AlternateContent>
+      <p:cxnSp>
+        <p:nvCxnSpPr>
+          <p:cNvPr id="68" name="Straight Arrow Connector 67">
+            <a:extLst>
+              <a:ext uri="{FF2B5EF4-FFF2-40B4-BE49-F238E27FC236}">
+                <a16:creationId xmlns:a16="http://schemas.microsoft.com/office/drawing/2014/main" id="{7D2454F2-E337-E55E-ED0F-7C54ED8D05C8}"/>
+              </a:ext>
+            </a:extLst>
+          </p:cNvPr>
+          <p:cNvCxnSpPr>
+            <a:cxnSpLocks/>
+            <a:stCxn id="43" idx="1"/>
+            <a:endCxn id="71" idx="3"/>
+          </p:cNvCxnSpPr>
+          <p:nvPr/>
+        </p:nvCxnSpPr>
+        <p:spPr>
+          <a:xfrm flipH="1" flipV="1">
+            <a:off x="7312668" y="3450477"/>
+            <a:ext cx="1173772" cy="7238"/>
+          </a:xfrm>
+          <a:prstGeom prst="straightConnector1">
+            <a:avLst/>
+          </a:prstGeom>
+          <a:ln>
+            <a:tailEnd type="triangle"/>
+          </a:ln>
+        </p:spPr>
+        <p:style>
+          <a:lnRef idx="1">
+            <a:schemeClr val="dk1"/>
+          </a:lnRef>
+          <a:fillRef idx="0">
+            <a:schemeClr val="dk1"/>
+          </a:fillRef>
+          <a:effectRef idx="0">
+            <a:schemeClr val="dk1"/>
+          </a:effectRef>
+          <a:fontRef idx="minor">
+            <a:schemeClr val="tx1"/>
+          </a:fontRef>
+        </p:style>
+      </p:cxnSp>
+      <mc:AlternateContent xmlns:mc="http://schemas.openxmlformats.org/markup-compatibility/2006">
+        <mc:Choice xmlns:a14="http://schemas.microsoft.com/office/drawing/2010/main" Requires="a14">
+          <p:sp>
+            <p:nvSpPr>
+              <p:cNvPr id="71" name="TextBox 70">
+                <a:extLst>
+                  <a:ext uri="{FF2B5EF4-FFF2-40B4-BE49-F238E27FC236}">
+                    <a16:creationId xmlns:a16="http://schemas.microsoft.com/office/drawing/2014/main" id="{011618C2-FBCB-E3A8-FDCD-9C6FA94BEDD9}"/>
+                  </a:ext>
+                </a:extLst>
+              </p:cNvPr>
+              <p:cNvSpPr txBox="1"/>
+              <p:nvPr/>
+            </p:nvSpPr>
+            <p:spPr>
+              <a:xfrm>
+                <a:off x="6587516" y="3265811"/>
+                <a:ext cx="725152" cy="369332"/>
+              </a:xfrm>
+              <a:prstGeom prst="rect">
+                <a:avLst/>
+              </a:prstGeom>
+              <a:noFill/>
+            </p:spPr>
+            <p:txBody>
+              <a:bodyPr wrap="square" rtlCol="0">
+                <a:spAutoFit/>
+              </a:bodyPr>
+              <a:lstStyle/>
+              <a:p>
+                <a14:m>
+                  <m:oMathPara xmlns:m="http://schemas.openxmlformats.org/officeDocument/2006/math">
+                    <m:oMathParaPr>
+                      <m:jc m:val="centerGroup"/>
+                    </m:oMathParaPr>
+                    <m:oMath xmlns:m="http://schemas.openxmlformats.org/officeDocument/2006/math">
+                      <m:sSup>
+                        <m:sSupPr>
+                          <m:ctrlPr>
+                            <a:rPr lang="vi-VN" b="0" i="1">
+                              <a:latin typeface="Cambria Math" panose="02040503050406030204" pitchFamily="18" charset="0"/>
+                              <a:ea typeface="Cambria Math" panose="02040503050406030204" pitchFamily="18" charset="0"/>
+                            </a:rPr>
+                          </m:ctrlPr>
+                        </m:sSupPr>
+                        <m:e>
+                          <m:r>
+                            <a:rPr lang="en-VN" i="1">
+                              <a:latin typeface="Cambria Math" panose="02040503050406030204" pitchFamily="18" charset="0"/>
+                              <a:ea typeface="Cambria Math" panose="02040503050406030204" pitchFamily="18" charset="0"/>
+                            </a:rPr>
+                            <m:t>𝒞</m:t>
+                          </m:r>
+                        </m:e>
+                        <m:sup>
+                          <m:r>
+                            <a:rPr lang="vi-VN" b="0" i="1">
+                              <a:latin typeface="Cambria Math" panose="02040503050406030204" pitchFamily="18" charset="0"/>
+                              <a:ea typeface="Cambria Math" panose="02040503050406030204" pitchFamily="18" charset="0"/>
+                            </a:rPr>
+                            <m:t>′</m:t>
+                          </m:r>
+                        </m:sup>
+                      </m:sSup>
+                      <m:d>
+                        <m:dPr>
+                          <m:ctrlPr>
+                            <a:rPr lang="vi-VN" b="0" i="1">
+                              <a:latin typeface="Cambria Math" panose="02040503050406030204" pitchFamily="18" charset="0"/>
+                              <a:ea typeface="Cambria Math" panose="02040503050406030204" pitchFamily="18" charset="0"/>
+                            </a:rPr>
+                          </m:ctrlPr>
+                        </m:dPr>
+                        <m:e>
+                          <m:r>
+                            <a:rPr lang="vi-VN" b="0" i="1">
+                              <a:latin typeface="Cambria Math" panose="02040503050406030204" pitchFamily="18" charset="0"/>
+                              <a:ea typeface="Cambria Math" panose="02040503050406030204" pitchFamily="18" charset="0"/>
+                            </a:rPr>
+                            <m:t>…</m:t>
+                          </m:r>
+                        </m:e>
+                      </m:d>
+                    </m:oMath>
+                  </m:oMathPara>
+                </a14:m>
+                <a:endParaRPr lang="en-VN"/>
+              </a:p>
+            </p:txBody>
+          </p:sp>
+        </mc:Choice>
+        <mc:Fallback>
+          <p:sp>
+            <p:nvSpPr>
+              <p:cNvPr id="71" name="TextBox 70">
+                <a:extLst>
+                  <a:ext uri="{FF2B5EF4-FFF2-40B4-BE49-F238E27FC236}">
+                    <a16:creationId xmlns:a16="http://schemas.microsoft.com/office/drawing/2014/main" id="{011618C2-FBCB-E3A8-FDCD-9C6FA94BEDD9}"/>
+                  </a:ext>
+                </a:extLst>
+              </p:cNvPr>
+              <p:cNvSpPr txBox="1">
+                <a:spLocks noRot="1" noChangeAspect="1" noMove="1" noResize="1" noEditPoints="1" noAdjustHandles="1" noChangeArrowheads="1" noChangeShapeType="1" noTextEdit="1"/>
+              </p:cNvSpPr>
+              <p:nvPr/>
+            </p:nvSpPr>
+            <p:spPr>
+              <a:xfrm>
+                <a:off x="6587516" y="3265811"/>
+                <a:ext cx="725152" cy="369332"/>
+              </a:xfrm>
+              <a:prstGeom prst="rect">
+                <a:avLst/>
+              </a:prstGeom>
+              <a:blipFill>
+                <a:blip r:embed="rId15"/>
+                <a:stretch>
+                  <a:fillRect/>
+                </a:stretch>
+              </a:blipFill>
+            </p:spPr>
+            <p:txBody>
+              <a:bodyPr/>
+              <a:lstStyle/>
+              <a:p>
+                <a:r>
+                  <a:rPr lang="en-VN">
+                    <a:noFill/>
+                  </a:rPr>
+                  <a:t> </a:t>
+                </a:r>
+              </a:p>
+            </p:txBody>
+          </p:sp>
+        </mc:Fallback>
+      </mc:AlternateContent>
+      <mc:AlternateContent xmlns:mc="http://schemas.openxmlformats.org/markup-compatibility/2006">
+        <mc:Choice xmlns:a14="http://schemas.microsoft.com/office/drawing/2010/main" Requires="a14">
+          <p:sp>
+            <p:nvSpPr>
+              <p:cNvPr id="73" name="TextBox 72">
+                <a:extLst>
+                  <a:ext uri="{FF2B5EF4-FFF2-40B4-BE49-F238E27FC236}">
+                    <a16:creationId xmlns:a16="http://schemas.microsoft.com/office/drawing/2014/main" id="{5F1D51CC-DFCB-4CB5-68D4-629D90B7E0EF}"/>
+                  </a:ext>
+                </a:extLst>
+              </p:cNvPr>
+              <p:cNvSpPr txBox="1"/>
+              <p:nvPr/>
+            </p:nvSpPr>
+            <p:spPr>
+              <a:xfrm>
+                <a:off x="7246207" y="3072966"/>
+                <a:ext cx="1288690" cy="376770"/>
+              </a:xfrm>
+              <a:prstGeom prst="rect">
+                <a:avLst/>
+              </a:prstGeom>
+              <a:noFill/>
+            </p:spPr>
+            <p:txBody>
+              <a:bodyPr wrap="square" rtlCol="0">
+                <a:spAutoFit/>
+              </a:bodyPr>
+              <a:lstStyle/>
+              <a:p>
+                <a14:m>
+                  <m:oMath xmlns:m="http://schemas.openxmlformats.org/officeDocument/2006/math">
+                    <m:sSub>
+                      <m:sSubPr>
+                        <m:ctrlPr>
+                          <a:rPr lang="vi-VN" sz="1600" b="0" i="1">
+                            <a:latin typeface="Cambria Math" panose="02040503050406030204" pitchFamily="18" charset="0"/>
+                            <a:ea typeface="Cambria Math" panose="02040503050406030204" pitchFamily="18" charset="0"/>
+                          </a:rPr>
+                        </m:ctrlPr>
+                      </m:sSubPr>
+                      <m:e>
+                        <m:acc>
+                          <m:accPr>
+                            <m:chr m:val="̃"/>
+                            <m:ctrlPr>
+                              <a:rPr lang="vi-VN" sz="1600" b="0" i="1">
+                                <a:latin typeface="Cambria Math" panose="02040503050406030204" pitchFamily="18" charset="0"/>
+                                <a:ea typeface="Cambria Math" panose="02040503050406030204" pitchFamily="18" charset="0"/>
+                              </a:rPr>
+                            </m:ctrlPr>
+                          </m:accPr>
+                          <m:e>
+                            <m:r>
+                              <a:rPr lang="vi-VN" sz="1600" b="0" i="1">
+                                <a:latin typeface="Cambria Math" panose="02040503050406030204" pitchFamily="18" charset="0"/>
+                                <a:ea typeface="Cambria Math" panose="02040503050406030204" pitchFamily="18" charset="0"/>
+                              </a:rPr>
+                              <m:t>𝔈</m:t>
+                            </m:r>
+                          </m:e>
+                        </m:acc>
+                      </m:e>
+                      <m:sub>
+                        <m:r>
+                          <a:rPr lang="vi-VN" sz="1600" b="1" i="1">
+                            <a:latin typeface="Cambria Math" panose="02040503050406030204" pitchFamily="18" charset="0"/>
+                            <a:ea typeface="Cambria Math" panose="02040503050406030204" pitchFamily="18" charset="0"/>
+                          </a:rPr>
+                          <m:t>𝜽</m:t>
+                        </m:r>
+                        <m:d>
+                          <m:dPr>
+                            <m:ctrlPr>
+                              <a:rPr lang="vi-VN" sz="1600" b="0" i="1">
+                                <a:latin typeface="Cambria Math" panose="02040503050406030204" pitchFamily="18" charset="0"/>
+                                <a:ea typeface="Cambria Math" panose="02040503050406030204" pitchFamily="18" charset="0"/>
+                              </a:rPr>
+                            </m:ctrlPr>
+                          </m:dPr>
+                          <m:e>
+                            <m:r>
+                              <a:rPr lang="vi-VN" sz="1600" i="1">
+                                <a:latin typeface="Cambria Math" panose="02040503050406030204" pitchFamily="18" charset="0"/>
+                                <a:ea typeface="Cambria Math" panose="02040503050406030204" pitchFamily="18" charset="0"/>
+                              </a:rPr>
+                              <m:t>𝑥</m:t>
+                            </m:r>
+                          </m:e>
+                        </m:d>
+                        <m:r>
+                          <a:rPr lang="vi-VN" sz="1600" b="0" i="1">
+                            <a:latin typeface="Cambria Math" panose="02040503050406030204" pitchFamily="18" charset="0"/>
+                            <a:ea typeface="Cambria Math" panose="02040503050406030204" pitchFamily="18" charset="0"/>
+                          </a:rPr>
+                          <m:t>→</m:t>
+                        </m:r>
+                        <m:r>
+                          <a:rPr lang="vi-VN" sz="1600" b="1" i="1">
+                            <a:latin typeface="Cambria Math" panose="02040503050406030204" pitchFamily="18" charset="0"/>
+                            <a:ea typeface="Cambria Math" panose="02040503050406030204" pitchFamily="18" charset="0"/>
+                          </a:rPr>
+                          <m:t>𝜽</m:t>
+                        </m:r>
+                        <m:d>
+                          <m:dPr>
+                            <m:ctrlPr>
+                              <a:rPr lang="vi-VN" sz="1600" b="0" i="1">
+                                <a:latin typeface="Cambria Math" panose="02040503050406030204" pitchFamily="18" charset="0"/>
+                                <a:ea typeface="Cambria Math" panose="02040503050406030204" pitchFamily="18" charset="0"/>
+                              </a:rPr>
+                            </m:ctrlPr>
+                          </m:dPr>
+                          <m:e>
+                            <m:r>
+                              <a:rPr lang="vi-VN" sz="1600" i="1">
+                                <a:latin typeface="Cambria Math" panose="02040503050406030204" pitchFamily="18" charset="0"/>
+                                <a:ea typeface="Cambria Math" panose="02040503050406030204" pitchFamily="18" charset="0"/>
+                              </a:rPr>
+                              <m:t>𝑦</m:t>
+                            </m:r>
+                          </m:e>
+                        </m:d>
+                      </m:sub>
+                    </m:sSub>
+                    <m:d>
+                      <m:dPr>
+                        <m:ctrlPr>
+                          <a:rPr lang="vi-VN" sz="1600" b="0" i="1">
+                            <a:latin typeface="Cambria Math" panose="02040503050406030204" pitchFamily="18" charset="0"/>
+                            <a:ea typeface="Cambria Math" panose="02040503050406030204" pitchFamily="18" charset="0"/>
+                          </a:rPr>
+                        </m:ctrlPr>
+                      </m:dPr>
+                      <m:e>
+                        <m:r>
+                          <a:rPr lang="vi-VN" sz="1600" b="1" i="1">
+                            <a:latin typeface="Cambria Math" panose="02040503050406030204" pitchFamily="18" charset="0"/>
+                            <a:ea typeface="Cambria Math" panose="02040503050406030204" pitchFamily="18" charset="0"/>
+                          </a:rPr>
+                          <m:t>𝜽</m:t>
+                        </m:r>
+                      </m:e>
+                    </m:d>
+                  </m:oMath>
+                </a14:m>
+                <a:r>
+                  <a:rPr lang="en-VN" sz="1600" i="1"/>
+                  <a:t> </a:t>
+                </a:r>
+              </a:p>
+            </p:txBody>
+          </p:sp>
+        </mc:Choice>
+        <mc:Fallback>
+          <p:sp>
+            <p:nvSpPr>
+              <p:cNvPr id="73" name="TextBox 72">
+                <a:extLst>
+                  <a:ext uri="{FF2B5EF4-FFF2-40B4-BE49-F238E27FC236}">
+                    <a16:creationId xmlns:a16="http://schemas.microsoft.com/office/drawing/2014/main" id="{5F1D51CC-DFCB-4CB5-68D4-629D90B7E0EF}"/>
+                  </a:ext>
+                </a:extLst>
+              </p:cNvPr>
+              <p:cNvSpPr txBox="1">
+                <a:spLocks noRot="1" noChangeAspect="1" noMove="1" noResize="1" noEditPoints="1" noAdjustHandles="1" noChangeArrowheads="1" noChangeShapeType="1" noTextEdit="1"/>
+              </p:cNvSpPr>
+              <p:nvPr/>
+            </p:nvSpPr>
+            <p:spPr>
+              <a:xfrm>
+                <a:off x="7246207" y="3072966"/>
+                <a:ext cx="1288690" cy="376770"/>
+              </a:xfrm>
+              <a:prstGeom prst="rect">
+                <a:avLst/>
+              </a:prstGeom>
+              <a:blipFill>
+                <a:blip r:embed="rId16"/>
+                <a:stretch>
+                  <a:fillRect b="-3226"/>
+                </a:stretch>
+              </a:blipFill>
+            </p:spPr>
+            <p:txBody>
+              <a:bodyPr/>
+              <a:lstStyle/>
+              <a:p>
+                <a:r>
+                  <a:rPr lang="en-VN">
+                    <a:noFill/>
+                  </a:rPr>
+                  <a:t> </a:t>
+                </a:r>
+              </a:p>
+            </p:txBody>
+          </p:sp>
+        </mc:Fallback>
+      </mc:AlternateContent>
+      <p:sp>
+        <p:nvSpPr>
+          <p:cNvPr id="75" name="TextBox 74">
+            <a:extLst>
+              <a:ext uri="{FF2B5EF4-FFF2-40B4-BE49-F238E27FC236}">
+                <a16:creationId xmlns:a16="http://schemas.microsoft.com/office/drawing/2014/main" id="{CC7664EC-BC32-0007-2530-288A546BCFD4}"/>
+              </a:ext>
+            </a:extLst>
+          </p:cNvPr>
+          <p:cNvSpPr txBox="1"/>
+          <p:nvPr/>
+        </p:nvSpPr>
+        <p:spPr>
+          <a:xfrm>
+            <a:off x="8277335" y="2772734"/>
+            <a:ext cx="431558" cy="215444"/>
+          </a:xfrm>
+          <a:prstGeom prst="rect">
+            <a:avLst/>
+          </a:prstGeom>
+          <a:noFill/>
+        </p:spPr>
+        <p:txBody>
+          <a:bodyPr wrap="square" rtlCol="0">
+            <a:spAutoFit/>
+          </a:bodyPr>
+          <a:lstStyle/>
+          <a:p>
+            <a:r>
+              <a:rPr lang="en-VN" sz="800">
+                <a:solidFill>
+                  <a:srgbClr val="FF0000"/>
+                </a:solidFill>
+                <a:latin typeface="Times New Roman" panose="02020603050405020304" pitchFamily="18" charset="0"/>
+                <a:cs typeface="Times New Roman" panose="02020603050405020304" pitchFamily="18" charset="0"/>
+              </a:rPr>
+              <a:t>True</a:t>
+            </a:r>
+          </a:p>
+        </p:txBody>
+      </p:sp>
+      <mc:AlternateContent xmlns:mc="http://schemas.openxmlformats.org/markup-compatibility/2006">
+        <mc:Choice xmlns:a14="http://schemas.microsoft.com/office/drawing/2010/main" Requires="a14">
+          <p:sp>
+            <p:nvSpPr>
+              <p:cNvPr id="79" name="TextBox 78">
+                <a:extLst>
+                  <a:ext uri="{FF2B5EF4-FFF2-40B4-BE49-F238E27FC236}">
+                    <a16:creationId xmlns:a16="http://schemas.microsoft.com/office/drawing/2014/main" id="{6ABFA460-3596-F9BE-FD85-0F763C373FEC}"/>
+                  </a:ext>
+                </a:extLst>
+              </p:cNvPr>
+              <p:cNvSpPr txBox="1"/>
+              <p:nvPr/>
+            </p:nvSpPr>
+            <p:spPr>
+              <a:xfrm>
+                <a:off x="5576071" y="3700439"/>
+                <a:ext cx="2026791" cy="362663"/>
+              </a:xfrm>
+              <a:prstGeom prst="rect">
+                <a:avLst/>
+              </a:prstGeom>
+              <a:noFill/>
+            </p:spPr>
+            <p:txBody>
+              <a:bodyPr wrap="square">
+                <a:spAutoFit/>
+              </a:bodyPr>
+              <a:lstStyle/>
+              <a:p>
+                <a14:m>
+                  <m:oMath xmlns:m="http://schemas.openxmlformats.org/officeDocument/2006/math">
+                    <m:sSub>
+                      <m:sSubPr>
+                        <m:ctrlPr>
+                          <a:rPr lang="vi-VN" sz="1600" b="0" i="1">
+                            <a:latin typeface="Cambria Math" panose="02040503050406030204" pitchFamily="18" charset="0"/>
+                            <a:ea typeface="Cambria Math" panose="02040503050406030204" pitchFamily="18" charset="0"/>
+                          </a:rPr>
+                        </m:ctrlPr>
+                      </m:sSubPr>
+                      <m:e>
+                        <m:r>
+                          <m:rPr>
+                            <m:sty m:val="p"/>
+                          </m:rPr>
+                          <a:rPr lang="vi-VN" sz="1600" i="0">
+                            <a:latin typeface="Cambria Math" panose="02040503050406030204" pitchFamily="18" charset="0"/>
+                            <a:ea typeface="Cambria Math" panose="02040503050406030204" pitchFamily="18" charset="0"/>
+                          </a:rPr>
+                          <m:t>argmin</m:t>
+                        </m:r>
+                      </m:e>
+                      <m:sub>
+                        <m:r>
+                          <a:rPr lang="vi-VN" sz="1600" b="0" i="1">
+                            <a:latin typeface="Cambria Math" panose="02040503050406030204" pitchFamily="18" charset="0"/>
+                            <a:ea typeface="Cambria Math" panose="02040503050406030204" pitchFamily="18" charset="0"/>
+                          </a:rPr>
+                          <m:t>{</m:t>
+                        </m:r>
+                        <m:r>
+                          <a:rPr lang="vi-VN" sz="1600" b="1" i="1">
+                            <a:latin typeface="Cambria Math" panose="02040503050406030204" pitchFamily="18" charset="0"/>
+                            <a:ea typeface="Cambria Math" panose="02040503050406030204" pitchFamily="18" charset="0"/>
+                          </a:rPr>
+                          <m:t>𝜽</m:t>
+                        </m:r>
+                        <m:r>
+                          <a:rPr lang="vi-VN" sz="1600" b="0" i="1">
+                            <a:latin typeface="Cambria Math" panose="02040503050406030204" pitchFamily="18" charset="0"/>
+                            <a:ea typeface="Cambria Math" panose="02040503050406030204" pitchFamily="18" charset="0"/>
+                          </a:rPr>
+                          <m:t>}</m:t>
+                        </m:r>
+                      </m:sub>
+                    </m:sSub>
+                    <m:d>
+                      <m:dPr>
+                        <m:begChr m:val="{"/>
+                        <m:endChr m:val="}"/>
+                        <m:ctrlPr>
+                          <a:rPr lang="vi-VN" sz="1600" b="0" i="1">
+                            <a:latin typeface="Cambria Math" panose="02040503050406030204" pitchFamily="18" charset="0"/>
+                            <a:ea typeface="Cambria Math" panose="02040503050406030204" pitchFamily="18" charset="0"/>
+                          </a:rPr>
+                        </m:ctrlPr>
+                      </m:dPr>
+                      <m:e>
+                        <m:sSup>
+                          <m:sSupPr>
+                            <m:ctrlPr>
+                              <a:rPr lang="vi-VN" sz="1600" i="1">
+                                <a:latin typeface="Cambria Math" panose="02040503050406030204" pitchFamily="18" charset="0"/>
+                                <a:ea typeface="Cambria Math" panose="02040503050406030204" pitchFamily="18" charset="0"/>
+                              </a:rPr>
+                            </m:ctrlPr>
+                          </m:sSupPr>
+                          <m:e>
+                            <m:r>
+                              <a:rPr lang="en-VN" sz="1600" i="1">
+                                <a:latin typeface="Cambria Math" panose="02040503050406030204" pitchFamily="18" charset="0"/>
+                                <a:ea typeface="Cambria Math" panose="02040503050406030204" pitchFamily="18" charset="0"/>
+                              </a:rPr>
+                              <m:t>𝒞</m:t>
+                            </m:r>
+                          </m:e>
+                          <m:sup>
+                            <m:r>
+                              <a:rPr lang="vi-VN" sz="1600" i="1">
+                                <a:latin typeface="Cambria Math" panose="02040503050406030204" pitchFamily="18" charset="0"/>
+                                <a:ea typeface="Cambria Math" panose="02040503050406030204" pitchFamily="18" charset="0"/>
+                              </a:rPr>
+                              <m:t>′</m:t>
+                            </m:r>
+                          </m:sup>
+                        </m:sSup>
+                      </m:e>
+                    </m:d>
+                  </m:oMath>
+                </a14:m>
+                <a:r>
+                  <a:rPr lang="en-VN" sz="1600"/>
+                  <a:t> </a:t>
+                </a:r>
+              </a:p>
+            </p:txBody>
+          </p:sp>
+        </mc:Choice>
+        <mc:Fallback>
+          <p:sp>
+            <p:nvSpPr>
+              <p:cNvPr id="79" name="TextBox 78">
+                <a:extLst>
+                  <a:ext uri="{FF2B5EF4-FFF2-40B4-BE49-F238E27FC236}">
+                    <a16:creationId xmlns:a16="http://schemas.microsoft.com/office/drawing/2014/main" id="{6ABFA460-3596-F9BE-FD85-0F763C373FEC}"/>
+                  </a:ext>
+                </a:extLst>
+              </p:cNvPr>
+              <p:cNvSpPr txBox="1">
+                <a:spLocks noRot="1" noChangeAspect="1" noMove="1" noResize="1" noEditPoints="1" noAdjustHandles="1" noChangeArrowheads="1" noChangeShapeType="1" noTextEdit="1"/>
+              </p:cNvSpPr>
+              <p:nvPr/>
+            </p:nvSpPr>
+            <p:spPr>
+              <a:xfrm>
+                <a:off x="5576071" y="3700439"/>
+                <a:ext cx="2026791" cy="362663"/>
+              </a:xfrm>
+              <a:prstGeom prst="rect">
+                <a:avLst/>
+              </a:prstGeom>
+              <a:blipFill>
+                <a:blip r:embed="rId17"/>
+                <a:stretch>
+                  <a:fillRect b="-3333"/>
+                </a:stretch>
+              </a:blipFill>
+            </p:spPr>
+            <p:txBody>
+              <a:bodyPr/>
+              <a:lstStyle/>
+              <a:p>
+                <a:r>
+                  <a:rPr lang="en-VN">
+                    <a:noFill/>
+                  </a:rPr>
+                  <a:t> </a:t>
+                </a:r>
+              </a:p>
+            </p:txBody>
+          </p:sp>
+        </mc:Fallback>
+      </mc:AlternateContent>
+      <p:cxnSp>
+        <p:nvCxnSpPr>
+          <p:cNvPr id="83" name="Elbow Connector 82">
+            <a:extLst>
+              <a:ext uri="{FF2B5EF4-FFF2-40B4-BE49-F238E27FC236}">
+                <a16:creationId xmlns:a16="http://schemas.microsoft.com/office/drawing/2014/main" id="{3C672CBF-01B3-63F5-3DD9-478325D5892F}"/>
+              </a:ext>
+            </a:extLst>
+          </p:cNvPr>
+          <p:cNvCxnSpPr>
+            <a:cxnSpLocks/>
+            <a:stCxn id="86" idx="2"/>
+            <a:endCxn id="53" idx="2"/>
+          </p:cNvCxnSpPr>
+          <p:nvPr/>
+        </p:nvCxnSpPr>
+        <p:spPr>
+          <a:xfrm rot="5400000" flipH="1">
+            <a:off x="6384604" y="1732434"/>
+            <a:ext cx="874530" cy="2935385"/>
+          </a:xfrm>
+          <a:prstGeom prst="bentConnector3">
+            <a:avLst>
+              <a:gd name="adj1" fmla="val -7204"/>
+            </a:avLst>
+          </a:prstGeom>
+          <a:ln>
+            <a:tailEnd type="triangle"/>
+          </a:ln>
+        </p:spPr>
+        <p:style>
+          <a:lnRef idx="1">
+            <a:schemeClr val="dk1"/>
+          </a:lnRef>
+          <a:fillRef idx="0">
+            <a:schemeClr val="dk1"/>
+          </a:fillRef>
+          <a:effectRef idx="0">
+            <a:schemeClr val="dk1"/>
+          </a:effectRef>
+          <a:fontRef idx="minor">
+            <a:schemeClr val="tx1"/>
+          </a:fontRef>
+        </p:style>
+      </p:cxnSp>
+      <p:sp>
+        <p:nvSpPr>
+          <p:cNvPr id="86" name="Rectangle 85">
+            <a:extLst>
+              <a:ext uri="{FF2B5EF4-FFF2-40B4-BE49-F238E27FC236}">
+                <a16:creationId xmlns:a16="http://schemas.microsoft.com/office/drawing/2014/main" id="{7F4DFC7C-3DC6-D3FA-9FE3-C990813A7FD0}"/>
+              </a:ext>
+            </a:extLst>
+          </p:cNvPr>
+          <p:cNvSpPr/>
+          <p:nvPr/>
+        </p:nvSpPr>
+        <p:spPr>
+          <a:xfrm>
+            <a:off x="8128837" y="3582052"/>
+            <a:ext cx="321447" cy="55339"/>
+          </a:xfrm>
+          <a:prstGeom prst="rect">
+            <a:avLst/>
+          </a:prstGeom>
+          <a:noFill/>
+          <a:ln>
+            <a:noFill/>
+          </a:ln>
+        </p:spPr>
+        <p:style>
+          <a:lnRef idx="2">
+            <a:schemeClr val="accent1">
+              <a:shade val="15000"/>
+            </a:schemeClr>
+          </a:lnRef>
+          <a:fillRef idx="1">
+            <a:schemeClr val="accent1"/>
+          </a:fillRef>
+          <a:effectRef idx="0">
+            <a:schemeClr val="accent1"/>
+          </a:effectRef>
+          <a:fontRef idx="minor">
+            <a:schemeClr val="lt1"/>
+          </a:fontRef>
+        </p:style>
+        <p:txBody>
+          <a:bodyPr rtlCol="0" anchor="ctr"/>
+          <a:lstStyle/>
+          <a:p>
+            <a:pPr algn="ctr"/>
+            <a:endParaRPr lang="en-VN"/>
+          </a:p>
+        </p:txBody>
+      </p:sp>
+      <p:sp>
+        <p:nvSpPr>
+          <p:cNvPr id="90" name="Rectangle 89">
+            <a:extLst>
+              <a:ext uri="{FF2B5EF4-FFF2-40B4-BE49-F238E27FC236}">
+                <a16:creationId xmlns:a16="http://schemas.microsoft.com/office/drawing/2014/main" id="{0633A03D-B286-8323-1473-272AAAC1D106}"/>
+              </a:ext>
+            </a:extLst>
+          </p:cNvPr>
+          <p:cNvSpPr/>
+          <p:nvPr/>
+        </p:nvSpPr>
+        <p:spPr>
+          <a:xfrm>
+            <a:off x="5015543" y="1145168"/>
+            <a:ext cx="3925057" cy="2911430"/>
+          </a:xfrm>
+          <a:prstGeom prst="rect">
+            <a:avLst/>
+          </a:prstGeom>
+          <a:noFill/>
+          <a:ln>
+            <a:prstDash val="lgDash"/>
+          </a:ln>
+        </p:spPr>
+        <p:style>
+          <a:lnRef idx="2">
+            <a:schemeClr val="accent1">
+              <a:shade val="15000"/>
+            </a:schemeClr>
+          </a:lnRef>
+          <a:fillRef idx="1">
+            <a:schemeClr val="accent1"/>
+          </a:fillRef>
+          <a:effectRef idx="0">
+            <a:schemeClr val="accent1"/>
+          </a:effectRef>
+          <a:fontRef idx="minor">
+            <a:schemeClr val="lt1"/>
+          </a:fontRef>
+        </p:style>
+        <p:txBody>
+          <a:bodyPr rtlCol="0" anchor="ctr"/>
+          <a:lstStyle/>
+          <a:p>
+            <a:pPr algn="ctr"/>
+            <a:endParaRPr lang="en-VN"/>
+          </a:p>
+        </p:txBody>
+      </p:sp>
+      <mc:AlternateContent xmlns:mc="http://schemas.openxmlformats.org/markup-compatibility/2006">
+        <mc:Choice xmlns:a14="http://schemas.microsoft.com/office/drawing/2010/main" Requires="a14">
+          <p:sp>
+            <p:nvSpPr>
+              <p:cNvPr id="93" name="TextBox 92">
+                <a:extLst>
+                  <a:ext uri="{FF2B5EF4-FFF2-40B4-BE49-F238E27FC236}">
+                    <a16:creationId xmlns:a16="http://schemas.microsoft.com/office/drawing/2014/main" id="{88C4E381-8076-646B-A225-19669C6EF900}"/>
+                  </a:ext>
+                </a:extLst>
+              </p:cNvPr>
+              <p:cNvSpPr txBox="1"/>
+              <p:nvPr/>
+            </p:nvSpPr>
+            <p:spPr>
+              <a:xfrm>
+                <a:off x="5004007" y="865922"/>
+                <a:ext cx="3158277" cy="276999"/>
+              </a:xfrm>
+              <a:prstGeom prst="rect">
+                <a:avLst/>
+              </a:prstGeom>
+              <a:noFill/>
+            </p:spPr>
+            <p:txBody>
+              <a:bodyPr wrap="square" rtlCol="0">
+                <a:spAutoFit/>
+              </a:bodyPr>
+              <a:lstStyle/>
+              <a:p>
+                <a:r>
+                  <a:rPr lang="en-VN" sz="1200">
+                    <a:latin typeface="Times New Roman" panose="02020603050405020304" pitchFamily="18" charset="0"/>
+                    <a:cs typeface="Times New Roman" panose="02020603050405020304" pitchFamily="18" charset="0"/>
+                  </a:rPr>
+                  <a:t>for </a:t>
+                </a:r>
+                <a14:m>
+                  <m:oMath xmlns:m="http://schemas.openxmlformats.org/officeDocument/2006/math">
+                    <m:d>
+                      <m:dPr>
+                        <m:ctrlPr>
+                          <a:rPr lang="vi-VN" sz="1200" b="0" i="1">
+                            <a:latin typeface="Cambria Math" panose="02040503050406030204" pitchFamily="18" charset="0"/>
+                            <a:cs typeface="Times New Roman" panose="02020603050405020304" pitchFamily="18" charset="0"/>
+                          </a:rPr>
+                        </m:ctrlPr>
+                      </m:dPr>
+                      <m:e>
+                        <m:r>
+                          <a:rPr lang="vi-VN" sz="1200" i="1">
+                            <a:latin typeface="Cambria Math" panose="02040503050406030204" pitchFamily="18" charset="0"/>
+                            <a:cs typeface="Times New Roman" panose="02020603050405020304" pitchFamily="18" charset="0"/>
+                          </a:rPr>
+                          <m:t>𝑖</m:t>
+                        </m:r>
+                        <m:r>
+                          <a:rPr lang="vi-VN" sz="1200" b="0" i="1">
+                            <a:latin typeface="Cambria Math" panose="02040503050406030204" pitchFamily="18" charset="0"/>
+                            <a:cs typeface="Times New Roman" panose="02020603050405020304" pitchFamily="18" charset="0"/>
+                          </a:rPr>
+                          <m:t>,</m:t>
+                        </m:r>
+                        <m:r>
+                          <a:rPr lang="vi-VN" sz="1200" i="1">
+                            <a:latin typeface="Cambria Math" panose="02040503050406030204" pitchFamily="18" charset="0"/>
+                            <a:cs typeface="Times New Roman" panose="02020603050405020304" pitchFamily="18" charset="0"/>
+                          </a:rPr>
+                          <m:t>𝑗</m:t>
+                        </m:r>
+                      </m:e>
+                    </m:d>
+                  </m:oMath>
+                </a14:m>
+                <a:r>
+                  <a:rPr lang="en-VN" sz="1200">
+                    <a:latin typeface="Times New Roman" panose="02020603050405020304" pitchFamily="18" charset="0"/>
+                    <a:cs typeface="Times New Roman" panose="02020603050405020304" pitchFamily="18" charset="0"/>
+                  </a:rPr>
+                  <a:t> in suffer</a:t>
+                </a:r>
+                <a14:m>
+                  <m:oMath xmlns:m="http://schemas.openxmlformats.org/officeDocument/2006/math">
+                    <m:r>
+                      <a:rPr lang="en-VN" sz="1200" i="1">
+                        <a:latin typeface="Cambria Math" panose="02040503050406030204" pitchFamily="18" charset="0"/>
+                        <a:cs typeface="Times New Roman" panose="02020603050405020304" pitchFamily="18" charset="0"/>
+                      </a:rPr>
+                      <m:t>(</m:t>
+                    </m:r>
+                    <m:d>
+                      <m:dPr>
+                        <m:begChr m:val="{"/>
+                        <m:endChr m:val="}"/>
+                        <m:ctrlPr>
+                          <a:rPr lang="vi-VN" sz="1200" b="0" i="1">
+                            <a:latin typeface="Cambria Math" panose="02040503050406030204" pitchFamily="18" charset="0"/>
+                            <a:cs typeface="Times New Roman" panose="02020603050405020304" pitchFamily="18" charset="0"/>
+                          </a:rPr>
+                        </m:ctrlPr>
+                      </m:dPr>
+                      <m:e>
+                        <m:d>
+                          <m:dPr>
+                            <m:ctrlPr>
+                              <a:rPr lang="vi-VN" sz="1200" i="1">
+                                <a:latin typeface="Cambria Math" panose="02040503050406030204" pitchFamily="18" charset="0"/>
+                                <a:cs typeface="Times New Roman" panose="02020603050405020304" pitchFamily="18" charset="0"/>
+                              </a:rPr>
+                            </m:ctrlPr>
+                          </m:dPr>
+                          <m:e>
+                            <m:r>
+                              <a:rPr lang="vi-VN" sz="1200" i="1">
+                                <a:latin typeface="Cambria Math" panose="02040503050406030204" pitchFamily="18" charset="0"/>
+                                <a:cs typeface="Times New Roman" panose="02020603050405020304" pitchFamily="18" charset="0"/>
+                              </a:rPr>
+                              <m:t>0,0</m:t>
+                            </m:r>
+                          </m:e>
+                        </m:d>
+                        <m:r>
+                          <a:rPr lang="vi-VN" sz="1200" i="1">
+                            <a:latin typeface="Cambria Math" panose="02040503050406030204" pitchFamily="18" charset="0"/>
+                            <a:cs typeface="Times New Roman" panose="02020603050405020304" pitchFamily="18" charset="0"/>
+                          </a:rPr>
+                          <m:t>,</m:t>
+                        </m:r>
+                        <m:d>
+                          <m:dPr>
+                            <m:ctrlPr>
+                              <a:rPr lang="vi-VN" sz="1200" i="1">
+                                <a:latin typeface="Cambria Math" panose="02040503050406030204" pitchFamily="18" charset="0"/>
+                                <a:cs typeface="Times New Roman" panose="02020603050405020304" pitchFamily="18" charset="0"/>
+                              </a:rPr>
+                            </m:ctrlPr>
+                          </m:dPr>
+                          <m:e>
+                            <m:r>
+                              <a:rPr lang="vi-VN" sz="1200" i="1">
+                                <a:latin typeface="Cambria Math" panose="02040503050406030204" pitchFamily="18" charset="0"/>
+                                <a:cs typeface="Times New Roman" panose="02020603050405020304" pitchFamily="18" charset="0"/>
+                              </a:rPr>
+                              <m:t>0,1</m:t>
+                            </m:r>
+                          </m:e>
+                        </m:d>
+                        <m:r>
+                          <a:rPr lang="vi-VN" sz="1200" i="1">
+                            <a:latin typeface="Cambria Math" panose="02040503050406030204" pitchFamily="18" charset="0"/>
+                            <a:cs typeface="Times New Roman" panose="02020603050405020304" pitchFamily="18" charset="0"/>
+                          </a:rPr>
+                          <m:t>,…</m:t>
+                        </m:r>
+                        <m:r>
+                          <a:rPr lang="vi-VN" sz="1200" b="0" i="1">
+                            <a:latin typeface="Cambria Math" panose="02040503050406030204" pitchFamily="18" charset="0"/>
+                            <a:cs typeface="Times New Roman" panose="02020603050405020304" pitchFamily="18" charset="0"/>
+                          </a:rPr>
+                          <m:t>,</m:t>
+                        </m:r>
+                        <m:r>
+                          <a:rPr lang="vi-VN" sz="1200" i="1">
+                            <a:latin typeface="Cambria Math" panose="02040503050406030204" pitchFamily="18" charset="0"/>
+                            <a:cs typeface="Times New Roman" panose="02020603050405020304" pitchFamily="18" charset="0"/>
+                          </a:rPr>
+                          <m:t>(</m:t>
+                        </m:r>
+                        <m:r>
+                          <a:rPr lang="vi-VN" sz="1200" i="1">
+                            <a:latin typeface="Cambria Math" panose="02040503050406030204" pitchFamily="18" charset="0"/>
+                            <a:cs typeface="Times New Roman" panose="02020603050405020304" pitchFamily="18" charset="0"/>
+                          </a:rPr>
+                          <m:t>𝑛</m:t>
+                        </m:r>
+                        <m:r>
+                          <a:rPr lang="vi-VN" sz="1200" i="1">
+                            <a:latin typeface="Cambria Math" panose="02040503050406030204" pitchFamily="18" charset="0"/>
+                            <a:cs typeface="Times New Roman" panose="02020603050405020304" pitchFamily="18" charset="0"/>
+                          </a:rPr>
+                          <m:t>,</m:t>
+                        </m:r>
+                        <m:r>
+                          <a:rPr lang="vi-VN" sz="1200" i="1">
+                            <a:latin typeface="Cambria Math" panose="02040503050406030204" pitchFamily="18" charset="0"/>
+                            <a:cs typeface="Times New Roman" panose="02020603050405020304" pitchFamily="18" charset="0"/>
+                          </a:rPr>
+                          <m:t>𝑚</m:t>
+                        </m:r>
+                        <m:r>
+                          <a:rPr lang="vi-VN" sz="1200" i="1">
+                            <a:latin typeface="Cambria Math" panose="02040503050406030204" pitchFamily="18" charset="0"/>
+                            <a:cs typeface="Times New Roman" panose="02020603050405020304" pitchFamily="18" charset="0"/>
+                          </a:rPr>
+                          <m:t>)</m:t>
+                        </m:r>
+                      </m:e>
+                    </m:d>
+                    <m:r>
+                      <a:rPr lang="en-VN" sz="1200" i="1">
+                        <a:latin typeface="Cambria Math" panose="02040503050406030204" pitchFamily="18" charset="0"/>
+                        <a:cs typeface="Times New Roman" panose="02020603050405020304" pitchFamily="18" charset="0"/>
+                      </a:rPr>
+                      <m:t>)</m:t>
+                    </m:r>
+                  </m:oMath>
+                </a14:m>
+                <a:endParaRPr lang="en-VN" sz="1200">
+                  <a:latin typeface="Times New Roman" panose="02020603050405020304" pitchFamily="18" charset="0"/>
+                  <a:cs typeface="Times New Roman" panose="02020603050405020304" pitchFamily="18" charset="0"/>
+                </a:endParaRPr>
+              </a:p>
+            </p:txBody>
+          </p:sp>
+        </mc:Choice>
+        <mc:Fallback>
+          <p:sp>
+            <p:nvSpPr>
+              <p:cNvPr id="93" name="TextBox 92">
+                <a:extLst>
+                  <a:ext uri="{FF2B5EF4-FFF2-40B4-BE49-F238E27FC236}">
+                    <a16:creationId xmlns:a16="http://schemas.microsoft.com/office/drawing/2014/main" id="{88C4E381-8076-646B-A225-19669C6EF900}"/>
+                  </a:ext>
+                </a:extLst>
+              </p:cNvPr>
+              <p:cNvSpPr txBox="1">
+                <a:spLocks noRot="1" noChangeAspect="1" noMove="1" noResize="1" noEditPoints="1" noAdjustHandles="1" noChangeArrowheads="1" noChangeShapeType="1" noTextEdit="1"/>
+              </p:cNvSpPr>
+              <p:nvPr/>
+            </p:nvSpPr>
+            <p:spPr>
+              <a:xfrm>
+                <a:off x="5004007" y="865922"/>
+                <a:ext cx="3158277" cy="276999"/>
+              </a:xfrm>
+              <a:prstGeom prst="rect">
+                <a:avLst/>
+              </a:prstGeom>
+              <a:blipFill>
+                <a:blip r:embed="rId18"/>
+                <a:stretch>
+                  <a:fillRect b="-22727"/>
+                </a:stretch>
+              </a:blipFill>
+            </p:spPr>
+            <p:txBody>
+              <a:bodyPr/>
+              <a:lstStyle/>
+              <a:p>
+                <a:r>
+                  <a:rPr lang="en-VN">
+                    <a:noFill/>
+                  </a:rPr>
+                  <a:t> </a:t>
+                </a:r>
+              </a:p>
+            </p:txBody>
+          </p:sp>
+        </mc:Fallback>
+      </mc:AlternateContent>
+      <p:sp>
+        <p:nvSpPr>
+          <p:cNvPr id="95" name="Rectangle 94">
+            <a:extLst>
+              <a:ext uri="{FF2B5EF4-FFF2-40B4-BE49-F238E27FC236}">
+                <a16:creationId xmlns:a16="http://schemas.microsoft.com/office/drawing/2014/main" id="{08D36D04-A552-A25B-3936-301222879FF1}"/>
+              </a:ext>
+            </a:extLst>
+          </p:cNvPr>
+          <p:cNvSpPr/>
+          <p:nvPr/>
+        </p:nvSpPr>
+        <p:spPr>
+          <a:xfrm>
+            <a:off x="5553663" y="2195677"/>
+            <a:ext cx="1135857" cy="302003"/>
+          </a:xfrm>
+          <a:prstGeom prst="rect">
+            <a:avLst/>
+          </a:prstGeom>
+          <a:noFill/>
+          <a:ln>
+            <a:solidFill>
+              <a:srgbClr val="FF0000"/>
+            </a:solidFill>
+            <a:prstDash val="sysDot"/>
+          </a:ln>
+        </p:spPr>
+        <p:style>
+          <a:lnRef idx="2">
+            <a:schemeClr val="accent1">
+              <a:shade val="15000"/>
+            </a:schemeClr>
+          </a:lnRef>
+          <a:fillRef idx="1">
+            <a:schemeClr val="accent1"/>
+          </a:fillRef>
+          <a:effectRef idx="0">
+            <a:schemeClr val="accent1"/>
+          </a:effectRef>
+          <a:fontRef idx="minor">
+            <a:schemeClr val="lt1"/>
+          </a:fontRef>
+        </p:style>
+        <p:txBody>
+          <a:bodyPr rtlCol="0" anchor="ctr"/>
+          <a:lstStyle/>
+          <a:p>
+            <a:pPr algn="ctr"/>
+            <a:endParaRPr lang="en-VN"/>
+          </a:p>
+        </p:txBody>
+      </p:sp>
+      <p:cxnSp>
+        <p:nvCxnSpPr>
+          <p:cNvPr id="96" name="Straight Arrow Connector 95">
+            <a:extLst>
+              <a:ext uri="{FF2B5EF4-FFF2-40B4-BE49-F238E27FC236}">
+                <a16:creationId xmlns:a16="http://schemas.microsoft.com/office/drawing/2014/main" id="{E81859C9-0C7A-464E-382D-D9257372CE3D}"/>
+              </a:ext>
+            </a:extLst>
+          </p:cNvPr>
+          <p:cNvCxnSpPr>
+            <a:cxnSpLocks/>
+            <a:stCxn id="30" idx="3"/>
+            <a:endCxn id="37" idx="1"/>
+          </p:cNvCxnSpPr>
+          <p:nvPr/>
+        </p:nvCxnSpPr>
+        <p:spPr>
+          <a:xfrm flipV="1">
+            <a:off x="6330743" y="1639017"/>
+            <a:ext cx="1572289" cy="615"/>
+          </a:xfrm>
+          <a:prstGeom prst="straightConnector1">
+            <a:avLst/>
+          </a:prstGeom>
+          <a:ln>
+            <a:tailEnd type="triangle"/>
+          </a:ln>
+        </p:spPr>
+        <p:style>
+          <a:lnRef idx="1">
+            <a:schemeClr val="dk1"/>
+          </a:lnRef>
+          <a:fillRef idx="0">
+            <a:schemeClr val="dk1"/>
+          </a:fillRef>
+          <a:effectRef idx="0">
+            <a:schemeClr val="dk1"/>
+          </a:effectRef>
+          <a:fontRef idx="minor">
+            <a:schemeClr val="tx1"/>
+          </a:fontRef>
+        </p:style>
+      </p:cxnSp>
+      <p:sp>
+        <p:nvSpPr>
+          <p:cNvPr id="102" name="Rectangle 101">
+            <a:extLst>
+              <a:ext uri="{FF2B5EF4-FFF2-40B4-BE49-F238E27FC236}">
+                <a16:creationId xmlns:a16="http://schemas.microsoft.com/office/drawing/2014/main" id="{F6F8FC9F-2E44-5573-3111-5F0758014DEC}"/>
+              </a:ext>
+            </a:extLst>
+          </p:cNvPr>
+          <p:cNvSpPr/>
+          <p:nvPr/>
+        </p:nvSpPr>
+        <p:spPr>
+          <a:xfrm>
+            <a:off x="1439852" y="2451363"/>
+            <a:ext cx="3491633" cy="1963401"/>
+          </a:xfrm>
+          <a:prstGeom prst="rect">
+            <a:avLst/>
+          </a:prstGeom>
+          <a:noFill/>
+          <a:ln>
+            <a:solidFill>
+              <a:srgbClr val="FF0000"/>
+            </a:solidFill>
+            <a:prstDash val="sysDot"/>
+          </a:ln>
+        </p:spPr>
+        <p:style>
+          <a:lnRef idx="2">
+            <a:schemeClr val="accent1">
+              <a:shade val="15000"/>
+            </a:schemeClr>
+          </a:lnRef>
+          <a:fillRef idx="1">
+            <a:schemeClr val="accent1"/>
+          </a:fillRef>
+          <a:effectRef idx="0">
+            <a:schemeClr val="accent1"/>
+          </a:effectRef>
+          <a:fontRef idx="minor">
+            <a:schemeClr val="lt1"/>
+          </a:fontRef>
+        </p:style>
+        <p:txBody>
+          <a:bodyPr rtlCol="0" anchor="ctr"/>
+          <a:lstStyle/>
+          <a:p>
+            <a:pPr algn="ctr"/>
+            <a:endParaRPr lang="en-VN"/>
+          </a:p>
+        </p:txBody>
+      </p:sp>
+      <p:cxnSp>
+        <p:nvCxnSpPr>
+          <p:cNvPr id="104" name="Straight Connector 103">
+            <a:extLst>
+              <a:ext uri="{FF2B5EF4-FFF2-40B4-BE49-F238E27FC236}">
+                <a16:creationId xmlns:a16="http://schemas.microsoft.com/office/drawing/2014/main" id="{5380A745-E5C8-7358-95CA-E1FB2F26A634}"/>
+              </a:ext>
+            </a:extLst>
+          </p:cNvPr>
+          <p:cNvCxnSpPr>
+            <a:cxnSpLocks/>
+            <a:stCxn id="105" idx="3"/>
+          </p:cNvCxnSpPr>
+          <p:nvPr/>
+        </p:nvCxnSpPr>
+        <p:spPr>
+          <a:xfrm flipV="1">
+            <a:off x="1883995" y="2764499"/>
+            <a:ext cx="1843901" cy="5802"/>
+          </a:xfrm>
+          <a:prstGeom prst="line">
+            <a:avLst/>
+          </a:prstGeom>
+        </p:spPr>
+        <p:style>
+          <a:lnRef idx="1">
+            <a:schemeClr val="dk1"/>
+          </a:lnRef>
+          <a:fillRef idx="0">
+            <a:schemeClr val="dk1"/>
+          </a:fillRef>
+          <a:effectRef idx="0">
+            <a:schemeClr val="dk1"/>
+          </a:effectRef>
+          <a:fontRef idx="minor">
+            <a:schemeClr val="tx1"/>
+          </a:fontRef>
+        </p:style>
+      </p:cxnSp>
+      <mc:AlternateContent xmlns:mc="http://schemas.openxmlformats.org/markup-compatibility/2006">
+        <mc:Choice xmlns:a14="http://schemas.microsoft.com/office/drawing/2010/main" Requires="a14">
+          <p:sp>
+            <p:nvSpPr>
+              <p:cNvPr id="105" name="TextBox 104">
+                <a:extLst>
+                  <a:ext uri="{FF2B5EF4-FFF2-40B4-BE49-F238E27FC236}">
+                    <a16:creationId xmlns:a16="http://schemas.microsoft.com/office/drawing/2014/main" id="{B307EB59-48FA-A7C0-9305-75FF8AFC6E9A}"/>
+                  </a:ext>
+                </a:extLst>
+              </p:cNvPr>
+              <p:cNvSpPr txBox="1"/>
+              <p:nvPr/>
+            </p:nvSpPr>
+            <p:spPr>
+              <a:xfrm>
+                <a:off x="1489837" y="2585635"/>
+                <a:ext cx="394158" cy="369332"/>
+              </a:xfrm>
+              <a:prstGeom prst="rect">
+                <a:avLst/>
+              </a:prstGeom>
+              <a:noFill/>
+            </p:spPr>
+            <p:txBody>
+              <a:bodyPr wrap="square" rtlCol="0">
+                <a:spAutoFit/>
+              </a:bodyPr>
+              <a:lstStyle/>
+              <a:p>
+                <a14:m>
+                  <m:oMathPara xmlns:m="http://schemas.openxmlformats.org/officeDocument/2006/math">
+                    <m:oMathParaPr>
+                      <m:jc m:val="centerGroup"/>
+                    </m:oMathParaPr>
+                    <m:oMath xmlns:m="http://schemas.openxmlformats.org/officeDocument/2006/math">
+                      <m:r>
+                        <a:rPr lang="vi-VN" b="0" i="1">
+                          <a:latin typeface="Cambria Math" panose="02040503050406030204" pitchFamily="18" charset="0"/>
+                          <a:ea typeface="Cambria Math" panose="02040503050406030204" pitchFamily="18" charset="0"/>
+                        </a:rPr>
+                        <m:t>|</m:t>
+                      </m:r>
+                      <m:r>
+                        <a:rPr lang="vi-VN" b="1" i="1">
+                          <a:latin typeface="Cambria Math" panose="02040503050406030204" pitchFamily="18" charset="0"/>
+                          <a:ea typeface="Cambria Math" panose="02040503050406030204" pitchFamily="18" charset="0"/>
+                        </a:rPr>
+                        <m:t>𝟎</m:t>
+                      </m:r>
+                      <m:r>
+                        <a:rPr lang="vi-VN" b="0" i="1">
+                          <a:latin typeface="Cambria Math" panose="02040503050406030204" pitchFamily="18" charset="0"/>
+                          <a:ea typeface="Cambria Math" panose="02040503050406030204" pitchFamily="18" charset="0"/>
+                        </a:rPr>
+                        <m:t>⟩</m:t>
+                      </m:r>
+                    </m:oMath>
+                  </m:oMathPara>
+                </a14:m>
+                <a:endParaRPr lang="en-VN" i="1"/>
+              </a:p>
+            </p:txBody>
+          </p:sp>
+        </mc:Choice>
+        <mc:Fallback>
+          <p:sp>
+            <p:nvSpPr>
+              <p:cNvPr id="105" name="TextBox 104">
+                <a:extLst>
+                  <a:ext uri="{FF2B5EF4-FFF2-40B4-BE49-F238E27FC236}">
+                    <a16:creationId xmlns:a16="http://schemas.microsoft.com/office/drawing/2014/main" id="{B307EB59-48FA-A7C0-9305-75FF8AFC6E9A}"/>
+                  </a:ext>
+                </a:extLst>
+              </p:cNvPr>
+              <p:cNvSpPr txBox="1">
+                <a:spLocks noRot="1" noChangeAspect="1" noMove="1" noResize="1" noEditPoints="1" noAdjustHandles="1" noChangeArrowheads="1" noChangeShapeType="1" noTextEdit="1"/>
+              </p:cNvSpPr>
+              <p:nvPr/>
+            </p:nvSpPr>
+            <p:spPr>
+              <a:xfrm>
+                <a:off x="1489837" y="2585635"/>
+                <a:ext cx="394158" cy="369332"/>
+              </a:xfrm>
+              <a:prstGeom prst="rect">
+                <a:avLst/>
+              </a:prstGeom>
+              <a:blipFill>
+                <a:blip r:embed="rId19"/>
+                <a:stretch>
+                  <a:fillRect l="-6250" r="-25000" b="-16667"/>
+                </a:stretch>
+              </a:blipFill>
+            </p:spPr>
+            <p:txBody>
+              <a:bodyPr/>
+              <a:lstStyle/>
+              <a:p>
+                <a:r>
+                  <a:rPr lang="en-VN">
+                    <a:noFill/>
+                  </a:rPr>
+                  <a:t> </a:t>
+                </a:r>
+              </a:p>
+            </p:txBody>
+          </p:sp>
+        </mc:Fallback>
+      </mc:AlternateContent>
+      <mc:AlternateContent xmlns:mc="http://schemas.openxmlformats.org/markup-compatibility/2006">
+        <mc:Choice xmlns:a14="http://schemas.microsoft.com/office/drawing/2010/main" Requires="a14">
+          <p:sp>
+            <p:nvSpPr>
+              <p:cNvPr id="108" name="Rectangle 107">
+                <a:extLst>
+                  <a:ext uri="{FF2B5EF4-FFF2-40B4-BE49-F238E27FC236}">
+                    <a16:creationId xmlns:a16="http://schemas.microsoft.com/office/drawing/2014/main" id="{3CA01CEA-C5D9-260A-8339-177112899976}"/>
+                  </a:ext>
+                </a:extLst>
+              </p:cNvPr>
+              <p:cNvSpPr/>
+              <p:nvPr/>
+            </p:nvSpPr>
+            <p:spPr>
+              <a:xfrm>
+                <a:off x="2180927" y="2529122"/>
+                <a:ext cx="626400" cy="482358"/>
+              </a:xfrm>
+              <a:prstGeom prst="rect">
+                <a:avLst/>
+              </a:prstGeom>
+              <a:solidFill>
+                <a:schemeClr val="bg1"/>
+              </a:solidFill>
+            </p:spPr>
+            <p:style>
+              <a:lnRef idx="2">
+                <a:schemeClr val="accent1">
+                  <a:shade val="15000"/>
+                </a:schemeClr>
+              </a:lnRef>
+              <a:fillRef idx="1">
+                <a:schemeClr val="accent1"/>
+              </a:fillRef>
+              <a:effectRef idx="0">
+                <a:schemeClr val="accent1"/>
+              </a:effectRef>
+              <a:fontRef idx="minor">
+                <a:schemeClr val="lt1"/>
+              </a:fontRef>
+            </p:style>
+            <p:txBody>
+              <a:bodyPr rtlCol="0" anchor="ctr"/>
+              <a:lstStyle/>
+              <a:p>
+                <a:pPr algn="ctr"/>
+                <a14:m>
+                  <m:oMathPara xmlns:m="http://schemas.openxmlformats.org/officeDocument/2006/math">
+                    <m:oMathParaPr>
+                      <m:jc m:val="centerGroup"/>
+                    </m:oMathParaPr>
+                    <m:oMath xmlns:m="http://schemas.openxmlformats.org/officeDocument/2006/math">
+                      <m:r>
+                        <a:rPr lang="vi-VN" b="0" i="1">
+                          <a:solidFill>
+                            <a:schemeClr val="tx1"/>
+                          </a:solidFill>
+                          <a:latin typeface="Cambria Math" panose="02040503050406030204" pitchFamily="18" charset="0"/>
+                        </a:rPr>
+                        <m:t> </m:t>
+                      </m:r>
+                      <m:r>
+                        <a:rPr lang="en-VN" i="1">
+                          <a:solidFill>
+                            <a:schemeClr val="tx1"/>
+                          </a:solidFill>
+                          <a:latin typeface="Cambria Math" panose="02040503050406030204" pitchFamily="18" charset="0"/>
+                        </a:rPr>
+                        <m:t>𝑈</m:t>
+                      </m:r>
+                      <m:d>
+                        <m:dPr>
+                          <m:ctrlPr>
+                            <a:rPr lang="vi-VN" b="0" i="1">
+                              <a:solidFill>
+                                <a:schemeClr val="tx1"/>
+                              </a:solidFill>
+                              <a:latin typeface="Cambria Math" panose="02040503050406030204" pitchFamily="18" charset="0"/>
+                            </a:rPr>
+                          </m:ctrlPr>
+                        </m:dPr>
+                        <m:e>
+                          <m:r>
+                            <a:rPr lang="vi-VN" b="1" i="1">
+                              <a:solidFill>
+                                <a:schemeClr val="tx1"/>
+                              </a:solidFill>
+                              <a:latin typeface="Cambria Math" panose="02040503050406030204" pitchFamily="18" charset="0"/>
+                            </a:rPr>
+                            <m:t>𝜽</m:t>
+                          </m:r>
+                        </m:e>
+                      </m:d>
+                    </m:oMath>
+                  </m:oMathPara>
+                </a14:m>
+                <a:endParaRPr lang="en-VN" i="1">
+                  <a:solidFill>
+                    <a:schemeClr val="tx1"/>
+                  </a:solidFill>
+                </a:endParaRPr>
+              </a:p>
+            </p:txBody>
+          </p:sp>
+        </mc:Choice>
+        <mc:Fallback>
+          <p:sp>
+            <p:nvSpPr>
+              <p:cNvPr id="108" name="Rectangle 107">
+                <a:extLst>
+                  <a:ext uri="{FF2B5EF4-FFF2-40B4-BE49-F238E27FC236}">
+                    <a16:creationId xmlns:a16="http://schemas.microsoft.com/office/drawing/2014/main" id="{3CA01CEA-C5D9-260A-8339-177112899976}"/>
+                  </a:ext>
+                </a:extLst>
+              </p:cNvPr>
+              <p:cNvSpPr>
+                <a:spLocks noRot="1" noChangeAspect="1" noMove="1" noResize="1" noEditPoints="1" noAdjustHandles="1" noChangeArrowheads="1" noChangeShapeType="1" noTextEdit="1"/>
+              </p:cNvSpPr>
+              <p:nvPr/>
+            </p:nvSpPr>
+            <p:spPr>
+              <a:xfrm>
+                <a:off x="2180927" y="2529122"/>
+                <a:ext cx="626400" cy="482358"/>
+              </a:xfrm>
+              <a:prstGeom prst="rect">
+                <a:avLst/>
+              </a:prstGeom>
+              <a:blipFill>
+                <a:blip r:embed="rId20"/>
+                <a:stretch>
+                  <a:fillRect l="-15686"/>
+                </a:stretch>
+              </a:blipFill>
+            </p:spPr>
+            <p:txBody>
+              <a:bodyPr/>
+              <a:lstStyle/>
+              <a:p>
+                <a:r>
+                  <a:rPr lang="en-VN">
+                    <a:noFill/>
+                  </a:rPr>
+                  <a:t> </a:t>
+                </a:r>
+              </a:p>
+            </p:txBody>
+          </p:sp>
+        </mc:Fallback>
+      </mc:AlternateContent>
+      <mc:AlternateContent xmlns:mc="http://schemas.openxmlformats.org/markup-compatibility/2006">
+        <mc:Choice xmlns:a14="http://schemas.microsoft.com/office/drawing/2010/main" Requires="a14">
+          <p:sp>
+            <p:nvSpPr>
+              <p:cNvPr id="109" name="Rectangle 108">
+                <a:extLst>
+                  <a:ext uri="{FF2B5EF4-FFF2-40B4-BE49-F238E27FC236}">
+                    <a16:creationId xmlns:a16="http://schemas.microsoft.com/office/drawing/2014/main" id="{86667D69-4DAF-D5ED-E96D-8C4C205D0A88}"/>
+                  </a:ext>
+                </a:extLst>
+              </p:cNvPr>
+              <p:cNvSpPr/>
+              <p:nvPr/>
+            </p:nvSpPr>
+            <p:spPr>
+              <a:xfrm>
+                <a:off x="2863556" y="2529122"/>
+                <a:ext cx="753869" cy="482358"/>
+              </a:xfrm>
+              <a:prstGeom prst="rect">
+                <a:avLst/>
+              </a:prstGeom>
+              <a:solidFill>
+                <a:schemeClr val="bg1"/>
+              </a:solidFill>
+            </p:spPr>
+            <p:style>
+              <a:lnRef idx="2">
+                <a:schemeClr val="accent1">
+                  <a:shade val="15000"/>
+                </a:schemeClr>
+              </a:lnRef>
+              <a:fillRef idx="1">
+                <a:schemeClr val="accent1"/>
+              </a:fillRef>
+              <a:effectRef idx="0">
+                <a:schemeClr val="accent1"/>
+              </a:effectRef>
+              <a:fontRef idx="minor">
+                <a:schemeClr val="lt1"/>
+              </a:fontRef>
+            </p:style>
+            <p:txBody>
+              <a:bodyPr rtlCol="0" anchor="ctr"/>
+              <a:lstStyle/>
+              <a:p>
+                <a:pPr algn="ctr"/>
+                <a14:m>
+                  <m:oMathPara xmlns:m="http://schemas.openxmlformats.org/officeDocument/2006/math">
+                    <m:oMathParaPr>
+                      <m:jc m:val="centerGroup"/>
+                    </m:oMathParaPr>
+                    <m:oMath xmlns:m="http://schemas.openxmlformats.org/officeDocument/2006/math">
+                      <m:r>
+                        <a:rPr lang="vi-VN" b="0" i="1">
+                          <a:solidFill>
+                            <a:schemeClr val="tx1"/>
+                          </a:solidFill>
+                          <a:latin typeface="Cambria Math" panose="02040503050406030204" pitchFamily="18" charset="0"/>
+                        </a:rPr>
+                        <m:t> </m:t>
+                      </m:r>
+                      <m:sSup>
+                        <m:sSupPr>
+                          <m:ctrlPr>
+                            <a:rPr lang="vi-VN" b="0" i="1">
+                              <a:solidFill>
+                                <a:schemeClr val="tx1"/>
+                              </a:solidFill>
+                              <a:latin typeface="Cambria Math" panose="02040503050406030204" pitchFamily="18" charset="0"/>
+                            </a:rPr>
+                          </m:ctrlPr>
+                        </m:sSupPr>
+                        <m:e>
+                          <m:r>
+                            <a:rPr lang="vi-VN" i="1">
+                              <a:solidFill>
+                                <a:schemeClr val="tx1"/>
+                              </a:solidFill>
+                              <a:latin typeface="Cambria Math" panose="02040503050406030204" pitchFamily="18" charset="0"/>
+                            </a:rPr>
+                            <m:t>𝑉</m:t>
+                          </m:r>
+                        </m:e>
+                        <m:sup>
+                          <m:r>
+                            <a:rPr lang="vi-VN" i="1">
+                              <a:solidFill>
+                                <a:schemeClr val="tx1"/>
+                              </a:solidFill>
+                              <a:latin typeface="Cambria Math" panose="02040503050406030204" pitchFamily="18" charset="0"/>
+                              <a:ea typeface="Cambria Math" panose="02040503050406030204" pitchFamily="18" charset="0"/>
+                            </a:rPr>
+                            <m:t>†</m:t>
+                          </m:r>
+                        </m:sup>
+                      </m:sSup>
+                      <m:d>
+                        <m:dPr>
+                          <m:ctrlPr>
+                            <a:rPr lang="vi-VN" b="0" i="1">
+                              <a:solidFill>
+                                <a:schemeClr val="tx1"/>
+                              </a:solidFill>
+                              <a:latin typeface="Cambria Math" panose="02040503050406030204" pitchFamily="18" charset="0"/>
+                            </a:rPr>
+                          </m:ctrlPr>
+                        </m:dPr>
+                        <m:e>
+                          <m:r>
+                            <a:rPr lang="vi-VN" b="1" i="1">
+                              <a:solidFill>
+                                <a:schemeClr val="tx1"/>
+                              </a:solidFill>
+                              <a:latin typeface="Cambria Math" panose="02040503050406030204" pitchFamily="18" charset="0"/>
+                            </a:rPr>
+                            <m:t>𝒙</m:t>
+                          </m:r>
+                        </m:e>
+                      </m:d>
+                    </m:oMath>
+                  </m:oMathPara>
+                </a14:m>
+                <a:endParaRPr lang="en-VN" i="1">
+                  <a:solidFill>
+                    <a:schemeClr val="tx1"/>
+                  </a:solidFill>
+                </a:endParaRPr>
+              </a:p>
+            </p:txBody>
+          </p:sp>
+        </mc:Choice>
+        <mc:Fallback>
+          <p:sp>
+            <p:nvSpPr>
+              <p:cNvPr id="109" name="Rectangle 108">
+                <a:extLst>
+                  <a:ext uri="{FF2B5EF4-FFF2-40B4-BE49-F238E27FC236}">
+                    <a16:creationId xmlns:a16="http://schemas.microsoft.com/office/drawing/2014/main" id="{86667D69-4DAF-D5ED-E96D-8C4C205D0A88}"/>
+                  </a:ext>
+                </a:extLst>
+              </p:cNvPr>
+              <p:cNvSpPr>
+                <a:spLocks noRot="1" noChangeAspect="1" noMove="1" noResize="1" noEditPoints="1" noAdjustHandles="1" noChangeArrowheads="1" noChangeShapeType="1" noTextEdit="1"/>
+              </p:cNvSpPr>
+              <p:nvPr/>
+            </p:nvSpPr>
+            <p:spPr>
+              <a:xfrm>
+                <a:off x="2863556" y="2529122"/>
+                <a:ext cx="753869" cy="482358"/>
+              </a:xfrm>
+              <a:prstGeom prst="rect">
+                <a:avLst/>
+              </a:prstGeom>
+              <a:blipFill>
+                <a:blip r:embed="rId21"/>
+                <a:stretch>
+                  <a:fillRect l="-11475" b="-2500"/>
+                </a:stretch>
+              </a:blipFill>
+            </p:spPr>
+            <p:txBody>
+              <a:bodyPr/>
+              <a:lstStyle/>
+              <a:p>
+                <a:r>
+                  <a:rPr lang="en-VN">
+                    <a:noFill/>
+                  </a:rPr>
+                  <a:t> </a:t>
+                </a:r>
+              </a:p>
+            </p:txBody>
+          </p:sp>
+        </mc:Fallback>
+      </mc:AlternateContent>
+      <p:cxnSp>
+        <p:nvCxnSpPr>
+          <p:cNvPr id="118" name="Straight Connector 117">
+            <a:extLst>
+              <a:ext uri="{FF2B5EF4-FFF2-40B4-BE49-F238E27FC236}">
+                <a16:creationId xmlns:a16="http://schemas.microsoft.com/office/drawing/2014/main" id="{81E30133-A5A4-036C-F7E7-3C1C488CBEDB}"/>
+              </a:ext>
+            </a:extLst>
+          </p:cNvPr>
+          <p:cNvCxnSpPr/>
+          <p:nvPr/>
+        </p:nvCxnSpPr>
+        <p:spPr>
+          <a:xfrm>
+            <a:off x="1985287" y="2673226"/>
+            <a:ext cx="86400" cy="176087"/>
+          </a:xfrm>
+          <a:prstGeom prst="line">
+            <a:avLst/>
+          </a:prstGeom>
+        </p:spPr>
+        <p:style>
+          <a:lnRef idx="1">
+            <a:schemeClr val="dk1"/>
+          </a:lnRef>
+          <a:fillRef idx="0">
+            <a:schemeClr val="dk1"/>
+          </a:fillRef>
+          <a:effectRef idx="0">
+            <a:schemeClr val="dk1"/>
+          </a:effectRef>
+          <a:fontRef idx="minor">
+            <a:schemeClr val="tx1"/>
+          </a:fontRef>
+        </p:style>
+      </p:cxnSp>
+      <mc:AlternateContent xmlns:mc="http://schemas.openxmlformats.org/markup-compatibility/2006">
+        <mc:Choice xmlns:a14="http://schemas.microsoft.com/office/drawing/2010/main" Requires="a14">
+          <p:sp>
+            <p:nvSpPr>
+              <p:cNvPr id="119" name="TextBox 118">
+                <a:extLst>
+                  <a:ext uri="{FF2B5EF4-FFF2-40B4-BE49-F238E27FC236}">
+                    <a16:creationId xmlns:a16="http://schemas.microsoft.com/office/drawing/2014/main" id="{64130CF1-D48C-8A0E-99DA-BFF15B1040E4}"/>
+                  </a:ext>
+                </a:extLst>
+              </p:cNvPr>
+              <p:cNvSpPr txBox="1"/>
+              <p:nvPr/>
+            </p:nvSpPr>
+            <p:spPr>
+              <a:xfrm>
+                <a:off x="1799078" y="2486641"/>
+                <a:ext cx="381741" cy="215444"/>
+              </a:xfrm>
+              <a:prstGeom prst="rect">
+                <a:avLst/>
+              </a:prstGeom>
+              <a:noFill/>
+            </p:spPr>
+            <p:txBody>
+              <a:bodyPr wrap="square" rtlCol="0">
+                <a:spAutoFit/>
+              </a:bodyPr>
+              <a:lstStyle/>
+              <a:p>
+                <a14:m>
+                  <m:oMathPara xmlns:m="http://schemas.openxmlformats.org/officeDocument/2006/math">
+                    <m:oMathParaPr>
+                      <m:jc m:val="centerGroup"/>
+                    </m:oMathParaPr>
+                    <m:oMath xmlns:m="http://schemas.openxmlformats.org/officeDocument/2006/math">
+                      <m:r>
+                        <a:rPr lang="en-VN" sz="800" i="1">
+                          <a:solidFill>
+                            <a:schemeClr val="tx1"/>
+                          </a:solidFill>
+                          <a:latin typeface="Cambria Math" panose="02040503050406030204" pitchFamily="18" charset="0"/>
+                          <a:cs typeface="Times New Roman" panose="02020603050405020304" pitchFamily="18" charset="0"/>
+                        </a:rPr>
+                        <m:t>𝑛</m:t>
+                      </m:r>
+                    </m:oMath>
+                  </m:oMathPara>
+                </a14:m>
+                <a:endParaRPr lang="en-VN" sz="800" i="1">
+                  <a:solidFill>
+                    <a:schemeClr val="tx1"/>
+                  </a:solidFill>
+                  <a:latin typeface="Times New Roman" panose="02020603050405020304" pitchFamily="18" charset="0"/>
+                  <a:cs typeface="Times New Roman" panose="02020603050405020304" pitchFamily="18" charset="0"/>
+                </a:endParaRPr>
+              </a:p>
+            </p:txBody>
+          </p:sp>
+        </mc:Choice>
+        <mc:Fallback>
+          <p:sp>
+            <p:nvSpPr>
+              <p:cNvPr id="119" name="TextBox 118">
+                <a:extLst>
+                  <a:ext uri="{FF2B5EF4-FFF2-40B4-BE49-F238E27FC236}">
+                    <a16:creationId xmlns:a16="http://schemas.microsoft.com/office/drawing/2014/main" id="{64130CF1-D48C-8A0E-99DA-BFF15B1040E4}"/>
+                  </a:ext>
+                </a:extLst>
+              </p:cNvPr>
+              <p:cNvSpPr txBox="1">
+                <a:spLocks noRot="1" noChangeAspect="1" noMove="1" noResize="1" noEditPoints="1" noAdjustHandles="1" noChangeArrowheads="1" noChangeShapeType="1" noTextEdit="1"/>
+              </p:cNvSpPr>
+              <p:nvPr/>
+            </p:nvSpPr>
+            <p:spPr>
+              <a:xfrm>
+                <a:off x="1799078" y="2486641"/>
+                <a:ext cx="381741" cy="215444"/>
+              </a:xfrm>
+              <a:prstGeom prst="rect">
+                <a:avLst/>
+              </a:prstGeom>
+              <a:blipFill>
+                <a:blip r:embed="rId22"/>
+                <a:stretch>
+                  <a:fillRect/>
+                </a:stretch>
+              </a:blipFill>
+            </p:spPr>
+            <p:txBody>
+              <a:bodyPr/>
+              <a:lstStyle/>
+              <a:p>
+                <a:r>
+                  <a:rPr lang="en-VN">
+                    <a:noFill/>
+                  </a:rPr>
+                  <a:t> </a:t>
+                </a:r>
+              </a:p>
+            </p:txBody>
+          </p:sp>
+        </mc:Fallback>
+      </mc:AlternateContent>
+      <mc:AlternateContent xmlns:mc="http://schemas.openxmlformats.org/markup-compatibility/2006">
+        <mc:Choice xmlns:a14="http://schemas.microsoft.com/office/drawing/2010/main" Requires="a14">
+          <p:sp>
+            <p:nvSpPr>
+              <p:cNvPr id="120" name="TextBox 119">
+                <a:extLst>
+                  <a:ext uri="{FF2B5EF4-FFF2-40B4-BE49-F238E27FC236}">
+                    <a16:creationId xmlns:a16="http://schemas.microsoft.com/office/drawing/2014/main" id="{DA91E4BE-6512-3CFE-9216-8AB74F88ABD0}"/>
+                  </a:ext>
+                </a:extLst>
+              </p:cNvPr>
+              <p:cNvSpPr txBox="1"/>
+              <p:nvPr/>
+            </p:nvSpPr>
+            <p:spPr>
+              <a:xfrm>
+                <a:off x="3917496" y="3310604"/>
+                <a:ext cx="810688" cy="369332"/>
+              </a:xfrm>
+              <a:prstGeom prst="rect">
+                <a:avLst/>
+              </a:prstGeom>
+              <a:noFill/>
+            </p:spPr>
+            <p:txBody>
+              <a:bodyPr wrap="square">
+                <a:spAutoFit/>
+              </a:bodyPr>
+              <a:lstStyle/>
+              <a:p>
+                <a:pPr/>
+                <a14:m>
+                  <m:oMathPara xmlns:m="http://schemas.openxmlformats.org/officeDocument/2006/math">
+                    <m:oMathParaPr>
+                      <m:jc m:val="centerGroup"/>
+                    </m:oMathParaPr>
+                    <m:oMath xmlns:m="http://schemas.openxmlformats.org/officeDocument/2006/math">
+                      <m:r>
+                        <a:rPr lang="en-VN" i="1">
+                          <a:latin typeface="Cambria Math" panose="02040503050406030204" pitchFamily="18" charset="0"/>
+                          <a:ea typeface="Cambria Math" panose="02040503050406030204" pitchFamily="18" charset="0"/>
+                        </a:rPr>
+                        <m:t>𝒞</m:t>
+                      </m:r>
+                      <m:d>
+                        <m:dPr>
+                          <m:ctrlPr>
+                            <a:rPr lang="vi-VN" b="0" i="1">
+                              <a:latin typeface="Cambria Math" panose="02040503050406030204" pitchFamily="18" charset="0"/>
+                              <a:ea typeface="Cambria Math" panose="02040503050406030204" pitchFamily="18" charset="0"/>
+                            </a:rPr>
+                          </m:ctrlPr>
+                        </m:dPr>
+                        <m:e>
+                          <m:r>
+                            <a:rPr lang="vi-VN" b="1" i="1">
+                              <a:latin typeface="Cambria Math" panose="02040503050406030204" pitchFamily="18" charset="0"/>
+                              <a:ea typeface="Cambria Math" panose="02040503050406030204" pitchFamily="18" charset="0"/>
+                            </a:rPr>
+                            <m:t>𝜽</m:t>
+                          </m:r>
+                          <m:r>
+                            <a:rPr lang="vi-VN" b="0" i="1">
+                              <a:latin typeface="Cambria Math" panose="02040503050406030204" pitchFamily="18" charset="0"/>
+                              <a:ea typeface="Cambria Math" panose="02040503050406030204" pitchFamily="18" charset="0"/>
+                            </a:rPr>
+                            <m:t>,</m:t>
+                          </m:r>
+                          <m:r>
+                            <a:rPr lang="vi-VN" b="1" i="1">
+                              <a:latin typeface="Cambria Math" panose="02040503050406030204" pitchFamily="18" charset="0"/>
+                              <a:ea typeface="Cambria Math" panose="02040503050406030204" pitchFamily="18" charset="0"/>
+                            </a:rPr>
+                            <m:t>𝒙</m:t>
+                          </m:r>
+                        </m:e>
+                      </m:d>
+                    </m:oMath>
+                  </m:oMathPara>
+                </a14:m>
+                <a:endParaRPr lang="en-VN" i="1"/>
+              </a:p>
+            </p:txBody>
+          </p:sp>
+        </mc:Choice>
+        <mc:Fallback>
+          <p:sp>
+            <p:nvSpPr>
+              <p:cNvPr id="120" name="TextBox 119">
+                <a:extLst>
+                  <a:ext uri="{FF2B5EF4-FFF2-40B4-BE49-F238E27FC236}">
+                    <a16:creationId xmlns:a16="http://schemas.microsoft.com/office/drawing/2014/main" id="{DA91E4BE-6512-3CFE-9216-8AB74F88ABD0}"/>
+                  </a:ext>
+                </a:extLst>
+              </p:cNvPr>
+              <p:cNvSpPr txBox="1">
+                <a:spLocks noRot="1" noChangeAspect="1" noMove="1" noResize="1" noEditPoints="1" noAdjustHandles="1" noChangeArrowheads="1" noChangeShapeType="1" noTextEdit="1"/>
+              </p:cNvSpPr>
+              <p:nvPr/>
+            </p:nvSpPr>
+            <p:spPr>
+              <a:xfrm>
+                <a:off x="3917496" y="3310604"/>
+                <a:ext cx="810688" cy="369332"/>
+              </a:xfrm>
+              <a:prstGeom prst="rect">
+                <a:avLst/>
+              </a:prstGeom>
+              <a:blipFill>
+                <a:blip r:embed="rId23"/>
+                <a:stretch>
+                  <a:fillRect/>
+                </a:stretch>
+              </a:blipFill>
+            </p:spPr>
+            <p:txBody>
+              <a:bodyPr/>
+              <a:lstStyle/>
+              <a:p>
+                <a:r>
+                  <a:rPr lang="en-VN">
+                    <a:noFill/>
+                  </a:rPr>
+                  <a:t> </a:t>
+                </a:r>
+              </a:p>
+            </p:txBody>
+          </p:sp>
+        </mc:Fallback>
+      </mc:AlternateContent>
+      <p:cxnSp>
+        <p:nvCxnSpPr>
+          <p:cNvPr id="121" name="Elbow Connector 120">
+            <a:extLst>
+              <a:ext uri="{FF2B5EF4-FFF2-40B4-BE49-F238E27FC236}">
+                <a16:creationId xmlns:a16="http://schemas.microsoft.com/office/drawing/2014/main" id="{DD0C58AB-2FBD-6FF9-3101-C5B2FD622E63}"/>
+              </a:ext>
+            </a:extLst>
+          </p:cNvPr>
+          <p:cNvCxnSpPr>
+            <a:cxnSpLocks/>
+            <a:endCxn id="120" idx="0"/>
+          </p:cNvCxnSpPr>
+          <p:nvPr/>
+        </p:nvCxnSpPr>
+        <p:spPr>
+          <a:xfrm>
+            <a:off x="3693837" y="2901723"/>
+            <a:ext cx="629003" cy="408881"/>
+          </a:xfrm>
+          <a:prstGeom prst="bentConnector2">
+            <a:avLst/>
+          </a:prstGeom>
+          <a:ln>
+            <a:tailEnd type="triangle"/>
+          </a:ln>
+        </p:spPr>
+        <p:style>
+          <a:lnRef idx="1">
+            <a:schemeClr val="dk1"/>
+          </a:lnRef>
+          <a:fillRef idx="0">
+            <a:schemeClr val="dk1"/>
+          </a:fillRef>
+          <a:effectRef idx="0">
+            <a:schemeClr val="dk1"/>
+          </a:effectRef>
+          <a:fontRef idx="minor">
+            <a:schemeClr val="tx1"/>
+          </a:fontRef>
+        </p:style>
+      </p:cxnSp>
+      <mc:AlternateContent xmlns:mc="http://schemas.openxmlformats.org/markup-compatibility/2006">
+        <mc:Choice xmlns:a14="http://schemas.microsoft.com/office/drawing/2010/main" Requires="a14">
+          <p:sp>
+            <p:nvSpPr>
+              <p:cNvPr id="125" name="TextBox 124">
+                <a:extLst>
+                  <a:ext uri="{FF2B5EF4-FFF2-40B4-BE49-F238E27FC236}">
+                    <a16:creationId xmlns:a16="http://schemas.microsoft.com/office/drawing/2014/main" id="{288E6EEF-8CA2-2298-E6FB-02795547A955}"/>
+                  </a:ext>
+                </a:extLst>
+              </p:cNvPr>
+              <p:cNvSpPr txBox="1"/>
+              <p:nvPr/>
+            </p:nvSpPr>
+            <p:spPr>
+              <a:xfrm>
+                <a:off x="3677975" y="2519728"/>
+                <a:ext cx="810688" cy="394660"/>
+              </a:xfrm>
+              <a:prstGeom prst="rect">
+                <a:avLst/>
+              </a:prstGeom>
+              <a:noFill/>
+            </p:spPr>
+            <p:txBody>
+              <a:bodyPr wrap="square">
+                <a:spAutoFit/>
+              </a:bodyPr>
+              <a:lstStyle/>
+              <a:p>
+                <a:pPr/>
+                <a14:m>
+                  <m:oMathPara xmlns:m="http://schemas.openxmlformats.org/officeDocument/2006/math">
+                    <m:oMathParaPr>
+                      <m:jc m:val="centerGroup"/>
+                    </m:oMathParaPr>
+                    <m:oMath xmlns:m="http://schemas.openxmlformats.org/officeDocument/2006/math">
+                      <m:sSub>
+                        <m:sSubPr>
+                          <m:ctrlPr>
+                            <a:rPr lang="vi-VN" b="0" i="1">
+                              <a:latin typeface="Cambria Math" panose="02040503050406030204" pitchFamily="18" charset="0"/>
+                              <a:ea typeface="Cambria Math" panose="02040503050406030204" pitchFamily="18" charset="0"/>
+                            </a:rPr>
+                          </m:ctrlPr>
+                        </m:sSubPr>
+                        <m:e>
+                          <m:r>
+                            <a:rPr lang="en-VN" i="1">
+                              <a:latin typeface="Cambria Math" panose="02040503050406030204" pitchFamily="18" charset="0"/>
+                              <a:ea typeface="Cambria Math" panose="02040503050406030204" pitchFamily="18" charset="0"/>
+                            </a:rPr>
+                            <m:t>ℳ</m:t>
+                          </m:r>
+                        </m:e>
+                        <m:sub>
+                          <m:sSub>
+                            <m:sSubPr>
+                              <m:ctrlPr>
+                                <a:rPr lang="vi-VN" b="0" i="1">
+                                  <a:latin typeface="Cambria Math" panose="02040503050406030204" pitchFamily="18" charset="0"/>
+                                  <a:ea typeface="Cambria Math" panose="02040503050406030204" pitchFamily="18" charset="0"/>
+                                </a:rPr>
+                              </m:ctrlPr>
+                            </m:sSubPr>
+                            <m:e>
+                              <m:r>
+                                <a:rPr lang="vi-VN" i="1">
+                                  <a:latin typeface="Cambria Math" panose="02040503050406030204" pitchFamily="18" charset="0"/>
+                                  <a:ea typeface="Cambria Math" panose="02040503050406030204" pitchFamily="18" charset="0"/>
+                                </a:rPr>
+                                <m:t>ℤ</m:t>
+                              </m:r>
+                            </m:e>
+                            <m:sub>
+                              <m:r>
+                                <a:rPr lang="vi-VN" b="0" i="1">
+                                  <a:latin typeface="Cambria Math" panose="02040503050406030204" pitchFamily="18" charset="0"/>
+                                  <a:ea typeface="Cambria Math" panose="02040503050406030204" pitchFamily="18" charset="0"/>
+                                </a:rPr>
+                                <m:t>0</m:t>
+                              </m:r>
+                            </m:sub>
+                          </m:sSub>
+                        </m:sub>
+                      </m:sSub>
+                    </m:oMath>
+                  </m:oMathPara>
+                </a14:m>
+                <a:endParaRPr lang="en-VN" i="1"/>
+              </a:p>
+            </p:txBody>
+          </p:sp>
+        </mc:Choice>
+        <mc:Fallback>
+          <p:sp>
+            <p:nvSpPr>
+              <p:cNvPr id="125" name="TextBox 124">
+                <a:extLst>
+                  <a:ext uri="{FF2B5EF4-FFF2-40B4-BE49-F238E27FC236}">
+                    <a16:creationId xmlns:a16="http://schemas.microsoft.com/office/drawing/2014/main" id="{288E6EEF-8CA2-2298-E6FB-02795547A955}"/>
+                  </a:ext>
+                </a:extLst>
+              </p:cNvPr>
+              <p:cNvSpPr txBox="1">
+                <a:spLocks noRot="1" noChangeAspect="1" noMove="1" noResize="1" noEditPoints="1" noAdjustHandles="1" noChangeArrowheads="1" noChangeShapeType="1" noTextEdit="1"/>
+              </p:cNvSpPr>
+              <p:nvPr/>
+            </p:nvSpPr>
+            <p:spPr>
+              <a:xfrm>
+                <a:off x="3677975" y="2519728"/>
+                <a:ext cx="810688" cy="394660"/>
+              </a:xfrm>
+              <a:prstGeom prst="rect">
+                <a:avLst/>
+              </a:prstGeom>
+              <a:blipFill>
+                <a:blip r:embed="rId24"/>
+                <a:stretch>
+                  <a:fillRect/>
+                </a:stretch>
+              </a:blipFill>
+            </p:spPr>
+            <p:txBody>
+              <a:bodyPr/>
+              <a:lstStyle/>
+              <a:p>
+                <a:r>
+                  <a:rPr lang="en-VN">
+                    <a:noFill/>
+                  </a:rPr>
+                  <a:t> </a:t>
+                </a:r>
+              </a:p>
+            </p:txBody>
+          </p:sp>
+        </mc:Fallback>
+      </mc:AlternateContent>
+      <mc:AlternateContent xmlns:mc="http://schemas.openxmlformats.org/markup-compatibility/2006">
+        <mc:Choice xmlns:a14="http://schemas.microsoft.com/office/drawing/2010/main" Requires="a14">
+          <p:sp>
+            <p:nvSpPr>
+              <p:cNvPr id="127" name="TextBox 126">
+                <a:extLst>
+                  <a:ext uri="{FF2B5EF4-FFF2-40B4-BE49-F238E27FC236}">
+                    <a16:creationId xmlns:a16="http://schemas.microsoft.com/office/drawing/2014/main" id="{50C22945-FD1B-81F9-92CE-1D9B080E9592}"/>
+                  </a:ext>
+                </a:extLst>
+              </p:cNvPr>
+              <p:cNvSpPr txBox="1"/>
+              <p:nvPr/>
+            </p:nvSpPr>
+            <p:spPr>
+              <a:xfrm>
+                <a:off x="2302620" y="3310604"/>
+                <a:ext cx="380936" cy="369332"/>
+              </a:xfrm>
+              <a:prstGeom prst="rect">
+                <a:avLst/>
+              </a:prstGeom>
+              <a:noFill/>
+            </p:spPr>
+            <p:txBody>
+              <a:bodyPr wrap="square">
+                <a:spAutoFit/>
+              </a:bodyPr>
+              <a:lstStyle/>
+              <a:p>
+                <a:pPr/>
+                <a14:m>
+                  <m:oMathPara xmlns:m="http://schemas.openxmlformats.org/officeDocument/2006/math">
+                    <m:oMathParaPr>
+                      <m:jc m:val="centerGroup"/>
+                    </m:oMathParaPr>
+                    <m:oMath xmlns:m="http://schemas.openxmlformats.org/officeDocument/2006/math">
+                      <m:sSup>
+                        <m:sSupPr>
+                          <m:ctrlPr>
+                            <a:rPr lang="vi-VN" b="1" i="1">
+                              <a:latin typeface="Cambria Math" panose="02040503050406030204" pitchFamily="18" charset="0"/>
+                              <a:ea typeface="Cambria Math" panose="02040503050406030204" pitchFamily="18" charset="0"/>
+                            </a:rPr>
+                          </m:ctrlPr>
+                        </m:sSupPr>
+                        <m:e>
+                          <m:r>
+                            <a:rPr lang="vi-VN" b="1" i="1">
+                              <a:latin typeface="Cambria Math" panose="02040503050406030204" pitchFamily="18" charset="0"/>
+                              <a:ea typeface="Cambria Math" panose="02040503050406030204" pitchFamily="18" charset="0"/>
+                            </a:rPr>
+                            <m:t>𝜽</m:t>
+                          </m:r>
+                        </m:e>
+                        <m:sup>
+                          <m:r>
+                            <a:rPr lang="vi-VN" b="1" i="1">
+                              <a:latin typeface="Cambria Math" panose="02040503050406030204" pitchFamily="18" charset="0"/>
+                              <a:ea typeface="Cambria Math" panose="02040503050406030204" pitchFamily="18" charset="0"/>
+                            </a:rPr>
+                            <m:t>′</m:t>
+                          </m:r>
+                        </m:sup>
+                      </m:sSup>
+                    </m:oMath>
+                  </m:oMathPara>
+                </a14:m>
+                <a:endParaRPr lang="en-VN" b="1" i="1"/>
+              </a:p>
+            </p:txBody>
+          </p:sp>
+        </mc:Choice>
+        <mc:Fallback>
+          <p:sp>
+            <p:nvSpPr>
+              <p:cNvPr id="127" name="TextBox 126">
+                <a:extLst>
+                  <a:ext uri="{FF2B5EF4-FFF2-40B4-BE49-F238E27FC236}">
+                    <a16:creationId xmlns:a16="http://schemas.microsoft.com/office/drawing/2014/main" id="{50C22945-FD1B-81F9-92CE-1D9B080E9592}"/>
+                  </a:ext>
+                </a:extLst>
+              </p:cNvPr>
+              <p:cNvSpPr txBox="1">
+                <a:spLocks noRot="1" noChangeAspect="1" noMove="1" noResize="1" noEditPoints="1" noAdjustHandles="1" noChangeArrowheads="1" noChangeShapeType="1" noTextEdit="1"/>
+              </p:cNvSpPr>
+              <p:nvPr/>
+            </p:nvSpPr>
+            <p:spPr>
+              <a:xfrm>
+                <a:off x="2302620" y="3310604"/>
+                <a:ext cx="380936" cy="369332"/>
+              </a:xfrm>
+              <a:prstGeom prst="rect">
+                <a:avLst/>
+              </a:prstGeom>
+              <a:blipFill>
+                <a:blip r:embed="rId25"/>
+                <a:stretch>
+                  <a:fillRect/>
+                </a:stretch>
+              </a:blipFill>
+            </p:spPr>
+            <p:txBody>
+              <a:bodyPr/>
+              <a:lstStyle/>
+              <a:p>
+                <a:r>
+                  <a:rPr lang="en-VN">
+                    <a:noFill/>
+                  </a:rPr>
+                  <a:t> </a:t>
+                </a:r>
+              </a:p>
+            </p:txBody>
+          </p:sp>
+        </mc:Fallback>
+      </mc:AlternateContent>
+      <p:cxnSp>
+        <p:nvCxnSpPr>
+          <p:cNvPr id="128" name="Straight Arrow Connector 127">
+            <a:extLst>
+              <a:ext uri="{FF2B5EF4-FFF2-40B4-BE49-F238E27FC236}">
+                <a16:creationId xmlns:a16="http://schemas.microsoft.com/office/drawing/2014/main" id="{024B2B7A-B769-1391-3AC6-86CF98ED8A2E}"/>
+              </a:ext>
+            </a:extLst>
+          </p:cNvPr>
+          <p:cNvCxnSpPr>
+            <a:cxnSpLocks/>
+            <a:stCxn id="158" idx="2"/>
+            <a:endCxn id="173" idx="0"/>
+          </p:cNvCxnSpPr>
+          <p:nvPr/>
+        </p:nvCxnSpPr>
+        <p:spPr>
+          <a:xfrm>
+            <a:off x="4322840" y="4227057"/>
+            <a:ext cx="5620" cy="306934"/>
+          </a:xfrm>
+          <a:prstGeom prst="straightConnector1">
+            <a:avLst/>
+          </a:prstGeom>
+          <a:ln>
+            <a:tailEnd type="triangle"/>
+          </a:ln>
+        </p:spPr>
+        <p:style>
+          <a:lnRef idx="1">
+            <a:schemeClr val="dk1"/>
+          </a:lnRef>
+          <a:fillRef idx="0">
+            <a:schemeClr val="dk1"/>
+          </a:fillRef>
+          <a:effectRef idx="0">
+            <a:schemeClr val="dk1"/>
+          </a:effectRef>
+          <a:fontRef idx="minor">
+            <a:schemeClr val="tx1"/>
+          </a:fontRef>
+        </p:style>
+      </p:cxnSp>
+      <mc:AlternateContent xmlns:mc="http://schemas.openxmlformats.org/markup-compatibility/2006">
+        <mc:Choice xmlns:a14="http://schemas.microsoft.com/office/drawing/2010/main" Requires="a14">
+          <p:sp>
+            <p:nvSpPr>
+              <p:cNvPr id="133" name="TextBox 132">
+                <a:extLst>
+                  <a:ext uri="{FF2B5EF4-FFF2-40B4-BE49-F238E27FC236}">
+                    <a16:creationId xmlns:a16="http://schemas.microsoft.com/office/drawing/2014/main" id="{F913B691-949A-74A7-470A-54FBECBC6BF8}"/>
+                  </a:ext>
+                </a:extLst>
+              </p:cNvPr>
+              <p:cNvSpPr txBox="1"/>
+              <p:nvPr/>
+            </p:nvSpPr>
+            <p:spPr>
+              <a:xfrm>
+                <a:off x="2618261" y="3151881"/>
+                <a:ext cx="1781366" cy="338554"/>
+              </a:xfrm>
+              <a:prstGeom prst="rect">
+                <a:avLst/>
+              </a:prstGeom>
+              <a:noFill/>
+            </p:spPr>
+            <p:txBody>
+              <a:bodyPr wrap="square">
+                <a:spAutoFit/>
+              </a:bodyPr>
+              <a:lstStyle/>
+              <a:p>
+                <a:r>
+                  <a:rPr lang="en-US" sz="1600">
+                    <a:latin typeface="Times New Roman" panose="02020603050405020304" pitchFamily="18" charset="0"/>
+                    <a:cs typeface="Times New Roman" panose="02020603050405020304" pitchFamily="18" charset="0"/>
+                  </a:rPr>
+                  <a:t>o</a:t>
+                </a:r>
+                <a:r>
+                  <a:rPr lang="en-VN" sz="1600">
+                    <a:latin typeface="Times New Roman" panose="02020603050405020304" pitchFamily="18" charset="0"/>
+                    <a:cs typeface="Times New Roman" panose="02020603050405020304" pitchFamily="18" charset="0"/>
+                  </a:rPr>
+                  <a:t>ptimizer</a:t>
+                </a:r>
+                <a14:m>
+                  <m:oMath xmlns:m="http://schemas.openxmlformats.org/officeDocument/2006/math">
+                    <m:r>
+                      <a:rPr lang="en-VN" sz="1600" i="1">
+                        <a:latin typeface="Cambria Math" panose="02040503050406030204" pitchFamily="18" charset="0"/>
+                      </a:rPr>
+                      <m:t>(</m:t>
+                    </m:r>
+                    <m:sSub>
+                      <m:sSubPr>
+                        <m:ctrlPr>
+                          <a:rPr lang="vi-VN" sz="1600" b="0" i="1">
+                            <a:latin typeface="Cambria Math" panose="02040503050406030204" pitchFamily="18" charset="0"/>
+                          </a:rPr>
+                        </m:ctrlPr>
+                      </m:sSubPr>
+                      <m:e>
+                        <m:r>
+                          <m:rPr>
+                            <m:sty m:val="p"/>
+                          </m:rPr>
+                          <a:rPr lang="vi-VN" sz="1600" b="0" i="0">
+                            <a:latin typeface="Cambria Math" panose="02040503050406030204" pitchFamily="18" charset="0"/>
+                          </a:rPr>
+                          <m:t>∇</m:t>
+                        </m:r>
+                      </m:e>
+                      <m:sub>
+                        <m:r>
+                          <a:rPr lang="vi-VN" sz="1600" b="1" i="1">
+                            <a:latin typeface="Cambria Math" panose="02040503050406030204" pitchFamily="18" charset="0"/>
+                          </a:rPr>
+                          <m:t>𝜽</m:t>
+                        </m:r>
+                      </m:sub>
+                    </m:sSub>
+                    <m:r>
+                      <a:rPr lang="en-VN" sz="1600" i="1">
+                        <a:latin typeface="Cambria Math" panose="02040503050406030204" pitchFamily="18" charset="0"/>
+                        <a:ea typeface="Cambria Math" panose="02040503050406030204" pitchFamily="18" charset="0"/>
+                      </a:rPr>
+                      <m:t>𝒞</m:t>
+                    </m:r>
+                    <m:r>
+                      <a:rPr lang="en-VN" sz="1600" i="1">
+                        <a:latin typeface="Cambria Math" panose="02040503050406030204" pitchFamily="18" charset="0"/>
+                      </a:rPr>
+                      <m:t>)</m:t>
+                    </m:r>
+                  </m:oMath>
+                </a14:m>
+                <a:r>
+                  <a:rPr lang="en-VN" sz="1600">
+                    <a:latin typeface="Times New Roman" panose="02020603050405020304" pitchFamily="18" charset="0"/>
+                    <a:cs typeface="Times New Roman" panose="02020603050405020304" pitchFamily="18" charset="0"/>
+                  </a:rPr>
+                  <a:t> </a:t>
+                </a:r>
+              </a:p>
+            </p:txBody>
+          </p:sp>
+        </mc:Choice>
+        <mc:Fallback>
+          <p:sp>
+            <p:nvSpPr>
+              <p:cNvPr id="133" name="TextBox 132">
+                <a:extLst>
+                  <a:ext uri="{FF2B5EF4-FFF2-40B4-BE49-F238E27FC236}">
+                    <a16:creationId xmlns:a16="http://schemas.microsoft.com/office/drawing/2014/main" id="{F913B691-949A-74A7-470A-54FBECBC6BF8}"/>
+                  </a:ext>
+                </a:extLst>
+              </p:cNvPr>
+              <p:cNvSpPr txBox="1">
+                <a:spLocks noRot="1" noChangeAspect="1" noMove="1" noResize="1" noEditPoints="1" noAdjustHandles="1" noChangeArrowheads="1" noChangeShapeType="1" noTextEdit="1"/>
+              </p:cNvSpPr>
+              <p:nvPr/>
+            </p:nvSpPr>
+            <p:spPr>
+              <a:xfrm>
+                <a:off x="2618261" y="3151881"/>
+                <a:ext cx="1781366" cy="338554"/>
+              </a:xfrm>
+              <a:prstGeom prst="rect">
+                <a:avLst/>
+              </a:prstGeom>
+              <a:blipFill>
+                <a:blip r:embed="rId26"/>
+                <a:stretch>
+                  <a:fillRect l="-2128" t="-7143" b="-17857"/>
+                </a:stretch>
+              </a:blipFill>
+            </p:spPr>
+            <p:txBody>
+              <a:bodyPr/>
+              <a:lstStyle/>
+              <a:p>
+                <a:r>
+                  <a:rPr lang="en-VN">
+                    <a:noFill/>
+                  </a:rPr>
+                  <a:t> </a:t>
+                </a:r>
+              </a:p>
+            </p:txBody>
+          </p:sp>
+        </mc:Fallback>
+      </mc:AlternateContent>
+      <p:cxnSp>
+        <p:nvCxnSpPr>
+          <p:cNvPr id="134" name="Straight Arrow Connector 133">
+            <a:extLst>
+              <a:ext uri="{FF2B5EF4-FFF2-40B4-BE49-F238E27FC236}">
+                <a16:creationId xmlns:a16="http://schemas.microsoft.com/office/drawing/2014/main" id="{3C8CC81B-0058-BEB7-D9FF-D81A5674EC34}"/>
+              </a:ext>
+            </a:extLst>
+          </p:cNvPr>
+          <p:cNvCxnSpPr>
+            <a:cxnSpLocks/>
+            <a:stCxn id="127" idx="0"/>
+            <a:endCxn id="108" idx="2"/>
+          </p:cNvCxnSpPr>
+          <p:nvPr/>
+        </p:nvCxnSpPr>
+        <p:spPr>
+          <a:xfrm flipV="1">
+            <a:off x="2493088" y="3011480"/>
+            <a:ext cx="1039" cy="299124"/>
+          </a:xfrm>
+          <a:prstGeom prst="straightConnector1">
+            <a:avLst/>
+          </a:prstGeom>
+          <a:ln>
+            <a:tailEnd type="triangle"/>
+          </a:ln>
+        </p:spPr>
+        <p:style>
+          <a:lnRef idx="1">
+            <a:schemeClr val="dk1"/>
+          </a:lnRef>
+          <a:fillRef idx="0">
+            <a:schemeClr val="dk1"/>
+          </a:fillRef>
+          <a:effectRef idx="0">
+            <a:schemeClr val="dk1"/>
+          </a:effectRef>
+          <a:fontRef idx="minor">
+            <a:schemeClr val="tx1"/>
+          </a:fontRef>
+        </p:style>
+      </p:cxnSp>
+      <p:sp>
+        <p:nvSpPr>
+          <p:cNvPr id="137" name="TextBox 136">
+            <a:extLst>
+              <a:ext uri="{FF2B5EF4-FFF2-40B4-BE49-F238E27FC236}">
+                <a16:creationId xmlns:a16="http://schemas.microsoft.com/office/drawing/2014/main" id="{EF016FFC-92E7-BAEA-47DF-7D2F6CCDB61E}"/>
+              </a:ext>
+            </a:extLst>
+          </p:cNvPr>
+          <p:cNvSpPr txBox="1"/>
+          <p:nvPr/>
+        </p:nvSpPr>
+        <p:spPr>
+          <a:xfrm>
+            <a:off x="2492021" y="3048942"/>
+            <a:ext cx="748469" cy="215444"/>
+          </a:xfrm>
+          <a:prstGeom prst="rect">
+            <a:avLst/>
+          </a:prstGeom>
+          <a:noFill/>
+        </p:spPr>
+        <p:txBody>
+          <a:bodyPr wrap="square" rtlCol="0">
+            <a:spAutoFit/>
+          </a:bodyPr>
+          <a:lstStyle/>
+          <a:p>
+            <a:r>
+              <a:rPr lang="en-VN" sz="800">
+                <a:solidFill>
+                  <a:srgbClr val="FF0000"/>
+                </a:solidFill>
+                <a:latin typeface="Times New Roman" panose="02020603050405020304" pitchFamily="18" charset="0"/>
+                <a:cs typeface="Times New Roman" panose="02020603050405020304" pitchFamily="18" charset="0"/>
+              </a:rPr>
+              <a:t>Replace</a:t>
+            </a:r>
+          </a:p>
+        </p:txBody>
+      </p:sp>
+      <p:sp>
+        <p:nvSpPr>
+          <p:cNvPr id="138" name="TextBox 137">
+            <a:extLst>
+              <a:ext uri="{FF2B5EF4-FFF2-40B4-BE49-F238E27FC236}">
+                <a16:creationId xmlns:a16="http://schemas.microsoft.com/office/drawing/2014/main" id="{C29004B0-F8D3-8A38-FB2E-7F155C1B7B6C}"/>
+              </a:ext>
+            </a:extLst>
+          </p:cNvPr>
+          <p:cNvSpPr txBox="1"/>
+          <p:nvPr/>
+        </p:nvSpPr>
+        <p:spPr>
+          <a:xfrm>
+            <a:off x="1456422" y="3134514"/>
+            <a:ext cx="466536" cy="215444"/>
+          </a:xfrm>
+          <a:prstGeom prst="rect">
+            <a:avLst/>
+          </a:prstGeom>
+          <a:noFill/>
+        </p:spPr>
+        <p:txBody>
+          <a:bodyPr wrap="square" rtlCol="0">
+            <a:spAutoFit/>
+          </a:bodyPr>
+          <a:lstStyle/>
+          <a:p>
+            <a:r>
+              <a:rPr lang="en-VN" sz="800">
+                <a:solidFill>
+                  <a:srgbClr val="FF0000"/>
+                </a:solidFill>
+                <a:latin typeface="Times New Roman" panose="02020603050405020304" pitchFamily="18" charset="0"/>
+                <a:cs typeface="Times New Roman" panose="02020603050405020304" pitchFamily="18" charset="0"/>
+              </a:rPr>
+              <a:t>Begin</a:t>
+            </a:r>
+          </a:p>
+        </p:txBody>
+      </p:sp>
+      <p:cxnSp>
+        <p:nvCxnSpPr>
+          <p:cNvPr id="139" name="Straight Arrow Connector 138">
+            <a:extLst>
+              <a:ext uri="{FF2B5EF4-FFF2-40B4-BE49-F238E27FC236}">
+                <a16:creationId xmlns:a16="http://schemas.microsoft.com/office/drawing/2014/main" id="{10B80B5C-EB8A-8844-DD1B-DBC259D10835}"/>
+              </a:ext>
+            </a:extLst>
+          </p:cNvPr>
+          <p:cNvCxnSpPr>
+            <a:cxnSpLocks/>
+            <a:stCxn id="138" idx="0"/>
+            <a:endCxn id="105" idx="2"/>
+          </p:cNvCxnSpPr>
+          <p:nvPr/>
+        </p:nvCxnSpPr>
+        <p:spPr>
+          <a:xfrm flipH="1" flipV="1">
+            <a:off x="1686916" y="2954967"/>
+            <a:ext cx="2774" cy="179547"/>
+          </a:xfrm>
+          <a:prstGeom prst="straightConnector1">
+            <a:avLst/>
+          </a:prstGeom>
+          <a:ln>
+            <a:solidFill>
+              <a:srgbClr val="FF0000"/>
+            </a:solidFill>
+            <a:headEnd type="none" w="med" len="med"/>
+            <a:tailEnd type="arrow" w="med" len="med"/>
+          </a:ln>
+        </p:spPr>
+        <p:style>
+          <a:lnRef idx="1">
+            <a:schemeClr val="dk1"/>
+          </a:lnRef>
+          <a:fillRef idx="0">
+            <a:schemeClr val="dk1"/>
+          </a:fillRef>
+          <a:effectRef idx="0">
+            <a:schemeClr val="dk1"/>
+          </a:effectRef>
+          <a:fontRef idx="minor">
+            <a:schemeClr val="tx1"/>
+          </a:fontRef>
+        </p:style>
+      </p:cxnSp>
+      <p:sp>
+        <p:nvSpPr>
+          <p:cNvPr id="144" name="TextBox 143">
+            <a:extLst>
+              <a:ext uri="{FF2B5EF4-FFF2-40B4-BE49-F238E27FC236}">
+                <a16:creationId xmlns:a16="http://schemas.microsoft.com/office/drawing/2014/main" id="{F374C035-2055-B3D0-5899-DDB623FC752D}"/>
+              </a:ext>
+            </a:extLst>
+          </p:cNvPr>
+          <p:cNvSpPr txBox="1"/>
+          <p:nvPr/>
+        </p:nvSpPr>
+        <p:spPr>
+          <a:xfrm>
+            <a:off x="1563113" y="1787607"/>
+            <a:ext cx="466536" cy="215444"/>
+          </a:xfrm>
+          <a:prstGeom prst="rect">
+            <a:avLst/>
+          </a:prstGeom>
+          <a:noFill/>
+        </p:spPr>
+        <p:txBody>
+          <a:bodyPr wrap="square" rtlCol="0">
+            <a:spAutoFit/>
+          </a:bodyPr>
+          <a:lstStyle/>
+          <a:p>
+            <a:r>
+              <a:rPr lang="en-VN" sz="800">
+                <a:solidFill>
+                  <a:srgbClr val="FF0000"/>
+                </a:solidFill>
+                <a:latin typeface="Times New Roman" panose="02020603050405020304" pitchFamily="18" charset="0"/>
+                <a:cs typeface="Times New Roman" panose="02020603050405020304" pitchFamily="18" charset="0"/>
+              </a:rPr>
+              <a:t>Begin</a:t>
+            </a:r>
+          </a:p>
+        </p:txBody>
+      </p:sp>
+      <p:cxnSp>
+        <p:nvCxnSpPr>
+          <p:cNvPr id="149" name="Elbow Connector 148">
+            <a:extLst>
+              <a:ext uri="{FF2B5EF4-FFF2-40B4-BE49-F238E27FC236}">
+                <a16:creationId xmlns:a16="http://schemas.microsoft.com/office/drawing/2014/main" id="{89EDB279-B348-C4C9-1B3E-429523FB983F}"/>
+              </a:ext>
+            </a:extLst>
+          </p:cNvPr>
+          <p:cNvCxnSpPr>
+            <a:stCxn id="144" idx="0"/>
+            <a:endCxn id="4" idx="1"/>
+          </p:cNvCxnSpPr>
+          <p:nvPr/>
+        </p:nvCxnSpPr>
+        <p:spPr>
+          <a:xfrm rot="5400000" flipH="1" flipV="1">
+            <a:off x="1811135" y="1619493"/>
+            <a:ext cx="153361" cy="182868"/>
+          </a:xfrm>
+          <a:prstGeom prst="bentConnector2">
+            <a:avLst/>
+          </a:prstGeom>
+          <a:ln>
+            <a:solidFill>
+              <a:srgbClr val="FF0000"/>
+            </a:solidFill>
+            <a:headEnd type="none" w="med" len="med"/>
+            <a:tailEnd type="arrow" w="med" len="med"/>
+          </a:ln>
+        </p:spPr>
+        <p:style>
+          <a:lnRef idx="1">
+            <a:schemeClr val="accent1"/>
+          </a:lnRef>
+          <a:fillRef idx="0">
+            <a:schemeClr val="accent1"/>
+          </a:fillRef>
+          <a:effectRef idx="0">
+            <a:schemeClr val="accent1"/>
+          </a:effectRef>
+          <a:fontRef idx="minor">
+            <a:schemeClr val="tx1"/>
+          </a:fontRef>
+        </p:style>
+      </p:cxnSp>
+      <mc:AlternateContent xmlns:mc="http://schemas.openxmlformats.org/markup-compatibility/2006">
+        <mc:Choice xmlns:a14="http://schemas.microsoft.com/office/drawing/2010/main" Requires="a14">
+          <p:sp>
+            <p:nvSpPr>
+              <p:cNvPr id="157" name="TextBox 156">
+                <a:extLst>
+                  <a:ext uri="{FF2B5EF4-FFF2-40B4-BE49-F238E27FC236}">
+                    <a16:creationId xmlns:a16="http://schemas.microsoft.com/office/drawing/2014/main" id="{280834C4-ADD5-0426-F603-75134135F3B3}"/>
+                  </a:ext>
+                </a:extLst>
+              </p:cNvPr>
+              <p:cNvSpPr txBox="1"/>
+              <p:nvPr/>
+            </p:nvSpPr>
+            <p:spPr>
+              <a:xfrm>
+                <a:off x="3845341" y="3868826"/>
+                <a:ext cx="940598" cy="276999"/>
+              </a:xfrm>
+              <a:prstGeom prst="rect">
+                <a:avLst/>
+              </a:prstGeom>
+              <a:noFill/>
+            </p:spPr>
+            <p:txBody>
+              <a:bodyPr wrap="square">
+                <a:spAutoFit/>
+              </a:bodyPr>
+              <a:lstStyle/>
+              <a:p>
+                <a:pPr/>
+                <a14:m>
+                  <m:oMathPara xmlns:m="http://schemas.openxmlformats.org/officeDocument/2006/math">
+                    <m:oMathParaPr>
+                      <m:jc m:val="centerGroup"/>
+                    </m:oMathParaPr>
+                    <m:oMath xmlns:m="http://schemas.openxmlformats.org/officeDocument/2006/math">
+                      <m:r>
+                        <a:rPr lang="en-VN" sz="1200" i="1">
+                          <a:latin typeface="Cambria Math" panose="02040503050406030204" pitchFamily="18" charset="0"/>
+                          <a:ea typeface="Cambria Math" panose="02040503050406030204" pitchFamily="18" charset="0"/>
+                        </a:rPr>
+                        <m:t>𝒞</m:t>
+                      </m:r>
+                      <m:d>
+                        <m:dPr>
+                          <m:ctrlPr>
+                            <a:rPr lang="vi-VN" sz="1200" b="0" i="1">
+                              <a:latin typeface="Cambria Math" panose="02040503050406030204" pitchFamily="18" charset="0"/>
+                              <a:ea typeface="Cambria Math" panose="02040503050406030204" pitchFamily="18" charset="0"/>
+                            </a:rPr>
+                          </m:ctrlPr>
+                        </m:dPr>
+                        <m:e>
+                          <m:r>
+                            <a:rPr lang="vi-VN" sz="1200" b="1" i="1">
+                              <a:latin typeface="Cambria Math" panose="02040503050406030204" pitchFamily="18" charset="0"/>
+                              <a:ea typeface="Cambria Math" panose="02040503050406030204" pitchFamily="18" charset="0"/>
+                            </a:rPr>
+                            <m:t>𝜽</m:t>
+                          </m:r>
+                          <m:r>
+                            <a:rPr lang="vi-VN" sz="1200" b="0" i="1">
+                              <a:latin typeface="Cambria Math" panose="02040503050406030204" pitchFamily="18" charset="0"/>
+                              <a:ea typeface="Cambria Math" panose="02040503050406030204" pitchFamily="18" charset="0"/>
+                            </a:rPr>
+                            <m:t>,</m:t>
+                          </m:r>
+                          <m:r>
+                            <a:rPr lang="vi-VN" sz="1200" b="1" i="1">
+                              <a:latin typeface="Cambria Math" panose="02040503050406030204" pitchFamily="18" charset="0"/>
+                              <a:ea typeface="Cambria Math" panose="02040503050406030204" pitchFamily="18" charset="0"/>
+                            </a:rPr>
+                            <m:t>𝒙</m:t>
+                          </m:r>
+                        </m:e>
+                      </m:d>
+                      <m:r>
+                        <a:rPr lang="vi-VN" sz="1200" b="0" i="1">
+                          <a:latin typeface="Cambria Math" panose="02040503050406030204" pitchFamily="18" charset="0"/>
+                          <a:ea typeface="Cambria Math" panose="02040503050406030204" pitchFamily="18" charset="0"/>
+                        </a:rPr>
+                        <m:t>&lt;</m:t>
+                      </m:r>
+                      <m:r>
+                        <a:rPr lang="vi-VN" sz="1200" b="0" i="1">
+                          <a:latin typeface="Cambria Math" panose="02040503050406030204" pitchFamily="18" charset="0"/>
+                          <a:ea typeface="Cambria Math" panose="02040503050406030204" pitchFamily="18" charset="0"/>
+                        </a:rPr>
+                        <m:t>𝜏</m:t>
+                      </m:r>
+                    </m:oMath>
+                  </m:oMathPara>
+                </a14:m>
+                <a:endParaRPr lang="en-VN" sz="1200"/>
+              </a:p>
+            </p:txBody>
+          </p:sp>
+        </mc:Choice>
+        <mc:Fallback>
+          <p:sp>
+            <p:nvSpPr>
+              <p:cNvPr id="157" name="TextBox 156">
+                <a:extLst>
+                  <a:ext uri="{FF2B5EF4-FFF2-40B4-BE49-F238E27FC236}">
+                    <a16:creationId xmlns:a16="http://schemas.microsoft.com/office/drawing/2014/main" id="{280834C4-ADD5-0426-F603-75134135F3B3}"/>
+                  </a:ext>
+                </a:extLst>
+              </p:cNvPr>
+              <p:cNvSpPr txBox="1">
+                <a:spLocks noRot="1" noChangeAspect="1" noMove="1" noResize="1" noEditPoints="1" noAdjustHandles="1" noChangeArrowheads="1" noChangeShapeType="1" noTextEdit="1"/>
+              </p:cNvSpPr>
+              <p:nvPr/>
+            </p:nvSpPr>
+            <p:spPr>
+              <a:xfrm>
+                <a:off x="3845341" y="3868826"/>
+                <a:ext cx="940598" cy="276999"/>
+              </a:xfrm>
+              <a:prstGeom prst="rect">
+                <a:avLst/>
+              </a:prstGeom>
+              <a:blipFill>
+                <a:blip r:embed="rId27"/>
+                <a:stretch>
+                  <a:fillRect/>
+                </a:stretch>
+              </a:blipFill>
+            </p:spPr>
+            <p:txBody>
+              <a:bodyPr/>
+              <a:lstStyle/>
+              <a:p>
+                <a:r>
+                  <a:rPr lang="en-VN">
+                    <a:noFill/>
+                  </a:rPr>
+                  <a:t> </a:t>
+                </a:r>
+              </a:p>
+            </p:txBody>
+          </p:sp>
+        </mc:Fallback>
+      </mc:AlternateContent>
+      <p:sp>
+        <p:nvSpPr>
+          <p:cNvPr id="158" name="Diamond 157">
+            <a:extLst>
+              <a:ext uri="{FF2B5EF4-FFF2-40B4-BE49-F238E27FC236}">
+                <a16:creationId xmlns:a16="http://schemas.microsoft.com/office/drawing/2014/main" id="{5F062333-48AB-61A8-E9BC-CACDB4C5EC3A}"/>
+              </a:ext>
+            </a:extLst>
+          </p:cNvPr>
+          <p:cNvSpPr/>
+          <p:nvPr/>
+        </p:nvSpPr>
+        <p:spPr>
+          <a:xfrm>
+            <a:off x="3754912" y="3814919"/>
+            <a:ext cx="1135856" cy="412138"/>
+          </a:xfrm>
+          <a:prstGeom prst="diamond">
+            <a:avLst/>
+          </a:prstGeom>
+          <a:noFill/>
+          <a:ln>
+            <a:solidFill>
+              <a:schemeClr val="tx1"/>
+            </a:solidFill>
+          </a:ln>
+        </p:spPr>
+        <p:style>
+          <a:lnRef idx="2">
+            <a:schemeClr val="accent1">
+              <a:shade val="15000"/>
+            </a:schemeClr>
+          </a:lnRef>
+          <a:fillRef idx="1">
+            <a:schemeClr val="accent1"/>
+          </a:fillRef>
+          <a:effectRef idx="0">
+            <a:schemeClr val="accent1"/>
+          </a:effectRef>
+          <a:fontRef idx="minor">
+            <a:schemeClr val="lt1"/>
+          </a:fontRef>
+        </p:style>
+        <p:txBody>
+          <a:bodyPr rtlCol="0" anchor="ctr"/>
+          <a:lstStyle/>
+          <a:p>
+            <a:pPr algn="ctr"/>
+            <a:endParaRPr lang="en-VN">
+              <a:solidFill>
+                <a:schemeClr val="tx1"/>
+              </a:solidFill>
+            </a:endParaRPr>
+          </a:p>
+        </p:txBody>
+      </p:sp>
+      <p:cxnSp>
+        <p:nvCxnSpPr>
+          <p:cNvPr id="159" name="Straight Arrow Connector 158">
+            <a:extLst>
+              <a:ext uri="{FF2B5EF4-FFF2-40B4-BE49-F238E27FC236}">
+                <a16:creationId xmlns:a16="http://schemas.microsoft.com/office/drawing/2014/main" id="{212B7703-6082-7DD0-BD61-C0779F0CC40A}"/>
+              </a:ext>
+            </a:extLst>
+          </p:cNvPr>
+          <p:cNvCxnSpPr>
+            <a:cxnSpLocks/>
+            <a:stCxn id="120" idx="2"/>
+            <a:endCxn id="158" idx="0"/>
+          </p:cNvCxnSpPr>
+          <p:nvPr/>
+        </p:nvCxnSpPr>
+        <p:spPr>
+          <a:xfrm>
+            <a:off x="4322840" y="3679936"/>
+            <a:ext cx="0" cy="134983"/>
+          </a:xfrm>
+          <a:prstGeom prst="straightConnector1">
+            <a:avLst/>
+          </a:prstGeom>
+          <a:ln>
+            <a:tailEnd type="triangle"/>
+          </a:ln>
+        </p:spPr>
+        <p:style>
+          <a:lnRef idx="1">
+            <a:schemeClr val="dk1"/>
+          </a:lnRef>
+          <a:fillRef idx="0">
+            <a:schemeClr val="dk1"/>
+          </a:fillRef>
+          <a:effectRef idx="0">
+            <a:schemeClr val="dk1"/>
+          </a:effectRef>
+          <a:fontRef idx="minor">
+            <a:schemeClr val="tx1"/>
+          </a:fontRef>
+        </p:style>
+      </p:cxnSp>
+      <p:cxnSp>
+        <p:nvCxnSpPr>
+          <p:cNvPr id="163" name="Elbow Connector 162">
+            <a:extLst>
+              <a:ext uri="{FF2B5EF4-FFF2-40B4-BE49-F238E27FC236}">
+                <a16:creationId xmlns:a16="http://schemas.microsoft.com/office/drawing/2014/main" id="{D12E60E1-7BAD-097D-6BB8-0E4A0F2608B8}"/>
+              </a:ext>
+            </a:extLst>
+          </p:cNvPr>
+          <p:cNvCxnSpPr>
+            <a:cxnSpLocks/>
+            <a:stCxn id="158" idx="1"/>
+            <a:endCxn id="127" idx="3"/>
+          </p:cNvCxnSpPr>
+          <p:nvPr/>
+        </p:nvCxnSpPr>
+        <p:spPr>
+          <a:xfrm rot="10800000">
+            <a:off x="2683556" y="3495270"/>
+            <a:ext cx="1071356" cy="525718"/>
+          </a:xfrm>
+          <a:prstGeom prst="bentConnector3">
+            <a:avLst>
+              <a:gd name="adj1" fmla="val 11693"/>
+            </a:avLst>
+          </a:prstGeom>
+          <a:ln>
+            <a:tailEnd type="triangle"/>
+          </a:ln>
+        </p:spPr>
+        <p:style>
+          <a:lnRef idx="1">
+            <a:schemeClr val="dk1"/>
+          </a:lnRef>
+          <a:fillRef idx="0">
+            <a:schemeClr val="dk1"/>
+          </a:fillRef>
+          <a:effectRef idx="0">
+            <a:schemeClr val="dk1"/>
+          </a:effectRef>
+          <a:fontRef idx="minor">
+            <a:schemeClr val="tx1"/>
+          </a:fontRef>
+        </p:style>
+      </p:cxnSp>
+      <p:sp>
+        <p:nvSpPr>
+          <p:cNvPr id="170" name="TextBox 169">
+            <a:extLst>
+              <a:ext uri="{FF2B5EF4-FFF2-40B4-BE49-F238E27FC236}">
+                <a16:creationId xmlns:a16="http://schemas.microsoft.com/office/drawing/2014/main" id="{B20B8282-CADA-1ADA-459C-0A7B9896B43F}"/>
+              </a:ext>
+            </a:extLst>
+          </p:cNvPr>
+          <p:cNvSpPr txBox="1"/>
+          <p:nvPr/>
+        </p:nvSpPr>
+        <p:spPr>
+          <a:xfrm>
+            <a:off x="3613311" y="3621924"/>
+            <a:ext cx="748469" cy="215444"/>
+          </a:xfrm>
+          <a:prstGeom prst="rect">
+            <a:avLst/>
+          </a:prstGeom>
+          <a:noFill/>
+        </p:spPr>
+        <p:txBody>
+          <a:bodyPr wrap="square" rtlCol="0">
+            <a:spAutoFit/>
+          </a:bodyPr>
+          <a:lstStyle/>
+          <a:p>
+            <a:r>
+              <a:rPr lang="en-VN" sz="800">
+                <a:solidFill>
+                  <a:srgbClr val="FF0000"/>
+                </a:solidFill>
+                <a:latin typeface="Times New Roman" panose="02020603050405020304" pitchFamily="18" charset="0"/>
+                <a:cs typeface="Times New Roman" panose="02020603050405020304" pitchFamily="18" charset="0"/>
+              </a:rPr>
+              <a:t>False</a:t>
+            </a:r>
+          </a:p>
+        </p:txBody>
+      </p:sp>
+      <p:sp>
+        <p:nvSpPr>
+          <p:cNvPr id="171" name="TextBox 170">
+            <a:extLst>
+              <a:ext uri="{FF2B5EF4-FFF2-40B4-BE49-F238E27FC236}">
+                <a16:creationId xmlns:a16="http://schemas.microsoft.com/office/drawing/2014/main" id="{6C930BFE-C216-A79E-6A64-147D97EDFDB5}"/>
+              </a:ext>
+            </a:extLst>
+          </p:cNvPr>
+          <p:cNvSpPr txBox="1"/>
+          <p:nvPr/>
+        </p:nvSpPr>
+        <p:spPr>
+          <a:xfrm>
+            <a:off x="4318226" y="4206314"/>
+            <a:ext cx="431558" cy="215444"/>
+          </a:xfrm>
+          <a:prstGeom prst="rect">
+            <a:avLst/>
+          </a:prstGeom>
+          <a:noFill/>
+        </p:spPr>
+        <p:txBody>
+          <a:bodyPr wrap="square" rtlCol="0">
+            <a:spAutoFit/>
+          </a:bodyPr>
+          <a:lstStyle/>
+          <a:p>
+            <a:r>
+              <a:rPr lang="en-VN" sz="800">
+                <a:solidFill>
+                  <a:srgbClr val="FF0000"/>
+                </a:solidFill>
+                <a:latin typeface="Times New Roman" panose="02020603050405020304" pitchFamily="18" charset="0"/>
+                <a:cs typeface="Times New Roman" panose="02020603050405020304" pitchFamily="18" charset="0"/>
+              </a:rPr>
+              <a:t>True</a:t>
+            </a:r>
+          </a:p>
+        </p:txBody>
+      </p:sp>
+      <mc:AlternateContent xmlns:mc="http://schemas.openxmlformats.org/markup-compatibility/2006">
+        <mc:Choice xmlns:a14="http://schemas.microsoft.com/office/drawing/2010/main" Requires="a14">
+          <p:sp>
+            <p:nvSpPr>
+              <p:cNvPr id="173" name="TextBox 172">
+                <a:extLst>
+                  <a:ext uri="{FF2B5EF4-FFF2-40B4-BE49-F238E27FC236}">
+                    <a16:creationId xmlns:a16="http://schemas.microsoft.com/office/drawing/2014/main" id="{2B3796FF-916C-DDD6-C16E-6C724E13B974}"/>
+                  </a:ext>
+                </a:extLst>
+              </p:cNvPr>
+              <p:cNvSpPr txBox="1"/>
+              <p:nvPr/>
+            </p:nvSpPr>
+            <p:spPr>
+              <a:xfrm>
+                <a:off x="4112681" y="4533991"/>
+                <a:ext cx="431558" cy="369332"/>
+              </a:xfrm>
+              <a:prstGeom prst="rect">
+                <a:avLst/>
+              </a:prstGeom>
+              <a:noFill/>
+            </p:spPr>
+            <p:txBody>
+              <a:bodyPr wrap="square">
+                <a:spAutoFit/>
+              </a:bodyPr>
+              <a:lstStyle/>
+              <a:p>
+                <a:pPr/>
+                <a14:m>
+                  <m:oMathPara xmlns:m="http://schemas.openxmlformats.org/officeDocument/2006/math">
+                    <m:oMathParaPr>
+                      <m:jc m:val="centerGroup"/>
+                    </m:oMathParaPr>
+                    <m:oMath xmlns:m="http://schemas.openxmlformats.org/officeDocument/2006/math">
+                      <m:sSup>
+                        <m:sSupPr>
+                          <m:ctrlPr>
+                            <a:rPr lang="vi-VN" b="1" i="1">
+                              <a:latin typeface="Cambria Math" panose="02040503050406030204" pitchFamily="18" charset="0"/>
+                              <a:ea typeface="Cambria Math" panose="02040503050406030204" pitchFamily="18" charset="0"/>
+                            </a:rPr>
+                          </m:ctrlPr>
+                        </m:sSupPr>
+                        <m:e>
+                          <m:r>
+                            <a:rPr lang="vi-VN" b="1" i="1">
+                              <a:latin typeface="Cambria Math" panose="02040503050406030204" pitchFamily="18" charset="0"/>
+                              <a:ea typeface="Cambria Math" panose="02040503050406030204" pitchFamily="18" charset="0"/>
+                            </a:rPr>
+                            <m:t>𝜽</m:t>
+                          </m:r>
+                        </m:e>
+                        <m:sup>
+                          <m:r>
+                            <a:rPr lang="vi-VN" b="1" i="1">
+                              <a:latin typeface="Cambria Math" panose="02040503050406030204" pitchFamily="18" charset="0"/>
+                              <a:ea typeface="Cambria Math" panose="02040503050406030204" pitchFamily="18" charset="0"/>
+                            </a:rPr>
+                            <m:t>∗</m:t>
+                          </m:r>
+                        </m:sup>
+                      </m:sSup>
+                    </m:oMath>
+                  </m:oMathPara>
+                </a14:m>
+                <a:endParaRPr lang="en-VN"/>
+              </a:p>
+            </p:txBody>
+          </p:sp>
+        </mc:Choice>
+        <mc:Fallback>
+          <p:sp>
+            <p:nvSpPr>
+              <p:cNvPr id="173" name="TextBox 172">
+                <a:extLst>
+                  <a:ext uri="{FF2B5EF4-FFF2-40B4-BE49-F238E27FC236}">
+                    <a16:creationId xmlns:a16="http://schemas.microsoft.com/office/drawing/2014/main" id="{2B3796FF-916C-DDD6-C16E-6C724E13B974}"/>
+                  </a:ext>
+                </a:extLst>
+              </p:cNvPr>
+              <p:cNvSpPr txBox="1">
+                <a:spLocks noRot="1" noChangeAspect="1" noMove="1" noResize="1" noEditPoints="1" noAdjustHandles="1" noChangeArrowheads="1" noChangeShapeType="1" noTextEdit="1"/>
+              </p:cNvSpPr>
+              <p:nvPr/>
+            </p:nvSpPr>
+            <p:spPr>
+              <a:xfrm>
+                <a:off x="4112681" y="4533991"/>
+                <a:ext cx="431558" cy="369332"/>
+              </a:xfrm>
+              <a:prstGeom prst="rect">
+                <a:avLst/>
+              </a:prstGeom>
+              <a:blipFill>
+                <a:blip r:embed="rId28"/>
+                <a:stretch>
+                  <a:fillRect/>
+                </a:stretch>
+              </a:blipFill>
+            </p:spPr>
+            <p:txBody>
+              <a:bodyPr/>
+              <a:lstStyle/>
+              <a:p>
+                <a:r>
+                  <a:rPr lang="en-VN">
+                    <a:noFill/>
+                  </a:rPr>
+                  <a:t> </a:t>
+                </a:r>
+              </a:p>
+            </p:txBody>
+          </p:sp>
+        </mc:Fallback>
+      </mc:AlternateContent>
+      <p:sp>
+        <p:nvSpPr>
+          <p:cNvPr id="176" name="TextBox 175">
+            <a:extLst>
+              <a:ext uri="{FF2B5EF4-FFF2-40B4-BE49-F238E27FC236}">
+                <a16:creationId xmlns:a16="http://schemas.microsoft.com/office/drawing/2014/main" id="{4BE726DA-7B76-9286-B2E9-87148E0C5046}"/>
+              </a:ext>
+            </a:extLst>
+          </p:cNvPr>
+          <p:cNvSpPr txBox="1"/>
+          <p:nvPr/>
+        </p:nvSpPr>
+        <p:spPr>
+          <a:xfrm>
+            <a:off x="3547067" y="4610935"/>
+            <a:ext cx="380037" cy="215444"/>
+          </a:xfrm>
+          <a:prstGeom prst="rect">
+            <a:avLst/>
+          </a:prstGeom>
+          <a:noFill/>
+        </p:spPr>
+        <p:txBody>
+          <a:bodyPr wrap="square" rtlCol="0">
+            <a:spAutoFit/>
+          </a:bodyPr>
+          <a:lstStyle/>
+          <a:p>
+            <a:r>
+              <a:rPr lang="en-VN" sz="800">
+                <a:solidFill>
+                  <a:srgbClr val="FF0000"/>
+                </a:solidFill>
+                <a:latin typeface="Times New Roman" panose="02020603050405020304" pitchFamily="18" charset="0"/>
+                <a:cs typeface="Times New Roman" panose="02020603050405020304" pitchFamily="18" charset="0"/>
+              </a:rPr>
+              <a:t>End</a:t>
+            </a:r>
+          </a:p>
+        </p:txBody>
+      </p:sp>
+      <p:cxnSp>
+        <p:nvCxnSpPr>
+          <p:cNvPr id="177" name="Straight Arrow Connector 176">
+            <a:extLst>
+              <a:ext uri="{FF2B5EF4-FFF2-40B4-BE49-F238E27FC236}">
+                <a16:creationId xmlns:a16="http://schemas.microsoft.com/office/drawing/2014/main" id="{73F3E2B6-9F2E-280D-0494-CD8BFAC2ABB4}"/>
+              </a:ext>
+            </a:extLst>
+          </p:cNvPr>
+          <p:cNvCxnSpPr>
+            <a:cxnSpLocks/>
+            <a:stCxn id="173" idx="1"/>
+            <a:endCxn id="176" idx="3"/>
+          </p:cNvCxnSpPr>
+          <p:nvPr/>
+        </p:nvCxnSpPr>
+        <p:spPr>
+          <a:xfrm flipH="1">
+            <a:off x="3927104" y="4718657"/>
+            <a:ext cx="185577" cy="0"/>
+          </a:xfrm>
+          <a:prstGeom prst="straightConnector1">
+            <a:avLst/>
+          </a:prstGeom>
+          <a:ln>
+            <a:solidFill>
+              <a:srgbClr val="FF0000"/>
+            </a:solidFill>
+            <a:headEnd type="none" w="med" len="med"/>
+            <a:tailEnd type="arrow" w="med" len="med"/>
+          </a:ln>
+        </p:spPr>
+        <p:style>
+          <a:lnRef idx="1">
+            <a:schemeClr val="dk1"/>
+          </a:lnRef>
+          <a:fillRef idx="0">
+            <a:schemeClr val="dk1"/>
+          </a:fillRef>
+          <a:effectRef idx="0">
+            <a:schemeClr val="dk1"/>
+          </a:effectRef>
+          <a:fontRef idx="minor">
+            <a:schemeClr val="tx1"/>
+          </a:fontRef>
+        </p:style>
+      </p:cxnSp>
+      <p:sp>
+        <p:nvSpPr>
+          <p:cNvPr id="184" name="Down Arrow 183">
+            <a:extLst>
+              <a:ext uri="{FF2B5EF4-FFF2-40B4-BE49-F238E27FC236}">
+                <a16:creationId xmlns:a16="http://schemas.microsoft.com/office/drawing/2014/main" id="{B178A113-3E50-6D31-8488-B3C9C1034692}"/>
+              </a:ext>
+            </a:extLst>
+          </p:cNvPr>
+          <p:cNvSpPr/>
+          <p:nvPr/>
+        </p:nvSpPr>
+        <p:spPr>
+          <a:xfrm>
+            <a:off x="8111714" y="3868060"/>
+            <a:ext cx="288000" cy="659427"/>
+          </a:xfrm>
+          <a:prstGeom prst="downArrow">
+            <a:avLst/>
+          </a:prstGeom>
+        </p:spPr>
+        <p:style>
+          <a:lnRef idx="2">
+            <a:schemeClr val="dk1">
+              <a:shade val="15000"/>
+            </a:schemeClr>
+          </a:lnRef>
+          <a:fillRef idx="1">
+            <a:schemeClr val="dk1"/>
+          </a:fillRef>
+          <a:effectRef idx="0">
+            <a:schemeClr val="dk1"/>
+          </a:effectRef>
+          <a:fontRef idx="minor">
+            <a:schemeClr val="lt1"/>
+          </a:fontRef>
+        </p:style>
+        <p:txBody>
+          <a:bodyPr rtlCol="0" anchor="ctr"/>
+          <a:lstStyle/>
+          <a:p>
+            <a:pPr algn="ctr"/>
+            <a:endParaRPr lang="en-VN"/>
+          </a:p>
+        </p:txBody>
+      </p:sp>
+      <mc:AlternateContent xmlns:mc="http://schemas.openxmlformats.org/markup-compatibility/2006">
+        <mc:Choice xmlns:a14="http://schemas.microsoft.com/office/drawing/2010/main" Requires="a14">
+          <p:sp>
+            <p:nvSpPr>
+              <p:cNvPr id="186" name="TextBox 185">
+                <a:extLst>
+                  <a:ext uri="{FF2B5EF4-FFF2-40B4-BE49-F238E27FC236}">
+                    <a16:creationId xmlns:a16="http://schemas.microsoft.com/office/drawing/2014/main" id="{D1901FF1-5BB4-51A5-5509-8F7892318E75}"/>
+                  </a:ext>
+                </a:extLst>
+              </p:cNvPr>
+              <p:cNvSpPr txBox="1"/>
+              <p:nvPr/>
+            </p:nvSpPr>
+            <p:spPr>
+              <a:xfrm>
+                <a:off x="7516479" y="4533991"/>
+                <a:ext cx="1546161" cy="369332"/>
+              </a:xfrm>
+              <a:prstGeom prst="rect">
+                <a:avLst/>
+              </a:prstGeom>
+              <a:noFill/>
+            </p:spPr>
+            <p:txBody>
+              <a:bodyPr wrap="square">
+                <a:spAutoFit/>
+              </a:bodyPr>
+              <a:lstStyle/>
+              <a:p>
+                <a:pPr/>
+                <a14:m>
+                  <m:oMathPara xmlns:m="http://schemas.openxmlformats.org/officeDocument/2006/math">
+                    <m:oMathParaPr>
+                      <m:jc m:val="centerGroup"/>
+                    </m:oMathParaPr>
+                    <m:oMath xmlns:m="http://schemas.openxmlformats.org/officeDocument/2006/math">
+                      <m:d>
+                        <m:dPr>
+                          <m:begChr m:val="{"/>
+                          <m:endChr m:val="}"/>
+                          <m:ctrlPr>
+                            <a:rPr lang="vi-VN" b="0" i="1">
+                              <a:latin typeface="Cambria Math" panose="02040503050406030204" pitchFamily="18" charset="0"/>
+                              <a:ea typeface="Cambria Math" panose="02040503050406030204" pitchFamily="18" charset="0"/>
+                            </a:rPr>
+                          </m:ctrlPr>
+                        </m:dPr>
+                        <m:e>
+                          <m:sSup>
+                            <m:sSupPr>
+                              <m:ctrlPr>
+                                <a:rPr lang="vi-VN" b="1" i="1">
+                                  <a:latin typeface="Cambria Math" panose="02040503050406030204" pitchFamily="18" charset="0"/>
+                                  <a:ea typeface="Cambria Math" panose="02040503050406030204" pitchFamily="18" charset="0"/>
+                                </a:rPr>
+                              </m:ctrlPr>
+                            </m:sSupPr>
+                            <m:e>
+                              <m:r>
+                                <a:rPr lang="vi-VN" b="1" i="1">
+                                  <a:latin typeface="Cambria Math" panose="02040503050406030204" pitchFamily="18" charset="0"/>
+                                  <a:ea typeface="Cambria Math" panose="02040503050406030204" pitchFamily="18" charset="0"/>
+                                </a:rPr>
+                                <m:t>𝜽</m:t>
+                              </m:r>
+                            </m:e>
+                            <m:sup>
+                              <m:r>
+                                <a:rPr lang="vi-VN" b="1" i="1">
+                                  <a:latin typeface="Cambria Math" panose="02040503050406030204" pitchFamily="18" charset="0"/>
+                                  <a:ea typeface="Cambria Math" panose="02040503050406030204" pitchFamily="18" charset="0"/>
+                                </a:rPr>
+                                <m:t>∗</m:t>
+                              </m:r>
+                            </m:sup>
+                          </m:sSup>
+                        </m:e>
+                      </m:d>
+                    </m:oMath>
+                  </m:oMathPara>
+                </a14:m>
+                <a:endParaRPr lang="en-VN"/>
+              </a:p>
+            </p:txBody>
+          </p:sp>
+        </mc:Choice>
+        <mc:Fallback>
+          <p:sp>
+            <p:nvSpPr>
+              <p:cNvPr id="186" name="TextBox 185">
+                <a:extLst>
+                  <a:ext uri="{FF2B5EF4-FFF2-40B4-BE49-F238E27FC236}">
+                    <a16:creationId xmlns:a16="http://schemas.microsoft.com/office/drawing/2014/main" id="{D1901FF1-5BB4-51A5-5509-8F7892318E75}"/>
+                  </a:ext>
+                </a:extLst>
+              </p:cNvPr>
+              <p:cNvSpPr txBox="1">
+                <a:spLocks noRot="1" noChangeAspect="1" noMove="1" noResize="1" noEditPoints="1" noAdjustHandles="1" noChangeArrowheads="1" noChangeShapeType="1" noTextEdit="1"/>
+              </p:cNvSpPr>
+              <p:nvPr/>
+            </p:nvSpPr>
+            <p:spPr>
+              <a:xfrm>
+                <a:off x="7516479" y="4533991"/>
+                <a:ext cx="1546161" cy="369332"/>
+              </a:xfrm>
+              <a:prstGeom prst="rect">
+                <a:avLst/>
+              </a:prstGeom>
+              <a:blipFill>
+                <a:blip r:embed="rId29"/>
+                <a:stretch>
+                  <a:fillRect/>
+                </a:stretch>
+              </a:blipFill>
+            </p:spPr>
+            <p:txBody>
+              <a:bodyPr/>
+              <a:lstStyle/>
+              <a:p>
+                <a:r>
+                  <a:rPr lang="en-VN">
+                    <a:noFill/>
+                  </a:rPr>
+                  <a:t> </a:t>
+                </a:r>
+              </a:p>
+            </p:txBody>
+          </p:sp>
+        </mc:Fallback>
+      </mc:AlternateContent>
+      <p:sp>
+        <p:nvSpPr>
+          <p:cNvPr id="187" name="TextBox 186">
+            <a:extLst>
+              <a:ext uri="{FF2B5EF4-FFF2-40B4-BE49-F238E27FC236}">
+                <a16:creationId xmlns:a16="http://schemas.microsoft.com/office/drawing/2014/main" id="{5BE0D10C-1657-675E-68AB-90B996F122E2}"/>
+              </a:ext>
+            </a:extLst>
+          </p:cNvPr>
+          <p:cNvSpPr txBox="1"/>
+          <p:nvPr/>
+        </p:nvSpPr>
+        <p:spPr>
+          <a:xfrm>
+            <a:off x="7483164" y="4614178"/>
+            <a:ext cx="380037" cy="215444"/>
+          </a:xfrm>
+          <a:prstGeom prst="rect">
+            <a:avLst/>
+          </a:prstGeom>
+          <a:noFill/>
+          <a:ln>
+            <a:noFill/>
+          </a:ln>
+        </p:spPr>
+        <p:txBody>
+          <a:bodyPr wrap="square" rtlCol="0">
+            <a:spAutoFit/>
+          </a:bodyPr>
+          <a:lstStyle/>
+          <a:p>
+            <a:r>
+              <a:rPr lang="en-VN" sz="800">
+                <a:latin typeface="Times New Roman" panose="02020603050405020304" pitchFamily="18" charset="0"/>
+                <a:cs typeface="Times New Roman" panose="02020603050405020304" pitchFamily="18" charset="0"/>
+              </a:rPr>
+              <a:t>End</a:t>
+            </a:r>
+          </a:p>
+        </p:txBody>
+      </p:sp>
+      <p:cxnSp>
+        <p:nvCxnSpPr>
+          <p:cNvPr id="188" name="Straight Arrow Connector 187">
+            <a:extLst>
+              <a:ext uri="{FF2B5EF4-FFF2-40B4-BE49-F238E27FC236}">
+                <a16:creationId xmlns:a16="http://schemas.microsoft.com/office/drawing/2014/main" id="{083A72BE-F610-F2C2-962E-195F600E3F99}"/>
+              </a:ext>
+            </a:extLst>
+          </p:cNvPr>
+          <p:cNvCxnSpPr>
+            <a:cxnSpLocks/>
+            <a:endCxn id="187" idx="3"/>
+          </p:cNvCxnSpPr>
+          <p:nvPr/>
+        </p:nvCxnSpPr>
+        <p:spPr>
+          <a:xfrm flipH="1">
+            <a:off x="7863201" y="4721900"/>
+            <a:ext cx="185577" cy="0"/>
+          </a:xfrm>
+          <a:prstGeom prst="straightConnector1">
+            <a:avLst/>
+          </a:prstGeom>
+          <a:ln>
+            <a:solidFill>
+              <a:schemeClr val="tx1"/>
+            </a:solidFill>
+            <a:headEnd type="none" w="med" len="med"/>
+            <a:tailEnd type="arrow" w="med" len="med"/>
+          </a:ln>
+        </p:spPr>
+        <p:style>
+          <a:lnRef idx="1">
+            <a:schemeClr val="dk1"/>
+          </a:lnRef>
+          <a:fillRef idx="0">
+            <a:schemeClr val="dk1"/>
+          </a:fillRef>
+          <a:effectRef idx="0">
+            <a:schemeClr val="dk1"/>
+          </a:effectRef>
+          <a:fontRef idx="minor">
+            <a:schemeClr val="tx1"/>
+          </a:fontRef>
+        </p:style>
+      </p:cxnSp>
     </p:spTree>
     <p:extLst>
       <p:ext uri="{BB962C8B-B14F-4D97-AF65-F5344CB8AC3E}">
